--- a/240408 - DevOps Conference 2024 @London/Efficient Serverless Containers with Azure.pptx
+++ b/240408 - DevOps Conference 2024 @London/Efficient Serverless Containers with Azure.pptx
@@ -5,7 +5,7 @@
     <p:sldMasterId id="2147483648" r:id="rId1"/>
   </p:sldMasterIdLst>
   <p:notesMasterIdLst>
-    <p:notesMasterId r:id="rId15"/>
+    <p:notesMasterId r:id="rId17"/>
   </p:notesMasterIdLst>
   <p:sldIdLst>
     <p:sldId id="328" r:id="rId2"/>
@@ -18,14 +18,16 @@
     <p:sldId id="332" r:id="rId9"/>
     <p:sldId id="333" r:id="rId10"/>
     <p:sldId id="334" r:id="rId11"/>
-    <p:sldId id="335" r:id="rId12"/>
-    <p:sldId id="336" r:id="rId13"/>
-    <p:sldId id="337" r:id="rId14"/>
+    <p:sldId id="339" r:id="rId12"/>
+    <p:sldId id="335" r:id="rId13"/>
+    <p:sldId id="340" r:id="rId14"/>
+    <p:sldId id="336" r:id="rId15"/>
+    <p:sldId id="338" r:id="rId16"/>
   </p:sldIdLst>
   <p:sldSz cx="12192000" cy="6858000"/>
   <p:notesSz cx="6858000" cy="9144000"/>
   <p:custDataLst>
-    <p:tags r:id="rId16"/>
+    <p:tags r:id="rId18"/>
   </p:custDataLst>
   <p:defaultTextStyle>
     <a:defPPr>
@@ -220,7 +222,7 @@
                   <a:bodyPr/>
                   <a:lstStyle/>
                   <a:p>
-                    <a:fld id="{16FC8B2D-CED8-4010-AFA0-FA4DFA564034}" type="CELLRANGE">
+                    <a:fld id="{31021AF8-0C53-4919-8842-A9CF962EB1C6}" type="CELLRANGE">
                       <a:rPr lang="it-IT"/>
                       <a:pPr/>
                       <a:t>[CELLRANGE]</a:t>
@@ -254,7 +256,7 @@
                   <a:bodyPr/>
                   <a:lstStyle/>
                   <a:p>
-                    <a:fld id="{280887B9-AA8C-4E44-8F16-D5C72A7C15DD}" type="CELLRANGE">
+                    <a:fld id="{18290DE6-892F-4A7F-8D71-B9674B3D93F2}" type="CELLRANGE">
                       <a:rPr lang="it-IT"/>
                       <a:pPr/>
                       <a:t>[CELLRANGE]</a:t>
@@ -288,7 +290,7 @@
                   <a:bodyPr/>
                   <a:lstStyle/>
                   <a:p>
-                    <a:fld id="{9B064813-7278-4F8B-8E24-8DC124C4FEE5}" type="CELLRANGE">
+                    <a:fld id="{D0ED6FF8-6041-4C24-A3C0-C25024723389}" type="CELLRANGE">
                       <a:rPr lang="it-IT"/>
                       <a:pPr/>
                       <a:t>[CELLRANGE]</a:t>
@@ -322,7 +324,7 @@
                   <a:bodyPr/>
                   <a:lstStyle/>
                   <a:p>
-                    <a:fld id="{293F193A-C009-46EC-86A9-B0330C2F451F}" type="CELLRANGE">
+                    <a:fld id="{3BB62FCB-93C1-4097-AE1B-ECF3A5D72631}" type="CELLRANGE">
                       <a:rPr lang="it-IT"/>
                       <a:pPr/>
                       <a:t>[CELLRANGE]</a:t>
@@ -356,7 +358,7 @@
                   <a:bodyPr/>
                   <a:lstStyle/>
                   <a:p>
-                    <a:fld id="{B79301F0-33F9-4A37-AE7C-C036C8644DD0}" type="CELLRANGE">
+                    <a:fld id="{B8BF8810-6FDD-4522-A739-F4530612913F}" type="CELLRANGE">
                       <a:rPr lang="it-IT"/>
                       <a:pPr/>
                       <a:t>[CELLRANGE]</a:t>
@@ -390,7 +392,7 @@
                   <a:bodyPr/>
                   <a:lstStyle/>
                   <a:p>
-                    <a:fld id="{6B441394-C8A7-417E-9458-C62237A60F85}" type="CELLRANGE">
+                    <a:fld id="{99BBC12A-E4A3-4FE2-890F-F12ECD5591A7}" type="CELLRANGE">
                       <a:rPr lang="it-IT"/>
                       <a:pPr/>
                       <a:t>[CELLRANGE]</a:t>
@@ -424,7 +426,7 @@
                   <a:bodyPr/>
                   <a:lstStyle/>
                   <a:p>
-                    <a:fld id="{2710D2BE-F818-41CD-85D1-3298E6A27253}" type="CELLRANGE">
+                    <a:fld id="{DBFCE3D3-426D-48D0-A866-019FBBCA1E21}" type="CELLRANGE">
                       <a:rPr lang="it-IT"/>
                       <a:pPr/>
                       <a:t>[CELLRANGE]</a:t>
@@ -458,7 +460,7 @@
                   <a:bodyPr/>
                   <a:lstStyle/>
                   <a:p>
-                    <a:fld id="{2CC6C7CE-9863-4967-8D3F-F7A53AE9BBB9}" type="CELLRANGE">
+                    <a:fld id="{5CFE9326-3DDF-4644-BBCE-EF5FF29077D8}" type="CELLRANGE">
                       <a:rPr lang="it-IT"/>
                       <a:pPr/>
                       <a:t>[CELLRANGE]</a:t>
@@ -1086,7 +1088,7 @@
                   <a:bodyPr/>
                   <a:lstStyle/>
                   <a:p>
-                    <a:fld id="{C703A9E6-F3AA-4391-A08E-E4B33E067127}" type="CELLRANGE">
+                    <a:fld id="{E91594F4-6E8E-4139-B5B0-D557FFC8725D}" type="CELLRANGE">
                       <a:rPr lang="it-IT"/>
                       <a:pPr/>
                       <a:t>[CELLRANGE]</a:t>
@@ -1120,7 +1122,7 @@
                   <a:bodyPr/>
                   <a:lstStyle/>
                   <a:p>
-                    <a:fld id="{A01BB595-44E5-4DA3-82C5-0B4C65D2D43C}" type="CELLRANGE">
+                    <a:fld id="{9478553E-C53D-48BE-AAB6-E1DF3D0937FD}" type="CELLRANGE">
                       <a:rPr lang="it-IT"/>
                       <a:pPr/>
                       <a:t>[CELLRANGE]</a:t>
@@ -1154,7 +1156,7 @@
                   <a:bodyPr/>
                   <a:lstStyle/>
                   <a:p>
-                    <a:fld id="{8F069C2E-D502-416E-8F2D-37DFF971B877}" type="CELLRANGE">
+                    <a:fld id="{603CEE7F-790E-47A7-B19A-358F0E8F9368}" type="CELLRANGE">
                       <a:rPr lang="it-IT"/>
                       <a:pPr/>
                       <a:t>[CELLRANGE]</a:t>
@@ -1188,7 +1190,7 @@
                   <a:bodyPr/>
                   <a:lstStyle/>
                   <a:p>
-                    <a:fld id="{F23FB3A1-9A29-4ED2-8631-C6133A328402}" type="CELLRANGE">
+                    <a:fld id="{79379E59-E395-4E75-8873-8941DAEE02DC}" type="CELLRANGE">
                       <a:rPr lang="it-IT"/>
                       <a:pPr/>
                       <a:t>[CELLRANGE]</a:t>
@@ -1222,7 +1224,7 @@
                   <a:bodyPr/>
                   <a:lstStyle/>
                   <a:p>
-                    <a:fld id="{204E5D7A-95CA-4678-AA52-A2EFD3A1FE76}" type="CELLRANGE">
+                    <a:fld id="{51359B9E-1F3E-4769-9420-B4981F300951}" type="CELLRANGE">
                       <a:rPr lang="it-IT"/>
                       <a:pPr/>
                       <a:t>[CELLRANGE]</a:t>
@@ -1256,7 +1258,7 @@
                   <a:bodyPr/>
                   <a:lstStyle/>
                   <a:p>
-                    <a:fld id="{99670A2D-BA4A-4836-A3F3-AF60FA9CADCD}" type="CELLRANGE">
+                    <a:fld id="{DC5FD5EA-3313-44D8-BDF0-9A85422ECA4C}" type="CELLRANGE">
                       <a:rPr lang="it-IT"/>
                       <a:pPr/>
                       <a:t>[CELLRANGE]</a:t>
@@ -1290,7 +1292,7 @@
                   <a:bodyPr/>
                   <a:lstStyle/>
                   <a:p>
-                    <a:fld id="{5FDEC3C6-D307-4274-A9FB-7244F59EAE72}" type="CELLRANGE">
+                    <a:fld id="{D0F680F8-A493-4A52-AFC4-0C3B43029699}" type="CELLRANGE">
                       <a:rPr lang="it-IT"/>
                       <a:pPr/>
                       <a:t>[CELLRANGE]</a:t>
@@ -1324,7 +1326,7 @@
                   <a:bodyPr/>
                   <a:lstStyle/>
                   <a:p>
-                    <a:fld id="{70CC6074-803E-411C-8833-7A66B3099547}" type="CELLRANGE">
+                    <a:fld id="{1CF18F43-6D58-4745-9B78-F9FEE786E66E}" type="CELLRANGE">
                       <a:rPr lang="it-IT"/>
                       <a:pPr/>
                       <a:t>[CELLRANGE]</a:t>
@@ -3758,6 +3760,1500 @@
 </dgm:colorsDef>
 </file>
 
+<file path=ppt/diagrams/colors2.xml><?xml version="1.0" encoding="utf-8"?>
+<dgm:colorsDef xmlns:dgm="http://schemas.openxmlformats.org/drawingml/2006/diagram" xmlns:a="http://schemas.openxmlformats.org/drawingml/2006/main" uniqueId="urn:microsoft.com/office/officeart/2005/8/colors/accent1_2">
+  <dgm:title val=""/>
+  <dgm:desc val=""/>
+  <dgm:catLst>
+    <dgm:cat type="accent1" pri="11200"/>
+  </dgm:catLst>
+  <dgm:styleLbl name="node0">
+    <dgm:fillClrLst meth="repeat">
+      <a:schemeClr val="accent1"/>
+    </dgm:fillClrLst>
+    <dgm:linClrLst meth="repeat">
+      <a:schemeClr val="lt1"/>
+    </dgm:linClrLst>
+    <dgm:effectClrLst/>
+    <dgm:txLinClrLst/>
+    <dgm:txFillClrLst/>
+    <dgm:txEffectClrLst/>
+  </dgm:styleLbl>
+  <dgm:styleLbl name="alignNode1">
+    <dgm:fillClrLst meth="repeat">
+      <a:schemeClr val="accent1"/>
+    </dgm:fillClrLst>
+    <dgm:linClrLst meth="repeat">
+      <a:schemeClr val="accent1"/>
+    </dgm:linClrLst>
+    <dgm:effectClrLst/>
+    <dgm:txLinClrLst/>
+    <dgm:txFillClrLst/>
+    <dgm:txEffectClrLst/>
+  </dgm:styleLbl>
+  <dgm:styleLbl name="node1">
+    <dgm:fillClrLst meth="repeat">
+      <a:schemeClr val="accent1"/>
+    </dgm:fillClrLst>
+    <dgm:linClrLst meth="repeat">
+      <a:schemeClr val="lt1"/>
+    </dgm:linClrLst>
+    <dgm:effectClrLst/>
+    <dgm:txLinClrLst/>
+    <dgm:txFillClrLst/>
+    <dgm:txEffectClrLst/>
+  </dgm:styleLbl>
+  <dgm:styleLbl name="lnNode1">
+    <dgm:fillClrLst meth="repeat">
+      <a:schemeClr val="accent1"/>
+    </dgm:fillClrLst>
+    <dgm:linClrLst meth="repeat">
+      <a:schemeClr val="lt1"/>
+    </dgm:linClrLst>
+    <dgm:effectClrLst/>
+    <dgm:txLinClrLst/>
+    <dgm:txFillClrLst/>
+    <dgm:txEffectClrLst/>
+  </dgm:styleLbl>
+  <dgm:styleLbl name="vennNode1">
+    <dgm:fillClrLst meth="repeat">
+      <a:schemeClr val="accent1">
+        <a:alpha val="50000"/>
+      </a:schemeClr>
+    </dgm:fillClrLst>
+    <dgm:linClrLst meth="repeat">
+      <a:schemeClr val="lt1"/>
+    </dgm:linClrLst>
+    <dgm:effectClrLst/>
+    <dgm:txLinClrLst/>
+    <dgm:txFillClrLst/>
+    <dgm:txEffectClrLst/>
+  </dgm:styleLbl>
+  <dgm:styleLbl name="node2">
+    <dgm:fillClrLst meth="repeat">
+      <a:schemeClr val="accent1"/>
+    </dgm:fillClrLst>
+    <dgm:linClrLst meth="repeat">
+      <a:schemeClr val="lt1"/>
+    </dgm:linClrLst>
+    <dgm:effectClrLst/>
+    <dgm:txLinClrLst/>
+    <dgm:txFillClrLst/>
+    <dgm:txEffectClrLst/>
+  </dgm:styleLbl>
+  <dgm:styleLbl name="node3">
+    <dgm:fillClrLst meth="repeat">
+      <a:schemeClr val="accent1"/>
+    </dgm:fillClrLst>
+    <dgm:linClrLst meth="repeat">
+      <a:schemeClr val="lt1"/>
+    </dgm:linClrLst>
+    <dgm:effectClrLst/>
+    <dgm:txLinClrLst/>
+    <dgm:txFillClrLst/>
+    <dgm:txEffectClrLst/>
+  </dgm:styleLbl>
+  <dgm:styleLbl name="node4">
+    <dgm:fillClrLst meth="repeat">
+      <a:schemeClr val="accent1"/>
+    </dgm:fillClrLst>
+    <dgm:linClrLst meth="repeat">
+      <a:schemeClr val="lt1"/>
+    </dgm:linClrLst>
+    <dgm:effectClrLst/>
+    <dgm:txLinClrLst/>
+    <dgm:txFillClrLst/>
+    <dgm:txEffectClrLst/>
+  </dgm:styleLbl>
+  <dgm:styleLbl name="fgImgPlace1">
+    <dgm:fillClrLst meth="repeat">
+      <a:schemeClr val="accent1">
+        <a:tint val="50000"/>
+      </a:schemeClr>
+    </dgm:fillClrLst>
+    <dgm:linClrLst meth="repeat">
+      <a:schemeClr val="lt1"/>
+    </dgm:linClrLst>
+    <dgm:effectClrLst/>
+    <dgm:txLinClrLst/>
+    <dgm:txFillClrLst meth="repeat">
+      <a:schemeClr val="lt1"/>
+    </dgm:txFillClrLst>
+    <dgm:txEffectClrLst/>
+  </dgm:styleLbl>
+  <dgm:styleLbl name="alignImgPlace1">
+    <dgm:fillClrLst meth="repeat">
+      <a:schemeClr val="accent1">
+        <a:tint val="50000"/>
+      </a:schemeClr>
+    </dgm:fillClrLst>
+    <dgm:linClrLst meth="repeat">
+      <a:schemeClr val="lt1"/>
+    </dgm:linClrLst>
+    <dgm:effectClrLst/>
+    <dgm:txLinClrLst/>
+    <dgm:txFillClrLst meth="repeat">
+      <a:schemeClr val="lt1"/>
+    </dgm:txFillClrLst>
+    <dgm:txEffectClrLst/>
+  </dgm:styleLbl>
+  <dgm:styleLbl name="bgImgPlace1">
+    <dgm:fillClrLst meth="repeat">
+      <a:schemeClr val="accent1">
+        <a:tint val="50000"/>
+      </a:schemeClr>
+    </dgm:fillClrLst>
+    <dgm:linClrLst meth="repeat">
+      <a:schemeClr val="lt1"/>
+    </dgm:linClrLst>
+    <dgm:effectClrLst/>
+    <dgm:txLinClrLst/>
+    <dgm:txFillClrLst meth="repeat">
+      <a:schemeClr val="lt1"/>
+    </dgm:txFillClrLst>
+    <dgm:txEffectClrLst/>
+  </dgm:styleLbl>
+  <dgm:styleLbl name="sibTrans2D1">
+    <dgm:fillClrLst meth="repeat">
+      <a:schemeClr val="accent1">
+        <a:tint val="60000"/>
+      </a:schemeClr>
+    </dgm:fillClrLst>
+    <dgm:linClrLst meth="repeat">
+      <a:schemeClr val="accent1">
+        <a:tint val="60000"/>
+      </a:schemeClr>
+    </dgm:linClrLst>
+    <dgm:effectClrLst/>
+    <dgm:txLinClrLst/>
+    <dgm:txFillClrLst/>
+    <dgm:txEffectClrLst/>
+  </dgm:styleLbl>
+  <dgm:styleLbl name="fgSibTrans2D1">
+    <dgm:fillClrLst meth="repeat">
+      <a:schemeClr val="accent1">
+        <a:tint val="60000"/>
+      </a:schemeClr>
+    </dgm:fillClrLst>
+    <dgm:linClrLst meth="repeat">
+      <a:schemeClr val="accent1">
+        <a:tint val="60000"/>
+      </a:schemeClr>
+    </dgm:linClrLst>
+    <dgm:effectClrLst/>
+    <dgm:txLinClrLst/>
+    <dgm:txFillClrLst/>
+    <dgm:txEffectClrLst/>
+  </dgm:styleLbl>
+  <dgm:styleLbl name="bgSibTrans2D1">
+    <dgm:fillClrLst meth="repeat">
+      <a:schemeClr val="accent1">
+        <a:tint val="60000"/>
+      </a:schemeClr>
+    </dgm:fillClrLst>
+    <dgm:linClrLst meth="repeat">
+      <a:schemeClr val="accent1">
+        <a:tint val="60000"/>
+      </a:schemeClr>
+    </dgm:linClrLst>
+    <dgm:effectClrLst/>
+    <dgm:txLinClrLst/>
+    <dgm:txFillClrLst/>
+    <dgm:txEffectClrLst/>
+  </dgm:styleLbl>
+  <dgm:styleLbl name="sibTrans1D1">
+    <dgm:fillClrLst meth="repeat">
+      <a:schemeClr val="accent1"/>
+    </dgm:fillClrLst>
+    <dgm:linClrLst meth="repeat">
+      <a:schemeClr val="accent1"/>
+    </dgm:linClrLst>
+    <dgm:effectClrLst/>
+    <dgm:txLinClrLst/>
+    <dgm:txFillClrLst meth="repeat">
+      <a:schemeClr val="tx1"/>
+    </dgm:txFillClrLst>
+    <dgm:txEffectClrLst/>
+  </dgm:styleLbl>
+  <dgm:styleLbl name="callout">
+    <dgm:fillClrLst meth="repeat">
+      <a:schemeClr val="accent1"/>
+    </dgm:fillClrLst>
+    <dgm:linClrLst meth="repeat">
+      <a:schemeClr val="accent1">
+        <a:tint val="50000"/>
+      </a:schemeClr>
+    </dgm:linClrLst>
+    <dgm:effectClrLst/>
+    <dgm:txLinClrLst/>
+    <dgm:txFillClrLst meth="repeat">
+      <a:schemeClr val="tx1"/>
+    </dgm:txFillClrLst>
+    <dgm:txEffectClrLst/>
+  </dgm:styleLbl>
+  <dgm:styleLbl name="asst0">
+    <dgm:fillClrLst meth="repeat">
+      <a:schemeClr val="accent1"/>
+    </dgm:fillClrLst>
+    <dgm:linClrLst meth="repeat">
+      <a:schemeClr val="lt1"/>
+    </dgm:linClrLst>
+    <dgm:effectClrLst/>
+    <dgm:txLinClrLst/>
+    <dgm:txFillClrLst/>
+    <dgm:txEffectClrLst/>
+  </dgm:styleLbl>
+  <dgm:styleLbl name="asst1">
+    <dgm:fillClrLst meth="repeat">
+      <a:schemeClr val="accent1"/>
+    </dgm:fillClrLst>
+    <dgm:linClrLst meth="repeat">
+      <a:schemeClr val="lt1"/>
+    </dgm:linClrLst>
+    <dgm:effectClrLst/>
+    <dgm:txLinClrLst/>
+    <dgm:txFillClrLst/>
+    <dgm:txEffectClrLst/>
+  </dgm:styleLbl>
+  <dgm:styleLbl name="asst2">
+    <dgm:fillClrLst meth="repeat">
+      <a:schemeClr val="accent1"/>
+    </dgm:fillClrLst>
+    <dgm:linClrLst meth="repeat">
+      <a:schemeClr val="lt1"/>
+    </dgm:linClrLst>
+    <dgm:effectClrLst/>
+    <dgm:txLinClrLst/>
+    <dgm:txFillClrLst/>
+    <dgm:txEffectClrLst/>
+  </dgm:styleLbl>
+  <dgm:styleLbl name="asst3">
+    <dgm:fillClrLst meth="repeat">
+      <a:schemeClr val="accent1"/>
+    </dgm:fillClrLst>
+    <dgm:linClrLst meth="repeat">
+      <a:schemeClr val="lt1"/>
+    </dgm:linClrLst>
+    <dgm:effectClrLst/>
+    <dgm:txLinClrLst/>
+    <dgm:txFillClrLst/>
+    <dgm:txEffectClrLst/>
+  </dgm:styleLbl>
+  <dgm:styleLbl name="asst4">
+    <dgm:fillClrLst meth="repeat">
+      <a:schemeClr val="accent1"/>
+    </dgm:fillClrLst>
+    <dgm:linClrLst meth="repeat">
+      <a:schemeClr val="lt1"/>
+    </dgm:linClrLst>
+    <dgm:effectClrLst/>
+    <dgm:txLinClrLst/>
+    <dgm:txFillClrLst/>
+    <dgm:txEffectClrLst/>
+  </dgm:styleLbl>
+  <dgm:styleLbl name="parChTrans2D1">
+    <dgm:fillClrLst meth="repeat">
+      <a:schemeClr val="accent1">
+        <a:tint val="60000"/>
+      </a:schemeClr>
+    </dgm:fillClrLst>
+    <dgm:linClrLst meth="repeat">
+      <a:schemeClr val="accent1">
+        <a:tint val="60000"/>
+      </a:schemeClr>
+    </dgm:linClrLst>
+    <dgm:effectClrLst/>
+    <dgm:txLinClrLst/>
+    <dgm:txFillClrLst meth="repeat">
+      <a:schemeClr val="lt1"/>
+    </dgm:txFillClrLst>
+    <dgm:txEffectClrLst/>
+  </dgm:styleLbl>
+  <dgm:styleLbl name="parChTrans2D2">
+    <dgm:fillClrLst meth="repeat">
+      <a:schemeClr val="accent1"/>
+    </dgm:fillClrLst>
+    <dgm:linClrLst meth="repeat">
+      <a:schemeClr val="accent1"/>
+    </dgm:linClrLst>
+    <dgm:effectClrLst/>
+    <dgm:txLinClrLst/>
+    <dgm:txFillClrLst meth="repeat">
+      <a:schemeClr val="lt1"/>
+    </dgm:txFillClrLst>
+    <dgm:txEffectClrLst/>
+  </dgm:styleLbl>
+  <dgm:styleLbl name="parChTrans2D3">
+    <dgm:fillClrLst meth="repeat">
+      <a:schemeClr val="accent1"/>
+    </dgm:fillClrLst>
+    <dgm:linClrLst meth="repeat">
+      <a:schemeClr val="accent1"/>
+    </dgm:linClrLst>
+    <dgm:effectClrLst/>
+    <dgm:txLinClrLst/>
+    <dgm:txFillClrLst meth="repeat">
+      <a:schemeClr val="lt1"/>
+    </dgm:txFillClrLst>
+    <dgm:txEffectClrLst/>
+  </dgm:styleLbl>
+  <dgm:styleLbl name="parChTrans2D4">
+    <dgm:fillClrLst meth="repeat">
+      <a:schemeClr val="accent1"/>
+    </dgm:fillClrLst>
+    <dgm:linClrLst meth="repeat">
+      <a:schemeClr val="accent1"/>
+    </dgm:linClrLst>
+    <dgm:effectClrLst/>
+    <dgm:txLinClrLst/>
+    <dgm:txFillClrLst meth="repeat">
+      <a:schemeClr val="lt1"/>
+    </dgm:txFillClrLst>
+    <dgm:txEffectClrLst/>
+  </dgm:styleLbl>
+  <dgm:styleLbl name="parChTrans1D1">
+    <dgm:fillClrLst meth="repeat">
+      <a:schemeClr val="accent1"/>
+    </dgm:fillClrLst>
+    <dgm:linClrLst meth="repeat">
+      <a:schemeClr val="accent1">
+        <a:shade val="60000"/>
+      </a:schemeClr>
+    </dgm:linClrLst>
+    <dgm:effectClrLst/>
+    <dgm:txLinClrLst/>
+    <dgm:txFillClrLst meth="repeat">
+      <a:schemeClr val="tx1"/>
+    </dgm:txFillClrLst>
+    <dgm:txEffectClrLst/>
+  </dgm:styleLbl>
+  <dgm:styleLbl name="parChTrans1D2">
+    <dgm:fillClrLst meth="repeat">
+      <a:schemeClr val="accent1"/>
+    </dgm:fillClrLst>
+    <dgm:linClrLst meth="repeat">
+      <a:schemeClr val="accent1">
+        <a:shade val="60000"/>
+      </a:schemeClr>
+    </dgm:linClrLst>
+    <dgm:effectClrLst/>
+    <dgm:txLinClrLst/>
+    <dgm:txFillClrLst meth="repeat">
+      <a:schemeClr val="tx1"/>
+    </dgm:txFillClrLst>
+    <dgm:txEffectClrLst/>
+  </dgm:styleLbl>
+  <dgm:styleLbl name="parChTrans1D3">
+    <dgm:fillClrLst meth="repeat">
+      <a:schemeClr val="accent1"/>
+    </dgm:fillClrLst>
+    <dgm:linClrLst meth="repeat">
+      <a:schemeClr val="accent1">
+        <a:shade val="80000"/>
+      </a:schemeClr>
+    </dgm:linClrLst>
+    <dgm:effectClrLst/>
+    <dgm:txLinClrLst/>
+    <dgm:txFillClrLst meth="repeat">
+      <a:schemeClr val="tx1"/>
+    </dgm:txFillClrLst>
+    <dgm:txEffectClrLst/>
+  </dgm:styleLbl>
+  <dgm:styleLbl name="parChTrans1D4">
+    <dgm:fillClrLst meth="repeat">
+      <a:schemeClr val="accent1"/>
+    </dgm:fillClrLst>
+    <dgm:linClrLst meth="repeat">
+      <a:schemeClr val="accent1">
+        <a:shade val="80000"/>
+      </a:schemeClr>
+    </dgm:linClrLst>
+    <dgm:effectClrLst/>
+    <dgm:txLinClrLst/>
+    <dgm:txFillClrLst meth="repeat">
+      <a:schemeClr val="tx1"/>
+    </dgm:txFillClrLst>
+    <dgm:txEffectClrLst/>
+  </dgm:styleLbl>
+  <dgm:styleLbl name="fgAcc1">
+    <dgm:fillClrLst meth="repeat">
+      <a:schemeClr val="lt1">
+        <a:alpha val="90000"/>
+      </a:schemeClr>
+    </dgm:fillClrLst>
+    <dgm:linClrLst meth="repeat">
+      <a:schemeClr val="accent1"/>
+    </dgm:linClrLst>
+    <dgm:effectClrLst/>
+    <dgm:txLinClrLst/>
+    <dgm:txFillClrLst meth="repeat">
+      <a:schemeClr val="dk1"/>
+    </dgm:txFillClrLst>
+    <dgm:txEffectClrLst/>
+  </dgm:styleLbl>
+  <dgm:styleLbl name="conFgAcc1">
+    <dgm:fillClrLst meth="repeat">
+      <a:schemeClr val="lt1">
+        <a:alpha val="90000"/>
+      </a:schemeClr>
+    </dgm:fillClrLst>
+    <dgm:linClrLst meth="repeat">
+      <a:schemeClr val="accent1"/>
+    </dgm:linClrLst>
+    <dgm:effectClrLst/>
+    <dgm:txLinClrLst/>
+    <dgm:txFillClrLst meth="repeat">
+      <a:schemeClr val="dk1"/>
+    </dgm:txFillClrLst>
+    <dgm:txEffectClrLst/>
+  </dgm:styleLbl>
+  <dgm:styleLbl name="alignAcc1">
+    <dgm:fillClrLst meth="repeat">
+      <a:schemeClr val="lt1">
+        <a:alpha val="90000"/>
+      </a:schemeClr>
+    </dgm:fillClrLst>
+    <dgm:linClrLst meth="repeat">
+      <a:schemeClr val="accent1"/>
+    </dgm:linClrLst>
+    <dgm:effectClrLst/>
+    <dgm:txLinClrLst/>
+    <dgm:txFillClrLst meth="repeat">
+      <a:schemeClr val="dk1"/>
+    </dgm:txFillClrLst>
+    <dgm:txEffectClrLst/>
+  </dgm:styleLbl>
+  <dgm:styleLbl name="trAlignAcc1">
+    <dgm:fillClrLst meth="repeat">
+      <a:schemeClr val="lt1">
+        <a:alpha val="40000"/>
+      </a:schemeClr>
+    </dgm:fillClrLst>
+    <dgm:linClrLst meth="repeat">
+      <a:schemeClr val="accent1"/>
+    </dgm:linClrLst>
+    <dgm:effectClrLst/>
+    <dgm:txLinClrLst/>
+    <dgm:txFillClrLst meth="repeat">
+      <a:schemeClr val="dk1"/>
+    </dgm:txFillClrLst>
+    <dgm:txEffectClrLst/>
+  </dgm:styleLbl>
+  <dgm:styleLbl name="bgAcc1">
+    <dgm:fillClrLst meth="repeat">
+      <a:schemeClr val="lt1">
+        <a:alpha val="90000"/>
+      </a:schemeClr>
+    </dgm:fillClrLst>
+    <dgm:linClrLst meth="repeat">
+      <a:schemeClr val="accent1"/>
+    </dgm:linClrLst>
+    <dgm:effectClrLst/>
+    <dgm:txLinClrLst/>
+    <dgm:txFillClrLst meth="repeat">
+      <a:schemeClr val="dk1"/>
+    </dgm:txFillClrLst>
+    <dgm:txEffectClrLst/>
+  </dgm:styleLbl>
+  <dgm:styleLbl name="solidFgAcc1">
+    <dgm:fillClrLst meth="repeat">
+      <a:schemeClr val="lt1"/>
+    </dgm:fillClrLst>
+    <dgm:linClrLst meth="repeat">
+      <a:schemeClr val="accent1"/>
+    </dgm:linClrLst>
+    <dgm:effectClrLst/>
+    <dgm:txLinClrLst/>
+    <dgm:txFillClrLst meth="repeat">
+      <a:schemeClr val="dk1"/>
+    </dgm:txFillClrLst>
+    <dgm:txEffectClrLst/>
+  </dgm:styleLbl>
+  <dgm:styleLbl name="solidAlignAcc1">
+    <dgm:fillClrLst meth="repeat">
+      <a:schemeClr val="lt1"/>
+    </dgm:fillClrLst>
+    <dgm:linClrLst meth="repeat">
+      <a:schemeClr val="accent1"/>
+    </dgm:linClrLst>
+    <dgm:effectClrLst/>
+    <dgm:txLinClrLst/>
+    <dgm:txFillClrLst meth="repeat">
+      <a:schemeClr val="dk1"/>
+    </dgm:txFillClrLst>
+    <dgm:txEffectClrLst/>
+  </dgm:styleLbl>
+  <dgm:styleLbl name="solidBgAcc1">
+    <dgm:fillClrLst meth="repeat">
+      <a:schemeClr val="lt1"/>
+    </dgm:fillClrLst>
+    <dgm:linClrLst meth="repeat">
+      <a:schemeClr val="accent1"/>
+    </dgm:linClrLst>
+    <dgm:effectClrLst/>
+    <dgm:txLinClrLst/>
+    <dgm:txFillClrLst meth="repeat">
+      <a:schemeClr val="dk1"/>
+    </dgm:txFillClrLst>
+    <dgm:txEffectClrLst/>
+  </dgm:styleLbl>
+  <dgm:styleLbl name="fgAccFollowNode1">
+    <dgm:fillClrLst meth="repeat">
+      <a:schemeClr val="accent1">
+        <a:alpha val="90000"/>
+        <a:tint val="40000"/>
+      </a:schemeClr>
+    </dgm:fillClrLst>
+    <dgm:linClrLst meth="repeat">
+      <a:schemeClr val="accent1">
+        <a:alpha val="90000"/>
+        <a:tint val="40000"/>
+      </a:schemeClr>
+    </dgm:linClrLst>
+    <dgm:effectClrLst/>
+    <dgm:txLinClrLst/>
+    <dgm:txFillClrLst meth="repeat">
+      <a:schemeClr val="dk1"/>
+    </dgm:txFillClrLst>
+    <dgm:txEffectClrLst/>
+  </dgm:styleLbl>
+  <dgm:styleLbl name="alignAccFollowNode1">
+    <dgm:fillClrLst meth="repeat">
+      <a:schemeClr val="accent1">
+        <a:alpha val="90000"/>
+        <a:tint val="40000"/>
+      </a:schemeClr>
+    </dgm:fillClrLst>
+    <dgm:linClrLst meth="repeat">
+      <a:schemeClr val="accent1">
+        <a:alpha val="90000"/>
+        <a:tint val="40000"/>
+      </a:schemeClr>
+    </dgm:linClrLst>
+    <dgm:effectClrLst/>
+    <dgm:txLinClrLst/>
+    <dgm:txFillClrLst meth="repeat">
+      <a:schemeClr val="dk1"/>
+    </dgm:txFillClrLst>
+    <dgm:txEffectClrLst/>
+  </dgm:styleLbl>
+  <dgm:styleLbl name="bgAccFollowNode1">
+    <dgm:fillClrLst meth="repeat">
+      <a:schemeClr val="accent1">
+        <a:alpha val="90000"/>
+        <a:tint val="40000"/>
+      </a:schemeClr>
+    </dgm:fillClrLst>
+    <dgm:linClrLst meth="repeat">
+      <a:schemeClr val="accent1">
+        <a:alpha val="90000"/>
+        <a:tint val="40000"/>
+      </a:schemeClr>
+    </dgm:linClrLst>
+    <dgm:effectClrLst/>
+    <dgm:txLinClrLst/>
+    <dgm:txFillClrLst meth="repeat">
+      <a:schemeClr val="dk1"/>
+    </dgm:txFillClrLst>
+    <dgm:txEffectClrLst/>
+  </dgm:styleLbl>
+  <dgm:styleLbl name="fgAcc0">
+    <dgm:fillClrLst meth="repeat">
+      <a:schemeClr val="lt1">
+        <a:alpha val="90000"/>
+      </a:schemeClr>
+    </dgm:fillClrLst>
+    <dgm:linClrLst meth="repeat">
+      <a:schemeClr val="accent1"/>
+    </dgm:linClrLst>
+    <dgm:effectClrLst/>
+    <dgm:txLinClrLst/>
+    <dgm:txFillClrLst meth="repeat">
+      <a:schemeClr val="dk1"/>
+    </dgm:txFillClrLst>
+    <dgm:txEffectClrLst/>
+  </dgm:styleLbl>
+  <dgm:styleLbl name="fgAcc2">
+    <dgm:fillClrLst meth="repeat">
+      <a:schemeClr val="lt1">
+        <a:alpha val="90000"/>
+      </a:schemeClr>
+    </dgm:fillClrLst>
+    <dgm:linClrLst meth="repeat">
+      <a:schemeClr val="accent1"/>
+    </dgm:linClrLst>
+    <dgm:effectClrLst/>
+    <dgm:txLinClrLst/>
+    <dgm:txFillClrLst meth="repeat">
+      <a:schemeClr val="dk1"/>
+    </dgm:txFillClrLst>
+    <dgm:txEffectClrLst/>
+  </dgm:styleLbl>
+  <dgm:styleLbl name="fgAcc3">
+    <dgm:fillClrLst meth="repeat">
+      <a:schemeClr val="lt1">
+        <a:alpha val="90000"/>
+      </a:schemeClr>
+    </dgm:fillClrLst>
+    <dgm:linClrLst meth="repeat">
+      <a:schemeClr val="accent1"/>
+    </dgm:linClrLst>
+    <dgm:effectClrLst/>
+    <dgm:txLinClrLst/>
+    <dgm:txFillClrLst meth="repeat">
+      <a:schemeClr val="dk1"/>
+    </dgm:txFillClrLst>
+    <dgm:txEffectClrLst/>
+  </dgm:styleLbl>
+  <dgm:styleLbl name="fgAcc4">
+    <dgm:fillClrLst meth="repeat">
+      <a:schemeClr val="lt1">
+        <a:alpha val="90000"/>
+      </a:schemeClr>
+    </dgm:fillClrLst>
+    <dgm:linClrLst meth="repeat">
+      <a:schemeClr val="accent1"/>
+    </dgm:linClrLst>
+    <dgm:effectClrLst/>
+    <dgm:txLinClrLst/>
+    <dgm:txFillClrLst meth="repeat">
+      <a:schemeClr val="dk1"/>
+    </dgm:txFillClrLst>
+    <dgm:txEffectClrLst/>
+  </dgm:styleLbl>
+  <dgm:styleLbl name="bgShp">
+    <dgm:fillClrLst meth="repeat">
+      <a:schemeClr val="accent1">
+        <a:tint val="40000"/>
+      </a:schemeClr>
+    </dgm:fillClrLst>
+    <dgm:linClrLst meth="repeat">
+      <a:schemeClr val="accent1"/>
+    </dgm:linClrLst>
+    <dgm:effectClrLst/>
+    <dgm:txLinClrLst/>
+    <dgm:txFillClrLst meth="repeat">
+      <a:schemeClr val="dk1"/>
+    </dgm:txFillClrLst>
+    <dgm:txEffectClrLst/>
+  </dgm:styleLbl>
+  <dgm:styleLbl name="dkBgShp">
+    <dgm:fillClrLst meth="repeat">
+      <a:schemeClr val="accent1">
+        <a:shade val="80000"/>
+      </a:schemeClr>
+    </dgm:fillClrLst>
+    <dgm:linClrLst meth="repeat">
+      <a:schemeClr val="accent1"/>
+    </dgm:linClrLst>
+    <dgm:effectClrLst/>
+    <dgm:txLinClrLst/>
+    <dgm:txFillClrLst meth="repeat">
+      <a:schemeClr val="lt1"/>
+    </dgm:txFillClrLst>
+    <dgm:txEffectClrLst/>
+  </dgm:styleLbl>
+  <dgm:styleLbl name="trBgShp">
+    <dgm:fillClrLst meth="repeat">
+      <a:schemeClr val="accent1">
+        <a:tint val="50000"/>
+        <a:alpha val="40000"/>
+      </a:schemeClr>
+    </dgm:fillClrLst>
+    <dgm:linClrLst meth="repeat">
+      <a:schemeClr val="accent1"/>
+    </dgm:linClrLst>
+    <dgm:effectClrLst/>
+    <dgm:txLinClrLst/>
+    <dgm:txFillClrLst meth="repeat">
+      <a:schemeClr val="lt1"/>
+    </dgm:txFillClrLst>
+    <dgm:txEffectClrLst/>
+  </dgm:styleLbl>
+  <dgm:styleLbl name="fgShp">
+    <dgm:fillClrLst meth="repeat">
+      <a:schemeClr val="accent1">
+        <a:tint val="60000"/>
+      </a:schemeClr>
+    </dgm:fillClrLst>
+    <dgm:linClrLst meth="repeat">
+      <a:schemeClr val="lt1"/>
+    </dgm:linClrLst>
+    <dgm:effectClrLst/>
+    <dgm:txLinClrLst/>
+    <dgm:txFillClrLst meth="repeat">
+      <a:schemeClr val="dk1"/>
+    </dgm:txFillClrLst>
+    <dgm:txEffectClrLst/>
+  </dgm:styleLbl>
+  <dgm:styleLbl name="revTx">
+    <dgm:fillClrLst meth="repeat">
+      <a:schemeClr val="lt1">
+        <a:alpha val="0"/>
+      </a:schemeClr>
+    </dgm:fillClrLst>
+    <dgm:linClrLst meth="repeat">
+      <a:schemeClr val="dk1">
+        <a:alpha val="0"/>
+      </a:schemeClr>
+    </dgm:linClrLst>
+    <dgm:effectClrLst/>
+    <dgm:txLinClrLst/>
+    <dgm:txFillClrLst meth="repeat">
+      <a:schemeClr val="tx1"/>
+    </dgm:txFillClrLst>
+    <dgm:txEffectClrLst/>
+  </dgm:styleLbl>
+</dgm:colorsDef>
+</file>
+
+<file path=ppt/diagrams/colors3.xml><?xml version="1.0" encoding="utf-8"?>
+<dgm:colorsDef xmlns:dgm="http://schemas.openxmlformats.org/drawingml/2006/diagram" xmlns:a="http://schemas.openxmlformats.org/drawingml/2006/main" uniqueId="urn:microsoft.com/office/officeart/2005/8/colors/accent1_2">
+  <dgm:title val=""/>
+  <dgm:desc val=""/>
+  <dgm:catLst>
+    <dgm:cat type="accent1" pri="11200"/>
+  </dgm:catLst>
+  <dgm:styleLbl name="node0">
+    <dgm:fillClrLst meth="repeat">
+      <a:schemeClr val="accent1"/>
+    </dgm:fillClrLst>
+    <dgm:linClrLst meth="repeat">
+      <a:schemeClr val="lt1"/>
+    </dgm:linClrLst>
+    <dgm:effectClrLst/>
+    <dgm:txLinClrLst/>
+    <dgm:txFillClrLst/>
+    <dgm:txEffectClrLst/>
+  </dgm:styleLbl>
+  <dgm:styleLbl name="alignNode1">
+    <dgm:fillClrLst meth="repeat">
+      <a:schemeClr val="accent1"/>
+    </dgm:fillClrLst>
+    <dgm:linClrLst meth="repeat">
+      <a:schemeClr val="accent1"/>
+    </dgm:linClrLst>
+    <dgm:effectClrLst/>
+    <dgm:txLinClrLst/>
+    <dgm:txFillClrLst/>
+    <dgm:txEffectClrLst/>
+  </dgm:styleLbl>
+  <dgm:styleLbl name="node1">
+    <dgm:fillClrLst meth="repeat">
+      <a:schemeClr val="accent1"/>
+    </dgm:fillClrLst>
+    <dgm:linClrLst meth="repeat">
+      <a:schemeClr val="lt1"/>
+    </dgm:linClrLst>
+    <dgm:effectClrLst/>
+    <dgm:txLinClrLst/>
+    <dgm:txFillClrLst/>
+    <dgm:txEffectClrLst/>
+  </dgm:styleLbl>
+  <dgm:styleLbl name="lnNode1">
+    <dgm:fillClrLst meth="repeat">
+      <a:schemeClr val="accent1"/>
+    </dgm:fillClrLst>
+    <dgm:linClrLst meth="repeat">
+      <a:schemeClr val="lt1"/>
+    </dgm:linClrLst>
+    <dgm:effectClrLst/>
+    <dgm:txLinClrLst/>
+    <dgm:txFillClrLst/>
+    <dgm:txEffectClrLst/>
+  </dgm:styleLbl>
+  <dgm:styleLbl name="vennNode1">
+    <dgm:fillClrLst meth="repeat">
+      <a:schemeClr val="accent1">
+        <a:alpha val="50000"/>
+      </a:schemeClr>
+    </dgm:fillClrLst>
+    <dgm:linClrLst meth="repeat">
+      <a:schemeClr val="lt1"/>
+    </dgm:linClrLst>
+    <dgm:effectClrLst/>
+    <dgm:txLinClrLst/>
+    <dgm:txFillClrLst/>
+    <dgm:txEffectClrLst/>
+  </dgm:styleLbl>
+  <dgm:styleLbl name="node2">
+    <dgm:fillClrLst meth="repeat">
+      <a:schemeClr val="accent1"/>
+    </dgm:fillClrLst>
+    <dgm:linClrLst meth="repeat">
+      <a:schemeClr val="lt1"/>
+    </dgm:linClrLst>
+    <dgm:effectClrLst/>
+    <dgm:txLinClrLst/>
+    <dgm:txFillClrLst/>
+    <dgm:txEffectClrLst/>
+  </dgm:styleLbl>
+  <dgm:styleLbl name="node3">
+    <dgm:fillClrLst meth="repeat">
+      <a:schemeClr val="accent1"/>
+    </dgm:fillClrLst>
+    <dgm:linClrLst meth="repeat">
+      <a:schemeClr val="lt1"/>
+    </dgm:linClrLst>
+    <dgm:effectClrLst/>
+    <dgm:txLinClrLst/>
+    <dgm:txFillClrLst/>
+    <dgm:txEffectClrLst/>
+  </dgm:styleLbl>
+  <dgm:styleLbl name="node4">
+    <dgm:fillClrLst meth="repeat">
+      <a:schemeClr val="accent1"/>
+    </dgm:fillClrLst>
+    <dgm:linClrLst meth="repeat">
+      <a:schemeClr val="lt1"/>
+    </dgm:linClrLst>
+    <dgm:effectClrLst/>
+    <dgm:txLinClrLst/>
+    <dgm:txFillClrLst/>
+    <dgm:txEffectClrLst/>
+  </dgm:styleLbl>
+  <dgm:styleLbl name="fgImgPlace1">
+    <dgm:fillClrLst meth="repeat">
+      <a:schemeClr val="accent1">
+        <a:tint val="50000"/>
+      </a:schemeClr>
+    </dgm:fillClrLst>
+    <dgm:linClrLst meth="repeat">
+      <a:schemeClr val="lt1"/>
+    </dgm:linClrLst>
+    <dgm:effectClrLst/>
+    <dgm:txLinClrLst/>
+    <dgm:txFillClrLst meth="repeat">
+      <a:schemeClr val="lt1"/>
+    </dgm:txFillClrLst>
+    <dgm:txEffectClrLst/>
+  </dgm:styleLbl>
+  <dgm:styleLbl name="alignImgPlace1">
+    <dgm:fillClrLst meth="repeat">
+      <a:schemeClr val="accent1">
+        <a:tint val="50000"/>
+      </a:schemeClr>
+    </dgm:fillClrLst>
+    <dgm:linClrLst meth="repeat">
+      <a:schemeClr val="lt1"/>
+    </dgm:linClrLst>
+    <dgm:effectClrLst/>
+    <dgm:txLinClrLst/>
+    <dgm:txFillClrLst meth="repeat">
+      <a:schemeClr val="lt1"/>
+    </dgm:txFillClrLst>
+    <dgm:txEffectClrLst/>
+  </dgm:styleLbl>
+  <dgm:styleLbl name="bgImgPlace1">
+    <dgm:fillClrLst meth="repeat">
+      <a:schemeClr val="accent1">
+        <a:tint val="50000"/>
+      </a:schemeClr>
+    </dgm:fillClrLst>
+    <dgm:linClrLst meth="repeat">
+      <a:schemeClr val="lt1"/>
+    </dgm:linClrLst>
+    <dgm:effectClrLst/>
+    <dgm:txLinClrLst/>
+    <dgm:txFillClrLst meth="repeat">
+      <a:schemeClr val="lt1"/>
+    </dgm:txFillClrLst>
+    <dgm:txEffectClrLst/>
+  </dgm:styleLbl>
+  <dgm:styleLbl name="sibTrans2D1">
+    <dgm:fillClrLst meth="repeat">
+      <a:schemeClr val="accent1">
+        <a:tint val="60000"/>
+      </a:schemeClr>
+    </dgm:fillClrLst>
+    <dgm:linClrLst meth="repeat">
+      <a:schemeClr val="accent1">
+        <a:tint val="60000"/>
+      </a:schemeClr>
+    </dgm:linClrLst>
+    <dgm:effectClrLst/>
+    <dgm:txLinClrLst/>
+    <dgm:txFillClrLst/>
+    <dgm:txEffectClrLst/>
+  </dgm:styleLbl>
+  <dgm:styleLbl name="fgSibTrans2D1">
+    <dgm:fillClrLst meth="repeat">
+      <a:schemeClr val="accent1">
+        <a:tint val="60000"/>
+      </a:schemeClr>
+    </dgm:fillClrLst>
+    <dgm:linClrLst meth="repeat">
+      <a:schemeClr val="accent1">
+        <a:tint val="60000"/>
+      </a:schemeClr>
+    </dgm:linClrLst>
+    <dgm:effectClrLst/>
+    <dgm:txLinClrLst/>
+    <dgm:txFillClrLst/>
+    <dgm:txEffectClrLst/>
+  </dgm:styleLbl>
+  <dgm:styleLbl name="bgSibTrans2D1">
+    <dgm:fillClrLst meth="repeat">
+      <a:schemeClr val="accent1">
+        <a:tint val="60000"/>
+      </a:schemeClr>
+    </dgm:fillClrLst>
+    <dgm:linClrLst meth="repeat">
+      <a:schemeClr val="accent1">
+        <a:tint val="60000"/>
+      </a:schemeClr>
+    </dgm:linClrLst>
+    <dgm:effectClrLst/>
+    <dgm:txLinClrLst/>
+    <dgm:txFillClrLst/>
+    <dgm:txEffectClrLst/>
+  </dgm:styleLbl>
+  <dgm:styleLbl name="sibTrans1D1">
+    <dgm:fillClrLst meth="repeat">
+      <a:schemeClr val="accent1"/>
+    </dgm:fillClrLst>
+    <dgm:linClrLst meth="repeat">
+      <a:schemeClr val="accent1"/>
+    </dgm:linClrLst>
+    <dgm:effectClrLst/>
+    <dgm:txLinClrLst/>
+    <dgm:txFillClrLst meth="repeat">
+      <a:schemeClr val="tx1"/>
+    </dgm:txFillClrLst>
+    <dgm:txEffectClrLst/>
+  </dgm:styleLbl>
+  <dgm:styleLbl name="callout">
+    <dgm:fillClrLst meth="repeat">
+      <a:schemeClr val="accent1"/>
+    </dgm:fillClrLst>
+    <dgm:linClrLst meth="repeat">
+      <a:schemeClr val="accent1">
+        <a:tint val="50000"/>
+      </a:schemeClr>
+    </dgm:linClrLst>
+    <dgm:effectClrLst/>
+    <dgm:txLinClrLst/>
+    <dgm:txFillClrLst meth="repeat">
+      <a:schemeClr val="tx1"/>
+    </dgm:txFillClrLst>
+    <dgm:txEffectClrLst/>
+  </dgm:styleLbl>
+  <dgm:styleLbl name="asst0">
+    <dgm:fillClrLst meth="repeat">
+      <a:schemeClr val="accent1"/>
+    </dgm:fillClrLst>
+    <dgm:linClrLst meth="repeat">
+      <a:schemeClr val="lt1"/>
+    </dgm:linClrLst>
+    <dgm:effectClrLst/>
+    <dgm:txLinClrLst/>
+    <dgm:txFillClrLst/>
+    <dgm:txEffectClrLst/>
+  </dgm:styleLbl>
+  <dgm:styleLbl name="asst1">
+    <dgm:fillClrLst meth="repeat">
+      <a:schemeClr val="accent1"/>
+    </dgm:fillClrLst>
+    <dgm:linClrLst meth="repeat">
+      <a:schemeClr val="lt1"/>
+    </dgm:linClrLst>
+    <dgm:effectClrLst/>
+    <dgm:txLinClrLst/>
+    <dgm:txFillClrLst/>
+    <dgm:txEffectClrLst/>
+  </dgm:styleLbl>
+  <dgm:styleLbl name="asst2">
+    <dgm:fillClrLst meth="repeat">
+      <a:schemeClr val="accent1"/>
+    </dgm:fillClrLst>
+    <dgm:linClrLst meth="repeat">
+      <a:schemeClr val="lt1"/>
+    </dgm:linClrLst>
+    <dgm:effectClrLst/>
+    <dgm:txLinClrLst/>
+    <dgm:txFillClrLst/>
+    <dgm:txEffectClrLst/>
+  </dgm:styleLbl>
+  <dgm:styleLbl name="asst3">
+    <dgm:fillClrLst meth="repeat">
+      <a:schemeClr val="accent1"/>
+    </dgm:fillClrLst>
+    <dgm:linClrLst meth="repeat">
+      <a:schemeClr val="lt1"/>
+    </dgm:linClrLst>
+    <dgm:effectClrLst/>
+    <dgm:txLinClrLst/>
+    <dgm:txFillClrLst/>
+    <dgm:txEffectClrLst/>
+  </dgm:styleLbl>
+  <dgm:styleLbl name="asst4">
+    <dgm:fillClrLst meth="repeat">
+      <a:schemeClr val="accent1"/>
+    </dgm:fillClrLst>
+    <dgm:linClrLst meth="repeat">
+      <a:schemeClr val="lt1"/>
+    </dgm:linClrLst>
+    <dgm:effectClrLst/>
+    <dgm:txLinClrLst/>
+    <dgm:txFillClrLst/>
+    <dgm:txEffectClrLst/>
+  </dgm:styleLbl>
+  <dgm:styleLbl name="parChTrans2D1">
+    <dgm:fillClrLst meth="repeat">
+      <a:schemeClr val="accent1">
+        <a:tint val="60000"/>
+      </a:schemeClr>
+    </dgm:fillClrLst>
+    <dgm:linClrLst meth="repeat">
+      <a:schemeClr val="accent1">
+        <a:tint val="60000"/>
+      </a:schemeClr>
+    </dgm:linClrLst>
+    <dgm:effectClrLst/>
+    <dgm:txLinClrLst/>
+    <dgm:txFillClrLst meth="repeat">
+      <a:schemeClr val="lt1"/>
+    </dgm:txFillClrLst>
+    <dgm:txEffectClrLst/>
+  </dgm:styleLbl>
+  <dgm:styleLbl name="parChTrans2D2">
+    <dgm:fillClrLst meth="repeat">
+      <a:schemeClr val="accent1"/>
+    </dgm:fillClrLst>
+    <dgm:linClrLst meth="repeat">
+      <a:schemeClr val="accent1"/>
+    </dgm:linClrLst>
+    <dgm:effectClrLst/>
+    <dgm:txLinClrLst/>
+    <dgm:txFillClrLst meth="repeat">
+      <a:schemeClr val="lt1"/>
+    </dgm:txFillClrLst>
+    <dgm:txEffectClrLst/>
+  </dgm:styleLbl>
+  <dgm:styleLbl name="parChTrans2D3">
+    <dgm:fillClrLst meth="repeat">
+      <a:schemeClr val="accent1"/>
+    </dgm:fillClrLst>
+    <dgm:linClrLst meth="repeat">
+      <a:schemeClr val="accent1"/>
+    </dgm:linClrLst>
+    <dgm:effectClrLst/>
+    <dgm:txLinClrLst/>
+    <dgm:txFillClrLst meth="repeat">
+      <a:schemeClr val="lt1"/>
+    </dgm:txFillClrLst>
+    <dgm:txEffectClrLst/>
+  </dgm:styleLbl>
+  <dgm:styleLbl name="parChTrans2D4">
+    <dgm:fillClrLst meth="repeat">
+      <a:schemeClr val="accent1"/>
+    </dgm:fillClrLst>
+    <dgm:linClrLst meth="repeat">
+      <a:schemeClr val="accent1"/>
+    </dgm:linClrLst>
+    <dgm:effectClrLst/>
+    <dgm:txLinClrLst/>
+    <dgm:txFillClrLst meth="repeat">
+      <a:schemeClr val="lt1"/>
+    </dgm:txFillClrLst>
+    <dgm:txEffectClrLst/>
+  </dgm:styleLbl>
+  <dgm:styleLbl name="parChTrans1D1">
+    <dgm:fillClrLst meth="repeat">
+      <a:schemeClr val="accent1"/>
+    </dgm:fillClrLst>
+    <dgm:linClrLst meth="repeat">
+      <a:schemeClr val="accent1">
+        <a:shade val="60000"/>
+      </a:schemeClr>
+    </dgm:linClrLst>
+    <dgm:effectClrLst/>
+    <dgm:txLinClrLst/>
+    <dgm:txFillClrLst meth="repeat">
+      <a:schemeClr val="tx1"/>
+    </dgm:txFillClrLst>
+    <dgm:txEffectClrLst/>
+  </dgm:styleLbl>
+  <dgm:styleLbl name="parChTrans1D2">
+    <dgm:fillClrLst meth="repeat">
+      <a:schemeClr val="accent1"/>
+    </dgm:fillClrLst>
+    <dgm:linClrLst meth="repeat">
+      <a:schemeClr val="accent1">
+        <a:shade val="60000"/>
+      </a:schemeClr>
+    </dgm:linClrLst>
+    <dgm:effectClrLst/>
+    <dgm:txLinClrLst/>
+    <dgm:txFillClrLst meth="repeat">
+      <a:schemeClr val="tx1"/>
+    </dgm:txFillClrLst>
+    <dgm:txEffectClrLst/>
+  </dgm:styleLbl>
+  <dgm:styleLbl name="parChTrans1D3">
+    <dgm:fillClrLst meth="repeat">
+      <a:schemeClr val="accent1"/>
+    </dgm:fillClrLst>
+    <dgm:linClrLst meth="repeat">
+      <a:schemeClr val="accent1">
+        <a:shade val="80000"/>
+      </a:schemeClr>
+    </dgm:linClrLst>
+    <dgm:effectClrLst/>
+    <dgm:txLinClrLst/>
+    <dgm:txFillClrLst meth="repeat">
+      <a:schemeClr val="tx1"/>
+    </dgm:txFillClrLst>
+    <dgm:txEffectClrLst/>
+  </dgm:styleLbl>
+  <dgm:styleLbl name="parChTrans1D4">
+    <dgm:fillClrLst meth="repeat">
+      <a:schemeClr val="accent1"/>
+    </dgm:fillClrLst>
+    <dgm:linClrLst meth="repeat">
+      <a:schemeClr val="accent1">
+        <a:shade val="80000"/>
+      </a:schemeClr>
+    </dgm:linClrLst>
+    <dgm:effectClrLst/>
+    <dgm:txLinClrLst/>
+    <dgm:txFillClrLst meth="repeat">
+      <a:schemeClr val="tx1"/>
+    </dgm:txFillClrLst>
+    <dgm:txEffectClrLst/>
+  </dgm:styleLbl>
+  <dgm:styleLbl name="fgAcc1">
+    <dgm:fillClrLst meth="repeat">
+      <a:schemeClr val="lt1">
+        <a:alpha val="90000"/>
+      </a:schemeClr>
+    </dgm:fillClrLst>
+    <dgm:linClrLst meth="repeat">
+      <a:schemeClr val="accent1"/>
+    </dgm:linClrLst>
+    <dgm:effectClrLst/>
+    <dgm:txLinClrLst/>
+    <dgm:txFillClrLst meth="repeat">
+      <a:schemeClr val="dk1"/>
+    </dgm:txFillClrLst>
+    <dgm:txEffectClrLst/>
+  </dgm:styleLbl>
+  <dgm:styleLbl name="conFgAcc1">
+    <dgm:fillClrLst meth="repeat">
+      <a:schemeClr val="lt1">
+        <a:alpha val="90000"/>
+      </a:schemeClr>
+    </dgm:fillClrLst>
+    <dgm:linClrLst meth="repeat">
+      <a:schemeClr val="accent1"/>
+    </dgm:linClrLst>
+    <dgm:effectClrLst/>
+    <dgm:txLinClrLst/>
+    <dgm:txFillClrLst meth="repeat">
+      <a:schemeClr val="dk1"/>
+    </dgm:txFillClrLst>
+    <dgm:txEffectClrLst/>
+  </dgm:styleLbl>
+  <dgm:styleLbl name="alignAcc1">
+    <dgm:fillClrLst meth="repeat">
+      <a:schemeClr val="lt1">
+        <a:alpha val="90000"/>
+      </a:schemeClr>
+    </dgm:fillClrLst>
+    <dgm:linClrLst meth="repeat">
+      <a:schemeClr val="accent1"/>
+    </dgm:linClrLst>
+    <dgm:effectClrLst/>
+    <dgm:txLinClrLst/>
+    <dgm:txFillClrLst meth="repeat">
+      <a:schemeClr val="dk1"/>
+    </dgm:txFillClrLst>
+    <dgm:txEffectClrLst/>
+  </dgm:styleLbl>
+  <dgm:styleLbl name="trAlignAcc1">
+    <dgm:fillClrLst meth="repeat">
+      <a:schemeClr val="lt1">
+        <a:alpha val="40000"/>
+      </a:schemeClr>
+    </dgm:fillClrLst>
+    <dgm:linClrLst meth="repeat">
+      <a:schemeClr val="accent1"/>
+    </dgm:linClrLst>
+    <dgm:effectClrLst/>
+    <dgm:txLinClrLst/>
+    <dgm:txFillClrLst meth="repeat">
+      <a:schemeClr val="dk1"/>
+    </dgm:txFillClrLst>
+    <dgm:txEffectClrLst/>
+  </dgm:styleLbl>
+  <dgm:styleLbl name="bgAcc1">
+    <dgm:fillClrLst meth="repeat">
+      <a:schemeClr val="lt1">
+        <a:alpha val="90000"/>
+      </a:schemeClr>
+    </dgm:fillClrLst>
+    <dgm:linClrLst meth="repeat">
+      <a:schemeClr val="accent1"/>
+    </dgm:linClrLst>
+    <dgm:effectClrLst/>
+    <dgm:txLinClrLst/>
+    <dgm:txFillClrLst meth="repeat">
+      <a:schemeClr val="dk1"/>
+    </dgm:txFillClrLst>
+    <dgm:txEffectClrLst/>
+  </dgm:styleLbl>
+  <dgm:styleLbl name="solidFgAcc1">
+    <dgm:fillClrLst meth="repeat">
+      <a:schemeClr val="lt1"/>
+    </dgm:fillClrLst>
+    <dgm:linClrLst meth="repeat">
+      <a:schemeClr val="accent1"/>
+    </dgm:linClrLst>
+    <dgm:effectClrLst/>
+    <dgm:txLinClrLst/>
+    <dgm:txFillClrLst meth="repeat">
+      <a:schemeClr val="dk1"/>
+    </dgm:txFillClrLst>
+    <dgm:txEffectClrLst/>
+  </dgm:styleLbl>
+  <dgm:styleLbl name="solidAlignAcc1">
+    <dgm:fillClrLst meth="repeat">
+      <a:schemeClr val="lt1"/>
+    </dgm:fillClrLst>
+    <dgm:linClrLst meth="repeat">
+      <a:schemeClr val="accent1"/>
+    </dgm:linClrLst>
+    <dgm:effectClrLst/>
+    <dgm:txLinClrLst/>
+    <dgm:txFillClrLst meth="repeat">
+      <a:schemeClr val="dk1"/>
+    </dgm:txFillClrLst>
+    <dgm:txEffectClrLst/>
+  </dgm:styleLbl>
+  <dgm:styleLbl name="solidBgAcc1">
+    <dgm:fillClrLst meth="repeat">
+      <a:schemeClr val="lt1"/>
+    </dgm:fillClrLst>
+    <dgm:linClrLst meth="repeat">
+      <a:schemeClr val="accent1"/>
+    </dgm:linClrLst>
+    <dgm:effectClrLst/>
+    <dgm:txLinClrLst/>
+    <dgm:txFillClrLst meth="repeat">
+      <a:schemeClr val="dk1"/>
+    </dgm:txFillClrLst>
+    <dgm:txEffectClrLst/>
+  </dgm:styleLbl>
+  <dgm:styleLbl name="fgAccFollowNode1">
+    <dgm:fillClrLst meth="repeat">
+      <a:schemeClr val="accent1">
+        <a:alpha val="90000"/>
+        <a:tint val="40000"/>
+      </a:schemeClr>
+    </dgm:fillClrLst>
+    <dgm:linClrLst meth="repeat">
+      <a:schemeClr val="accent1">
+        <a:alpha val="90000"/>
+        <a:tint val="40000"/>
+      </a:schemeClr>
+    </dgm:linClrLst>
+    <dgm:effectClrLst/>
+    <dgm:txLinClrLst/>
+    <dgm:txFillClrLst meth="repeat">
+      <a:schemeClr val="dk1"/>
+    </dgm:txFillClrLst>
+    <dgm:txEffectClrLst/>
+  </dgm:styleLbl>
+  <dgm:styleLbl name="alignAccFollowNode1">
+    <dgm:fillClrLst meth="repeat">
+      <a:schemeClr val="accent1">
+        <a:alpha val="90000"/>
+        <a:tint val="40000"/>
+      </a:schemeClr>
+    </dgm:fillClrLst>
+    <dgm:linClrLst meth="repeat">
+      <a:schemeClr val="accent1">
+        <a:alpha val="90000"/>
+        <a:tint val="40000"/>
+      </a:schemeClr>
+    </dgm:linClrLst>
+    <dgm:effectClrLst/>
+    <dgm:txLinClrLst/>
+    <dgm:txFillClrLst meth="repeat">
+      <a:schemeClr val="dk1"/>
+    </dgm:txFillClrLst>
+    <dgm:txEffectClrLst/>
+  </dgm:styleLbl>
+  <dgm:styleLbl name="bgAccFollowNode1">
+    <dgm:fillClrLst meth="repeat">
+      <a:schemeClr val="accent1">
+        <a:alpha val="90000"/>
+        <a:tint val="40000"/>
+      </a:schemeClr>
+    </dgm:fillClrLst>
+    <dgm:linClrLst meth="repeat">
+      <a:schemeClr val="accent1">
+        <a:alpha val="90000"/>
+        <a:tint val="40000"/>
+      </a:schemeClr>
+    </dgm:linClrLst>
+    <dgm:effectClrLst/>
+    <dgm:txLinClrLst/>
+    <dgm:txFillClrLst meth="repeat">
+      <a:schemeClr val="dk1"/>
+    </dgm:txFillClrLst>
+    <dgm:txEffectClrLst/>
+  </dgm:styleLbl>
+  <dgm:styleLbl name="fgAcc0">
+    <dgm:fillClrLst meth="repeat">
+      <a:schemeClr val="lt1">
+        <a:alpha val="90000"/>
+      </a:schemeClr>
+    </dgm:fillClrLst>
+    <dgm:linClrLst meth="repeat">
+      <a:schemeClr val="accent1"/>
+    </dgm:linClrLst>
+    <dgm:effectClrLst/>
+    <dgm:txLinClrLst/>
+    <dgm:txFillClrLst meth="repeat">
+      <a:schemeClr val="dk1"/>
+    </dgm:txFillClrLst>
+    <dgm:txEffectClrLst/>
+  </dgm:styleLbl>
+  <dgm:styleLbl name="fgAcc2">
+    <dgm:fillClrLst meth="repeat">
+      <a:schemeClr val="lt1">
+        <a:alpha val="90000"/>
+      </a:schemeClr>
+    </dgm:fillClrLst>
+    <dgm:linClrLst meth="repeat">
+      <a:schemeClr val="accent1"/>
+    </dgm:linClrLst>
+    <dgm:effectClrLst/>
+    <dgm:txLinClrLst/>
+    <dgm:txFillClrLst meth="repeat">
+      <a:schemeClr val="dk1"/>
+    </dgm:txFillClrLst>
+    <dgm:txEffectClrLst/>
+  </dgm:styleLbl>
+  <dgm:styleLbl name="fgAcc3">
+    <dgm:fillClrLst meth="repeat">
+      <a:schemeClr val="lt1">
+        <a:alpha val="90000"/>
+      </a:schemeClr>
+    </dgm:fillClrLst>
+    <dgm:linClrLst meth="repeat">
+      <a:schemeClr val="accent1"/>
+    </dgm:linClrLst>
+    <dgm:effectClrLst/>
+    <dgm:txLinClrLst/>
+    <dgm:txFillClrLst meth="repeat">
+      <a:schemeClr val="dk1"/>
+    </dgm:txFillClrLst>
+    <dgm:txEffectClrLst/>
+  </dgm:styleLbl>
+  <dgm:styleLbl name="fgAcc4">
+    <dgm:fillClrLst meth="repeat">
+      <a:schemeClr val="lt1">
+        <a:alpha val="90000"/>
+      </a:schemeClr>
+    </dgm:fillClrLst>
+    <dgm:linClrLst meth="repeat">
+      <a:schemeClr val="accent1"/>
+    </dgm:linClrLst>
+    <dgm:effectClrLst/>
+    <dgm:txLinClrLst/>
+    <dgm:txFillClrLst meth="repeat">
+      <a:schemeClr val="dk1"/>
+    </dgm:txFillClrLst>
+    <dgm:txEffectClrLst/>
+  </dgm:styleLbl>
+  <dgm:styleLbl name="bgShp">
+    <dgm:fillClrLst meth="repeat">
+      <a:schemeClr val="accent1">
+        <a:tint val="40000"/>
+      </a:schemeClr>
+    </dgm:fillClrLst>
+    <dgm:linClrLst meth="repeat">
+      <a:schemeClr val="accent1"/>
+    </dgm:linClrLst>
+    <dgm:effectClrLst/>
+    <dgm:txLinClrLst/>
+    <dgm:txFillClrLst meth="repeat">
+      <a:schemeClr val="dk1"/>
+    </dgm:txFillClrLst>
+    <dgm:txEffectClrLst/>
+  </dgm:styleLbl>
+  <dgm:styleLbl name="dkBgShp">
+    <dgm:fillClrLst meth="repeat">
+      <a:schemeClr val="accent1">
+        <a:shade val="80000"/>
+      </a:schemeClr>
+    </dgm:fillClrLst>
+    <dgm:linClrLst meth="repeat">
+      <a:schemeClr val="accent1"/>
+    </dgm:linClrLst>
+    <dgm:effectClrLst/>
+    <dgm:txLinClrLst/>
+    <dgm:txFillClrLst meth="repeat">
+      <a:schemeClr val="lt1"/>
+    </dgm:txFillClrLst>
+    <dgm:txEffectClrLst/>
+  </dgm:styleLbl>
+  <dgm:styleLbl name="trBgShp">
+    <dgm:fillClrLst meth="repeat">
+      <a:schemeClr val="accent1">
+        <a:tint val="50000"/>
+        <a:alpha val="40000"/>
+      </a:schemeClr>
+    </dgm:fillClrLst>
+    <dgm:linClrLst meth="repeat">
+      <a:schemeClr val="accent1"/>
+    </dgm:linClrLst>
+    <dgm:effectClrLst/>
+    <dgm:txLinClrLst/>
+    <dgm:txFillClrLst meth="repeat">
+      <a:schemeClr val="lt1"/>
+    </dgm:txFillClrLst>
+    <dgm:txEffectClrLst/>
+  </dgm:styleLbl>
+  <dgm:styleLbl name="fgShp">
+    <dgm:fillClrLst meth="repeat">
+      <a:schemeClr val="accent1">
+        <a:tint val="60000"/>
+      </a:schemeClr>
+    </dgm:fillClrLst>
+    <dgm:linClrLst meth="repeat">
+      <a:schemeClr val="lt1"/>
+    </dgm:linClrLst>
+    <dgm:effectClrLst/>
+    <dgm:txLinClrLst/>
+    <dgm:txFillClrLst meth="repeat">
+      <a:schemeClr val="dk1"/>
+    </dgm:txFillClrLst>
+    <dgm:txEffectClrLst/>
+  </dgm:styleLbl>
+  <dgm:styleLbl name="revTx">
+    <dgm:fillClrLst meth="repeat">
+      <a:schemeClr val="lt1">
+        <a:alpha val="0"/>
+      </a:schemeClr>
+    </dgm:fillClrLst>
+    <dgm:linClrLst meth="repeat">
+      <a:schemeClr val="dk1">
+        <a:alpha val="0"/>
+      </a:schemeClr>
+    </dgm:linClrLst>
+    <dgm:effectClrLst/>
+    <dgm:txLinClrLst/>
+    <dgm:txFillClrLst meth="repeat">
+      <a:schemeClr val="tx1"/>
+    </dgm:txFillClrLst>
+    <dgm:txEffectClrLst/>
+  </dgm:styleLbl>
+</dgm:colorsDef>
+</file>
+
 <file path=ppt/diagrams/data1.xml><?xml version="1.0" encoding="utf-8"?>
 <dgm:dataModel xmlns:dgm="http://schemas.openxmlformats.org/drawingml/2006/diagram" xmlns:a="http://schemas.openxmlformats.org/drawingml/2006/main">
   <dgm:ptLst>
@@ -4050,6 +5546,1076 @@
     <dgm:cxn modelId="{9203EBEA-BDA2-4A3E-824C-8DCB7033281A}" type="presParOf" srcId="{68D01DB5-7E2E-43FA-844F-6D4C343DC6C7}" destId="{033AC0F7-6D08-44F8-9D25-BA589CA9DF99}" srcOrd="0" destOrd="0" presId="urn:microsoft.com/office/officeart/2005/8/layout/hProcess11"/>
     <dgm:cxn modelId="{B963CA0E-947E-46BE-9364-2608AF72E0DD}" type="presParOf" srcId="{68D01DB5-7E2E-43FA-844F-6D4C343DC6C7}" destId="{0812E6A5-103B-4599-9558-1102EA45D2A4}" srcOrd="1" destOrd="0" presId="urn:microsoft.com/office/officeart/2005/8/layout/hProcess11"/>
     <dgm:cxn modelId="{A264AD6D-FE8D-49F0-84BE-DC3D1F0F399E}" type="presParOf" srcId="{68D01DB5-7E2E-43FA-844F-6D4C343DC6C7}" destId="{B5437526-A9A0-4BB9-9069-738EC81E738F}" srcOrd="2" destOrd="0" presId="urn:microsoft.com/office/officeart/2005/8/layout/hProcess11"/>
+  </dgm:cxnLst>
+  <dgm:bg/>
+  <dgm:whole/>
+  <dgm:extLst>
+    <a:ext uri="http://schemas.microsoft.com/office/drawing/2008/diagram">
+      <dsp:dataModelExt xmlns:dsp="http://schemas.microsoft.com/office/drawing/2008/diagram" relId="rId6" minVer="http://schemas.openxmlformats.org/drawingml/2006/diagram"/>
+    </a:ext>
+  </dgm:extLst>
+</dgm:dataModel>
+</file>
+
+<file path=ppt/diagrams/data2.xml><?xml version="1.0" encoding="utf-8"?>
+<dgm:dataModel xmlns:dgm="http://schemas.openxmlformats.org/drawingml/2006/diagram" xmlns:a="http://schemas.openxmlformats.org/drawingml/2006/main">
+  <dgm:ptLst>
+    <dgm:pt modelId="{305596A0-F57C-4368-8363-BDD31CA04119}" type="doc">
+      <dgm:prSet loTypeId="urn:microsoft.com/office/officeart/2005/8/layout/hList1" loCatId="list" qsTypeId="urn:microsoft.com/office/officeart/2005/8/quickstyle/simple1" qsCatId="simple" csTypeId="urn:microsoft.com/office/officeart/2005/8/colors/accent1_2" csCatId="accent1" phldr="1"/>
+      <dgm:spPr/>
+      <dgm:t>
+        <a:bodyPr/>
+        <a:lstStyle/>
+        <a:p>
+          <a:endParaRPr lang="it-IT"/>
+        </a:p>
+      </dgm:t>
+    </dgm:pt>
+    <dgm:pt modelId="{F62FE323-AB27-430C-8F4B-CB98A2ADF993}">
+      <dgm:prSet phldrT="[Text]"/>
+      <dgm:spPr/>
+      <dgm:t>
+        <a:bodyPr/>
+        <a:lstStyle/>
+        <a:p>
+          <a:r>
+            <a:rPr lang="en-US" dirty="0"/>
+            <a:t>Kubernetes</a:t>
+          </a:r>
+          <a:endParaRPr lang="it-IT" dirty="0"/>
+        </a:p>
+      </dgm:t>
+    </dgm:pt>
+    <dgm:pt modelId="{975E8C9B-22DD-4E15-ACB3-B933A4BFF1E8}" type="parTrans" cxnId="{95A4A621-002E-459A-A7D8-B2BD98A685CB}">
+      <dgm:prSet/>
+      <dgm:spPr/>
+      <dgm:t>
+        <a:bodyPr/>
+        <a:lstStyle/>
+        <a:p>
+          <a:endParaRPr lang="it-IT"/>
+        </a:p>
+      </dgm:t>
+    </dgm:pt>
+    <dgm:pt modelId="{00C53B40-E2EA-4921-8320-43069E2DFC4F}" type="sibTrans" cxnId="{95A4A621-002E-459A-A7D8-B2BD98A685CB}">
+      <dgm:prSet/>
+      <dgm:spPr/>
+      <dgm:t>
+        <a:bodyPr/>
+        <a:lstStyle/>
+        <a:p>
+          <a:endParaRPr lang="it-IT"/>
+        </a:p>
+      </dgm:t>
+    </dgm:pt>
+    <dgm:pt modelId="{0C28CA36-BB1B-4F85-B204-F1E3CA662BA6}">
+      <dgm:prSet phldrT="[Text]"/>
+      <dgm:spPr/>
+      <dgm:t>
+        <a:bodyPr/>
+        <a:lstStyle/>
+        <a:p>
+          <a:r>
+            <a:rPr lang="en-US" dirty="0"/>
+            <a:t>Need to manage despite it’s PaaS</a:t>
+          </a:r>
+          <a:endParaRPr lang="it-IT" dirty="0"/>
+        </a:p>
+      </dgm:t>
+    </dgm:pt>
+    <dgm:pt modelId="{66A9F54F-B760-4C90-B7C4-6E970666967C}" type="parTrans" cxnId="{9229E298-487A-4F3C-A224-ADBCB32B21B8}">
+      <dgm:prSet/>
+      <dgm:spPr/>
+      <dgm:t>
+        <a:bodyPr/>
+        <a:lstStyle/>
+        <a:p>
+          <a:endParaRPr lang="it-IT"/>
+        </a:p>
+      </dgm:t>
+    </dgm:pt>
+    <dgm:pt modelId="{15F8597B-5E37-48C5-B037-36DFDF0940CA}" type="sibTrans" cxnId="{9229E298-487A-4F3C-A224-ADBCB32B21B8}">
+      <dgm:prSet/>
+      <dgm:spPr/>
+      <dgm:t>
+        <a:bodyPr/>
+        <a:lstStyle/>
+        <a:p>
+          <a:endParaRPr lang="it-IT"/>
+        </a:p>
+      </dgm:t>
+    </dgm:pt>
+    <dgm:pt modelId="{C16F0D7E-D26B-4E02-B174-E7E474A3EE42}">
+      <dgm:prSet phldrT="[Text]"/>
+      <dgm:spPr/>
+      <dgm:t>
+        <a:bodyPr/>
+        <a:lstStyle/>
+        <a:p>
+          <a:r>
+            <a:rPr lang="en-US" dirty="0"/>
+            <a:t>Container Instances</a:t>
+          </a:r>
+          <a:endParaRPr lang="it-IT" dirty="0"/>
+        </a:p>
+      </dgm:t>
+    </dgm:pt>
+    <dgm:pt modelId="{E9895A01-8AAD-4862-929E-1EFDFEF53B39}" type="parTrans" cxnId="{3B2EA4CC-C4A2-48BA-A143-D6C988C8ADEC}">
+      <dgm:prSet/>
+      <dgm:spPr/>
+      <dgm:t>
+        <a:bodyPr/>
+        <a:lstStyle/>
+        <a:p>
+          <a:endParaRPr lang="it-IT"/>
+        </a:p>
+      </dgm:t>
+    </dgm:pt>
+    <dgm:pt modelId="{D94D6349-E56D-4573-B894-10ADB9AB4B3E}" type="sibTrans" cxnId="{3B2EA4CC-C4A2-48BA-A143-D6C988C8ADEC}">
+      <dgm:prSet/>
+      <dgm:spPr/>
+      <dgm:t>
+        <a:bodyPr/>
+        <a:lstStyle/>
+        <a:p>
+          <a:endParaRPr lang="it-IT"/>
+        </a:p>
+      </dgm:t>
+    </dgm:pt>
+    <dgm:pt modelId="{0303A412-5DB2-411A-9391-310F624A923A}">
+      <dgm:prSet phldrT="[Text]"/>
+      <dgm:spPr/>
+      <dgm:t>
+        <a:bodyPr/>
+        <a:lstStyle/>
+        <a:p>
+          <a:r>
+            <a:rPr lang="en-US" dirty="0"/>
+            <a:t>The low-level serverless unit to run containers</a:t>
+          </a:r>
+          <a:endParaRPr lang="it-IT" dirty="0"/>
+        </a:p>
+      </dgm:t>
+    </dgm:pt>
+    <dgm:pt modelId="{C8078E0F-54A3-43C6-A9EF-2E99A3CD29B5}" type="parTrans" cxnId="{8CDACF37-786C-46FD-B64F-C0367401C100}">
+      <dgm:prSet/>
+      <dgm:spPr/>
+      <dgm:t>
+        <a:bodyPr/>
+        <a:lstStyle/>
+        <a:p>
+          <a:endParaRPr lang="it-IT"/>
+        </a:p>
+      </dgm:t>
+    </dgm:pt>
+    <dgm:pt modelId="{8B77B3FB-B1B8-4480-B66F-64B5F3DCFA9D}" type="sibTrans" cxnId="{8CDACF37-786C-46FD-B64F-C0367401C100}">
+      <dgm:prSet/>
+      <dgm:spPr/>
+      <dgm:t>
+        <a:bodyPr/>
+        <a:lstStyle/>
+        <a:p>
+          <a:endParaRPr lang="it-IT"/>
+        </a:p>
+      </dgm:t>
+    </dgm:pt>
+    <dgm:pt modelId="{FE0085EB-1619-4794-9F45-D8321C2BA5DE}">
+      <dgm:prSet phldrT="[Text]"/>
+      <dgm:spPr/>
+      <dgm:t>
+        <a:bodyPr/>
+        <a:lstStyle/>
+        <a:p>
+          <a:r>
+            <a:rPr lang="en-US" dirty="0"/>
+            <a:t>Good to handle spikes of AKS or custom jobs</a:t>
+          </a:r>
+          <a:endParaRPr lang="it-IT" dirty="0"/>
+        </a:p>
+      </dgm:t>
+    </dgm:pt>
+    <dgm:pt modelId="{F3BCBD03-76ED-4C06-8A39-2EBF47A09A42}" type="parTrans" cxnId="{162EB638-508F-4FF9-91FF-118920E74938}">
+      <dgm:prSet/>
+      <dgm:spPr/>
+      <dgm:t>
+        <a:bodyPr/>
+        <a:lstStyle/>
+        <a:p>
+          <a:endParaRPr lang="it-IT"/>
+        </a:p>
+      </dgm:t>
+    </dgm:pt>
+    <dgm:pt modelId="{E97BEEEC-0631-4B8C-AC90-607114CB8633}" type="sibTrans" cxnId="{162EB638-508F-4FF9-91FF-118920E74938}">
+      <dgm:prSet/>
+      <dgm:spPr/>
+      <dgm:t>
+        <a:bodyPr/>
+        <a:lstStyle/>
+        <a:p>
+          <a:endParaRPr lang="it-IT"/>
+        </a:p>
+      </dgm:t>
+    </dgm:pt>
+    <dgm:pt modelId="{E841D3CB-985E-4D4E-BE1A-167830521046}">
+      <dgm:prSet phldrT="[Text]"/>
+      <dgm:spPr/>
+      <dgm:t>
+        <a:bodyPr/>
+        <a:lstStyle/>
+        <a:p>
+          <a:r>
+            <a:rPr lang="en-US" dirty="0"/>
+            <a:t>Container Apps</a:t>
+          </a:r>
+          <a:endParaRPr lang="it-IT" dirty="0"/>
+        </a:p>
+      </dgm:t>
+    </dgm:pt>
+    <dgm:pt modelId="{9CE3381F-4A75-4971-9226-4EEA5AEA7ECF}" type="parTrans" cxnId="{61AD19D6-E048-4E30-8536-5A2B6D750C33}">
+      <dgm:prSet/>
+      <dgm:spPr/>
+      <dgm:t>
+        <a:bodyPr/>
+        <a:lstStyle/>
+        <a:p>
+          <a:endParaRPr lang="it-IT"/>
+        </a:p>
+      </dgm:t>
+    </dgm:pt>
+    <dgm:pt modelId="{C2B8DB94-6EF9-4DA4-B182-0A1EDADE9F84}" type="sibTrans" cxnId="{61AD19D6-E048-4E30-8536-5A2B6D750C33}">
+      <dgm:prSet/>
+      <dgm:spPr/>
+      <dgm:t>
+        <a:bodyPr/>
+        <a:lstStyle/>
+        <a:p>
+          <a:endParaRPr lang="it-IT"/>
+        </a:p>
+      </dgm:t>
+    </dgm:pt>
+    <dgm:pt modelId="{7EE48ACD-4D4D-4B59-B8B0-8854E0186FA4}">
+      <dgm:prSet phldrT="[Text]"/>
+      <dgm:spPr/>
+      <dgm:t>
+        <a:bodyPr/>
+        <a:lstStyle/>
+        <a:p>
+          <a:r>
+            <a:rPr lang="en-US" dirty="0"/>
+            <a:t>It’s a serverless container solution with steroids</a:t>
+          </a:r>
+          <a:endParaRPr lang="it-IT" dirty="0"/>
+        </a:p>
+      </dgm:t>
+    </dgm:pt>
+    <dgm:pt modelId="{F963EB62-EBC4-4886-A4B8-27AEEC82BA6D}" type="parTrans" cxnId="{D47B406C-FA34-41AF-AC6F-08CDEF6AC581}">
+      <dgm:prSet/>
+      <dgm:spPr/>
+      <dgm:t>
+        <a:bodyPr/>
+        <a:lstStyle/>
+        <a:p>
+          <a:endParaRPr lang="it-IT"/>
+        </a:p>
+      </dgm:t>
+    </dgm:pt>
+    <dgm:pt modelId="{6CDD00D8-7628-49B9-A5FD-0DE58710A035}" type="sibTrans" cxnId="{D47B406C-FA34-41AF-AC6F-08CDEF6AC581}">
+      <dgm:prSet/>
+      <dgm:spPr/>
+      <dgm:t>
+        <a:bodyPr/>
+        <a:lstStyle/>
+        <a:p>
+          <a:endParaRPr lang="it-IT"/>
+        </a:p>
+      </dgm:t>
+    </dgm:pt>
+    <dgm:pt modelId="{C8988808-5A20-4576-952C-F938751DF56B}">
+      <dgm:prSet phldrT="[Text]"/>
+      <dgm:spPr/>
+      <dgm:t>
+        <a:bodyPr/>
+        <a:lstStyle/>
+        <a:p>
+          <a:r>
+            <a:rPr lang="en-US" dirty="0"/>
+            <a:t>(with some constraints) Can replace K8s</a:t>
+          </a:r>
+          <a:endParaRPr lang="it-IT" dirty="0"/>
+        </a:p>
+      </dgm:t>
+    </dgm:pt>
+    <dgm:pt modelId="{BEEF4186-7909-4483-A889-B71283CA200D}" type="parTrans" cxnId="{BC104A9D-753C-4C62-B44C-23D10CD52BF7}">
+      <dgm:prSet/>
+      <dgm:spPr/>
+      <dgm:t>
+        <a:bodyPr/>
+        <a:lstStyle/>
+        <a:p>
+          <a:endParaRPr lang="it-IT"/>
+        </a:p>
+      </dgm:t>
+    </dgm:pt>
+    <dgm:pt modelId="{49F7658C-36A7-49D8-876B-EFDF4500F523}" type="sibTrans" cxnId="{BC104A9D-753C-4C62-B44C-23D10CD52BF7}">
+      <dgm:prSet/>
+      <dgm:spPr/>
+      <dgm:t>
+        <a:bodyPr/>
+        <a:lstStyle/>
+        <a:p>
+          <a:endParaRPr lang="it-IT"/>
+        </a:p>
+      </dgm:t>
+    </dgm:pt>
+    <dgm:pt modelId="{E37164C7-E93E-4980-B655-816520D0DF0D}">
+      <dgm:prSet phldrT="[Text]"/>
+      <dgm:spPr/>
+      <dgm:t>
+        <a:bodyPr/>
+        <a:lstStyle/>
+        <a:p>
+          <a:r>
+            <a:rPr lang="en-US" dirty="0"/>
+            <a:t>Need to know the specific artifacts</a:t>
+          </a:r>
+          <a:endParaRPr lang="it-IT" dirty="0"/>
+        </a:p>
+      </dgm:t>
+    </dgm:pt>
+    <dgm:pt modelId="{E446E4A1-6DEE-4E12-827D-7EF7D5BB2DD1}" type="parTrans" cxnId="{777AE0D4-533E-44E3-85F0-25E971CE3694}">
+      <dgm:prSet/>
+      <dgm:spPr/>
+    </dgm:pt>
+    <dgm:pt modelId="{188F0889-E581-48E9-974A-0E568B5D3084}" type="sibTrans" cxnId="{777AE0D4-533E-44E3-85F0-25E971CE3694}">
+      <dgm:prSet/>
+      <dgm:spPr/>
+    </dgm:pt>
+    <dgm:pt modelId="{D28F75AD-1F70-4DD8-8009-58E05CCBCC75}">
+      <dgm:prSet phldrT="[Text]"/>
+      <dgm:spPr/>
+      <dgm:t>
+        <a:bodyPr/>
+        <a:lstStyle/>
+        <a:p>
+          <a:r>
+            <a:rPr lang="en-US" dirty="0"/>
+            <a:t>Overall TCO could be higher</a:t>
+          </a:r>
+          <a:endParaRPr lang="it-IT" dirty="0"/>
+        </a:p>
+      </dgm:t>
+    </dgm:pt>
+    <dgm:pt modelId="{EF6590B8-D69A-4773-BA34-7661C1606DB1}" type="parTrans" cxnId="{FE4B4E92-32BC-4E4C-B05A-A3E7CED360A2}">
+      <dgm:prSet/>
+      <dgm:spPr/>
+    </dgm:pt>
+    <dgm:pt modelId="{84BA6FA2-F4FB-4E6A-A60D-3B9896220B5D}" type="sibTrans" cxnId="{FE4B4E92-32BC-4E4C-B05A-A3E7CED360A2}">
+      <dgm:prSet/>
+      <dgm:spPr/>
+    </dgm:pt>
+    <dgm:pt modelId="{6847D59F-6A83-485E-9000-667D535963B5}">
+      <dgm:prSet phldrT="[Text]"/>
+      <dgm:spPr/>
+      <dgm:t>
+        <a:bodyPr/>
+        <a:lstStyle/>
+        <a:p>
+          <a:r>
+            <a:rPr lang="en-US" dirty="0"/>
+            <a:t>Need to build your own governance process</a:t>
+          </a:r>
+          <a:endParaRPr lang="it-IT" dirty="0"/>
+        </a:p>
+      </dgm:t>
+    </dgm:pt>
+    <dgm:pt modelId="{34F39A2C-DEF1-4179-B430-9EAE9BD600EC}" type="parTrans" cxnId="{0D7F7AC9-714D-4435-8305-04AF1E432726}">
+      <dgm:prSet/>
+      <dgm:spPr/>
+    </dgm:pt>
+    <dgm:pt modelId="{D17BAD5C-BA21-46C8-BAA1-05FD3349A464}" type="sibTrans" cxnId="{0D7F7AC9-714D-4435-8305-04AF1E432726}">
+      <dgm:prSet/>
+      <dgm:spPr/>
+    </dgm:pt>
+    <dgm:pt modelId="{1645DCC2-C725-4781-A605-84CCFD96527D}">
+      <dgm:prSet phldrT="[Text]"/>
+      <dgm:spPr/>
+      <dgm:t>
+        <a:bodyPr/>
+        <a:lstStyle/>
+        <a:p>
+          <a:r>
+            <a:rPr lang="en-US" dirty="0"/>
+            <a:t>It implements (but hides) many K8s features</a:t>
+          </a:r>
+          <a:endParaRPr lang="it-IT" dirty="0"/>
+        </a:p>
+      </dgm:t>
+    </dgm:pt>
+    <dgm:pt modelId="{CE9246CA-96AB-4C3B-A449-BE5D80EBCAFC}" type="parTrans" cxnId="{090DF1AF-B969-4807-A160-93E37431BB08}">
+      <dgm:prSet/>
+      <dgm:spPr/>
+    </dgm:pt>
+    <dgm:pt modelId="{4D706FD2-7827-4080-A9AC-86B94672733F}" type="sibTrans" cxnId="{090DF1AF-B969-4807-A160-93E37431BB08}">
+      <dgm:prSet/>
+      <dgm:spPr/>
+    </dgm:pt>
+    <dgm:pt modelId="{AE6F607E-CD42-49BD-8CD7-DF30D7FD8B08}" type="pres">
+      <dgm:prSet presAssocID="{305596A0-F57C-4368-8363-BDD31CA04119}" presName="Name0" presStyleCnt="0">
+        <dgm:presLayoutVars>
+          <dgm:dir/>
+          <dgm:animLvl val="lvl"/>
+          <dgm:resizeHandles val="exact"/>
+        </dgm:presLayoutVars>
+      </dgm:prSet>
+      <dgm:spPr/>
+    </dgm:pt>
+    <dgm:pt modelId="{FAAF2A9C-D4AD-48A5-8326-10204F57CA65}" type="pres">
+      <dgm:prSet presAssocID="{F62FE323-AB27-430C-8F4B-CB98A2ADF993}" presName="composite" presStyleCnt="0"/>
+      <dgm:spPr/>
+    </dgm:pt>
+    <dgm:pt modelId="{667D0FBE-1708-41B4-927B-8E968C856A3D}" type="pres">
+      <dgm:prSet presAssocID="{F62FE323-AB27-430C-8F4B-CB98A2ADF993}" presName="parTx" presStyleLbl="alignNode1" presStyleIdx="0" presStyleCnt="3">
+        <dgm:presLayoutVars>
+          <dgm:chMax val="0"/>
+          <dgm:chPref val="0"/>
+          <dgm:bulletEnabled val="1"/>
+        </dgm:presLayoutVars>
+      </dgm:prSet>
+      <dgm:spPr/>
+    </dgm:pt>
+    <dgm:pt modelId="{133E667B-8EF7-4F9D-B2DC-325AF6D0C20E}" type="pres">
+      <dgm:prSet presAssocID="{F62FE323-AB27-430C-8F4B-CB98A2ADF993}" presName="desTx" presStyleLbl="alignAccFollowNode1" presStyleIdx="0" presStyleCnt="3">
+        <dgm:presLayoutVars>
+          <dgm:bulletEnabled val="1"/>
+        </dgm:presLayoutVars>
+      </dgm:prSet>
+      <dgm:spPr/>
+    </dgm:pt>
+    <dgm:pt modelId="{5DAF50D0-F585-4C3D-A179-EB6B99B95587}" type="pres">
+      <dgm:prSet presAssocID="{00C53B40-E2EA-4921-8320-43069E2DFC4F}" presName="space" presStyleCnt="0"/>
+      <dgm:spPr/>
+    </dgm:pt>
+    <dgm:pt modelId="{031918A4-EE48-4804-8FE6-B2FDAFCCF811}" type="pres">
+      <dgm:prSet presAssocID="{C16F0D7E-D26B-4E02-B174-E7E474A3EE42}" presName="composite" presStyleCnt="0"/>
+      <dgm:spPr/>
+    </dgm:pt>
+    <dgm:pt modelId="{3790C670-D175-4CA5-8BBC-0E9DDB754022}" type="pres">
+      <dgm:prSet presAssocID="{C16F0D7E-D26B-4E02-B174-E7E474A3EE42}" presName="parTx" presStyleLbl="alignNode1" presStyleIdx="1" presStyleCnt="3">
+        <dgm:presLayoutVars>
+          <dgm:chMax val="0"/>
+          <dgm:chPref val="0"/>
+          <dgm:bulletEnabled val="1"/>
+        </dgm:presLayoutVars>
+      </dgm:prSet>
+      <dgm:spPr/>
+    </dgm:pt>
+    <dgm:pt modelId="{52938C32-41DF-472D-A087-EDF15E5F48CF}" type="pres">
+      <dgm:prSet presAssocID="{C16F0D7E-D26B-4E02-B174-E7E474A3EE42}" presName="desTx" presStyleLbl="alignAccFollowNode1" presStyleIdx="1" presStyleCnt="3">
+        <dgm:presLayoutVars>
+          <dgm:bulletEnabled val="1"/>
+        </dgm:presLayoutVars>
+      </dgm:prSet>
+      <dgm:spPr/>
+    </dgm:pt>
+    <dgm:pt modelId="{5A449540-7B6F-4675-A502-C7AF36D523C8}" type="pres">
+      <dgm:prSet presAssocID="{D94D6349-E56D-4573-B894-10ADB9AB4B3E}" presName="space" presStyleCnt="0"/>
+      <dgm:spPr/>
+    </dgm:pt>
+    <dgm:pt modelId="{5ACE6E23-3E49-4EDB-B15E-6B90EBA817C7}" type="pres">
+      <dgm:prSet presAssocID="{E841D3CB-985E-4D4E-BE1A-167830521046}" presName="composite" presStyleCnt="0"/>
+      <dgm:spPr/>
+    </dgm:pt>
+    <dgm:pt modelId="{C003F13B-45FD-40D4-9155-333316323D18}" type="pres">
+      <dgm:prSet presAssocID="{E841D3CB-985E-4D4E-BE1A-167830521046}" presName="parTx" presStyleLbl="alignNode1" presStyleIdx="2" presStyleCnt="3">
+        <dgm:presLayoutVars>
+          <dgm:chMax val="0"/>
+          <dgm:chPref val="0"/>
+          <dgm:bulletEnabled val="1"/>
+        </dgm:presLayoutVars>
+      </dgm:prSet>
+      <dgm:spPr/>
+    </dgm:pt>
+    <dgm:pt modelId="{6D4291AF-5424-41E8-8649-CBEC035B0A0F}" type="pres">
+      <dgm:prSet presAssocID="{E841D3CB-985E-4D4E-BE1A-167830521046}" presName="desTx" presStyleLbl="alignAccFollowNode1" presStyleIdx="2" presStyleCnt="3">
+        <dgm:presLayoutVars>
+          <dgm:bulletEnabled val="1"/>
+        </dgm:presLayoutVars>
+      </dgm:prSet>
+      <dgm:spPr/>
+    </dgm:pt>
+  </dgm:ptLst>
+  <dgm:cxnLst>
+    <dgm:cxn modelId="{8D3A1502-070C-40BD-BC7A-0EB94B5E13D7}" type="presOf" srcId="{0303A412-5DB2-411A-9391-310F624A923A}" destId="{52938C32-41DF-472D-A087-EDF15E5F48CF}" srcOrd="0" destOrd="0" presId="urn:microsoft.com/office/officeart/2005/8/layout/hList1"/>
+    <dgm:cxn modelId="{795BF10B-9DF2-4CFE-85CA-6436BF40D12E}" type="presOf" srcId="{C16F0D7E-D26B-4E02-B174-E7E474A3EE42}" destId="{3790C670-D175-4CA5-8BBC-0E9DDB754022}" srcOrd="0" destOrd="0" presId="urn:microsoft.com/office/officeart/2005/8/layout/hList1"/>
+    <dgm:cxn modelId="{58E17C15-265D-494B-98D3-9FBE8984F431}" type="presOf" srcId="{7EE48ACD-4D4D-4B59-B8B0-8854E0186FA4}" destId="{6D4291AF-5424-41E8-8649-CBEC035B0A0F}" srcOrd="0" destOrd="0" presId="urn:microsoft.com/office/officeart/2005/8/layout/hList1"/>
+    <dgm:cxn modelId="{DEE51217-D1A5-4ABD-8377-9B1451D96EA8}" type="presOf" srcId="{305596A0-F57C-4368-8363-BDD31CA04119}" destId="{AE6F607E-CD42-49BD-8CD7-DF30D7FD8B08}" srcOrd="0" destOrd="0" presId="urn:microsoft.com/office/officeart/2005/8/layout/hList1"/>
+    <dgm:cxn modelId="{95A4A621-002E-459A-A7D8-B2BD98A685CB}" srcId="{305596A0-F57C-4368-8363-BDD31CA04119}" destId="{F62FE323-AB27-430C-8F4B-CB98A2ADF993}" srcOrd="0" destOrd="0" parTransId="{975E8C9B-22DD-4E15-ACB3-B933A4BFF1E8}" sibTransId="{00C53B40-E2EA-4921-8320-43069E2DFC4F}"/>
+    <dgm:cxn modelId="{8CDACF37-786C-46FD-B64F-C0367401C100}" srcId="{C16F0D7E-D26B-4E02-B174-E7E474A3EE42}" destId="{0303A412-5DB2-411A-9391-310F624A923A}" srcOrd="0" destOrd="0" parTransId="{C8078E0F-54A3-43C6-A9EF-2E99A3CD29B5}" sibTransId="{8B77B3FB-B1B8-4480-B66F-64B5F3DCFA9D}"/>
+    <dgm:cxn modelId="{162EB638-508F-4FF9-91FF-118920E74938}" srcId="{C16F0D7E-D26B-4E02-B174-E7E474A3EE42}" destId="{FE0085EB-1619-4794-9F45-D8321C2BA5DE}" srcOrd="1" destOrd="0" parTransId="{F3BCBD03-76ED-4C06-8A39-2EBF47A09A42}" sibTransId="{E97BEEEC-0631-4B8C-AC90-607114CB8633}"/>
+    <dgm:cxn modelId="{723F4360-843B-4EBF-B2DC-971AB030FD36}" type="presOf" srcId="{6847D59F-6A83-485E-9000-667D535963B5}" destId="{52938C32-41DF-472D-A087-EDF15E5F48CF}" srcOrd="0" destOrd="2" presId="urn:microsoft.com/office/officeart/2005/8/layout/hList1"/>
+    <dgm:cxn modelId="{BEC71E6B-1D5C-4056-B1E8-FFF2FE46365E}" type="presOf" srcId="{1645DCC2-C725-4781-A605-84CCFD96527D}" destId="{6D4291AF-5424-41E8-8649-CBEC035B0A0F}" srcOrd="0" destOrd="1" presId="urn:microsoft.com/office/officeart/2005/8/layout/hList1"/>
+    <dgm:cxn modelId="{D47B406C-FA34-41AF-AC6F-08CDEF6AC581}" srcId="{E841D3CB-985E-4D4E-BE1A-167830521046}" destId="{7EE48ACD-4D4D-4B59-B8B0-8854E0186FA4}" srcOrd="0" destOrd="0" parTransId="{F963EB62-EBC4-4886-A4B8-27AEEC82BA6D}" sibTransId="{6CDD00D8-7628-49B9-A5FD-0DE58710A035}"/>
+    <dgm:cxn modelId="{D2E36183-EDF1-44F5-A00E-308120E86145}" type="presOf" srcId="{E37164C7-E93E-4980-B655-816520D0DF0D}" destId="{133E667B-8EF7-4F9D-B2DC-325AF6D0C20E}" srcOrd="0" destOrd="1" presId="urn:microsoft.com/office/officeart/2005/8/layout/hList1"/>
+    <dgm:cxn modelId="{812E5784-0682-4DA2-A423-1554C9B69F26}" type="presOf" srcId="{FE0085EB-1619-4794-9F45-D8321C2BA5DE}" destId="{52938C32-41DF-472D-A087-EDF15E5F48CF}" srcOrd="0" destOrd="1" presId="urn:microsoft.com/office/officeart/2005/8/layout/hList1"/>
+    <dgm:cxn modelId="{DDEF438A-97B7-4B93-827E-5224B0B2BBAF}" type="presOf" srcId="{E841D3CB-985E-4D4E-BE1A-167830521046}" destId="{C003F13B-45FD-40D4-9155-333316323D18}" srcOrd="0" destOrd="0" presId="urn:microsoft.com/office/officeart/2005/8/layout/hList1"/>
+    <dgm:cxn modelId="{FE4B4E92-32BC-4E4C-B05A-A3E7CED360A2}" srcId="{F62FE323-AB27-430C-8F4B-CB98A2ADF993}" destId="{D28F75AD-1F70-4DD8-8009-58E05CCBCC75}" srcOrd="2" destOrd="0" parTransId="{EF6590B8-D69A-4773-BA34-7661C1606DB1}" sibTransId="{84BA6FA2-F4FB-4E6A-A60D-3B9896220B5D}"/>
+    <dgm:cxn modelId="{9229E298-487A-4F3C-A224-ADBCB32B21B8}" srcId="{F62FE323-AB27-430C-8F4B-CB98A2ADF993}" destId="{0C28CA36-BB1B-4F85-B204-F1E3CA662BA6}" srcOrd="0" destOrd="0" parTransId="{66A9F54F-B760-4C90-B7C4-6E970666967C}" sibTransId="{15F8597B-5E37-48C5-B037-36DFDF0940CA}"/>
+    <dgm:cxn modelId="{BC104A9D-753C-4C62-B44C-23D10CD52BF7}" srcId="{E841D3CB-985E-4D4E-BE1A-167830521046}" destId="{C8988808-5A20-4576-952C-F938751DF56B}" srcOrd="2" destOrd="0" parTransId="{BEEF4186-7909-4483-A889-B71283CA200D}" sibTransId="{49F7658C-36A7-49D8-876B-EFDF4500F523}"/>
+    <dgm:cxn modelId="{7466D4AD-AEB9-4227-A537-1139D90F5E59}" type="presOf" srcId="{D28F75AD-1F70-4DD8-8009-58E05CCBCC75}" destId="{133E667B-8EF7-4F9D-B2DC-325AF6D0C20E}" srcOrd="0" destOrd="2" presId="urn:microsoft.com/office/officeart/2005/8/layout/hList1"/>
+    <dgm:cxn modelId="{090DF1AF-B969-4807-A160-93E37431BB08}" srcId="{E841D3CB-985E-4D4E-BE1A-167830521046}" destId="{1645DCC2-C725-4781-A605-84CCFD96527D}" srcOrd="1" destOrd="0" parTransId="{CE9246CA-96AB-4C3B-A449-BE5D80EBCAFC}" sibTransId="{4D706FD2-7827-4080-A9AC-86B94672733F}"/>
+    <dgm:cxn modelId="{A3FD49BE-D814-4616-9D76-F6BDF4159407}" type="presOf" srcId="{C8988808-5A20-4576-952C-F938751DF56B}" destId="{6D4291AF-5424-41E8-8649-CBEC035B0A0F}" srcOrd="0" destOrd="2" presId="urn:microsoft.com/office/officeart/2005/8/layout/hList1"/>
+    <dgm:cxn modelId="{0D7F7AC9-714D-4435-8305-04AF1E432726}" srcId="{C16F0D7E-D26B-4E02-B174-E7E474A3EE42}" destId="{6847D59F-6A83-485E-9000-667D535963B5}" srcOrd="2" destOrd="0" parTransId="{34F39A2C-DEF1-4179-B430-9EAE9BD600EC}" sibTransId="{D17BAD5C-BA21-46C8-BAA1-05FD3349A464}"/>
+    <dgm:cxn modelId="{3B2EA4CC-C4A2-48BA-A143-D6C988C8ADEC}" srcId="{305596A0-F57C-4368-8363-BDD31CA04119}" destId="{C16F0D7E-D26B-4E02-B174-E7E474A3EE42}" srcOrd="1" destOrd="0" parTransId="{E9895A01-8AAD-4862-929E-1EFDFEF53B39}" sibTransId="{D94D6349-E56D-4573-B894-10ADB9AB4B3E}"/>
+    <dgm:cxn modelId="{9E403DD3-5121-470A-B83A-C3DBEFB17313}" type="presOf" srcId="{0C28CA36-BB1B-4F85-B204-F1E3CA662BA6}" destId="{133E667B-8EF7-4F9D-B2DC-325AF6D0C20E}" srcOrd="0" destOrd="0" presId="urn:microsoft.com/office/officeart/2005/8/layout/hList1"/>
+    <dgm:cxn modelId="{777AE0D4-533E-44E3-85F0-25E971CE3694}" srcId="{F62FE323-AB27-430C-8F4B-CB98A2ADF993}" destId="{E37164C7-E93E-4980-B655-816520D0DF0D}" srcOrd="1" destOrd="0" parTransId="{E446E4A1-6DEE-4E12-827D-7EF7D5BB2DD1}" sibTransId="{188F0889-E581-48E9-974A-0E568B5D3084}"/>
+    <dgm:cxn modelId="{A2FC4ED5-B933-498B-862E-5294B06ADCC9}" type="presOf" srcId="{F62FE323-AB27-430C-8F4B-CB98A2ADF993}" destId="{667D0FBE-1708-41B4-927B-8E968C856A3D}" srcOrd="0" destOrd="0" presId="urn:microsoft.com/office/officeart/2005/8/layout/hList1"/>
+    <dgm:cxn modelId="{61AD19D6-E048-4E30-8536-5A2B6D750C33}" srcId="{305596A0-F57C-4368-8363-BDD31CA04119}" destId="{E841D3CB-985E-4D4E-BE1A-167830521046}" srcOrd="2" destOrd="0" parTransId="{9CE3381F-4A75-4971-9226-4EEA5AEA7ECF}" sibTransId="{C2B8DB94-6EF9-4DA4-B182-0A1EDADE9F84}"/>
+    <dgm:cxn modelId="{4C3CD255-1463-468C-9294-AE80A328B050}" type="presParOf" srcId="{AE6F607E-CD42-49BD-8CD7-DF30D7FD8B08}" destId="{FAAF2A9C-D4AD-48A5-8326-10204F57CA65}" srcOrd="0" destOrd="0" presId="urn:microsoft.com/office/officeart/2005/8/layout/hList1"/>
+    <dgm:cxn modelId="{7523F813-1E02-4DC3-8C2B-66BB13FA5C1A}" type="presParOf" srcId="{FAAF2A9C-D4AD-48A5-8326-10204F57CA65}" destId="{667D0FBE-1708-41B4-927B-8E968C856A3D}" srcOrd="0" destOrd="0" presId="urn:microsoft.com/office/officeart/2005/8/layout/hList1"/>
+    <dgm:cxn modelId="{AC476986-8541-40F9-BEA4-7EDA1ED6C84C}" type="presParOf" srcId="{FAAF2A9C-D4AD-48A5-8326-10204F57CA65}" destId="{133E667B-8EF7-4F9D-B2DC-325AF6D0C20E}" srcOrd="1" destOrd="0" presId="urn:microsoft.com/office/officeart/2005/8/layout/hList1"/>
+    <dgm:cxn modelId="{E47A68E8-3E81-47F7-8F3F-4BDC3A1625DE}" type="presParOf" srcId="{AE6F607E-CD42-49BD-8CD7-DF30D7FD8B08}" destId="{5DAF50D0-F585-4C3D-A179-EB6B99B95587}" srcOrd="1" destOrd="0" presId="urn:microsoft.com/office/officeart/2005/8/layout/hList1"/>
+    <dgm:cxn modelId="{5C914DAC-1678-44E5-8D2A-9068A4322584}" type="presParOf" srcId="{AE6F607E-CD42-49BD-8CD7-DF30D7FD8B08}" destId="{031918A4-EE48-4804-8FE6-B2FDAFCCF811}" srcOrd="2" destOrd="0" presId="urn:microsoft.com/office/officeart/2005/8/layout/hList1"/>
+    <dgm:cxn modelId="{EBDC48DB-51F1-4C47-B1F8-2A0E416DE6DF}" type="presParOf" srcId="{031918A4-EE48-4804-8FE6-B2FDAFCCF811}" destId="{3790C670-D175-4CA5-8BBC-0E9DDB754022}" srcOrd="0" destOrd="0" presId="urn:microsoft.com/office/officeart/2005/8/layout/hList1"/>
+    <dgm:cxn modelId="{F9499793-D5C7-4FBA-96C9-6710ACCB2668}" type="presParOf" srcId="{031918A4-EE48-4804-8FE6-B2FDAFCCF811}" destId="{52938C32-41DF-472D-A087-EDF15E5F48CF}" srcOrd="1" destOrd="0" presId="urn:microsoft.com/office/officeart/2005/8/layout/hList1"/>
+    <dgm:cxn modelId="{390051BF-7384-43FE-97D9-E5C7F636B322}" type="presParOf" srcId="{AE6F607E-CD42-49BD-8CD7-DF30D7FD8B08}" destId="{5A449540-7B6F-4675-A502-C7AF36D523C8}" srcOrd="3" destOrd="0" presId="urn:microsoft.com/office/officeart/2005/8/layout/hList1"/>
+    <dgm:cxn modelId="{A2B230DF-03A7-4B7B-9839-E630430063C7}" type="presParOf" srcId="{AE6F607E-CD42-49BD-8CD7-DF30D7FD8B08}" destId="{5ACE6E23-3E49-4EDB-B15E-6B90EBA817C7}" srcOrd="4" destOrd="0" presId="urn:microsoft.com/office/officeart/2005/8/layout/hList1"/>
+    <dgm:cxn modelId="{4F07E1B1-2200-4B0E-A2AC-34891540AF4A}" type="presParOf" srcId="{5ACE6E23-3E49-4EDB-B15E-6B90EBA817C7}" destId="{C003F13B-45FD-40D4-9155-333316323D18}" srcOrd="0" destOrd="0" presId="urn:microsoft.com/office/officeart/2005/8/layout/hList1"/>
+    <dgm:cxn modelId="{B35675D8-CEBE-41A1-912C-CEBACB77D937}" type="presParOf" srcId="{5ACE6E23-3E49-4EDB-B15E-6B90EBA817C7}" destId="{6D4291AF-5424-41E8-8649-CBEC035B0A0F}" srcOrd="1" destOrd="0" presId="urn:microsoft.com/office/officeart/2005/8/layout/hList1"/>
+  </dgm:cxnLst>
+  <dgm:bg/>
+  <dgm:whole/>
+  <dgm:extLst>
+    <a:ext uri="http://schemas.microsoft.com/office/drawing/2008/diagram">
+      <dsp:dataModelExt xmlns:dsp="http://schemas.microsoft.com/office/drawing/2008/diagram" relId="rId6" minVer="http://schemas.openxmlformats.org/drawingml/2006/diagram"/>
+    </a:ext>
+  </dgm:extLst>
+</dgm:dataModel>
+</file>
+
+<file path=ppt/diagrams/data3.xml><?xml version="1.0" encoding="utf-8"?>
+<dgm:dataModel xmlns:dgm="http://schemas.openxmlformats.org/drawingml/2006/diagram" xmlns:a="http://schemas.openxmlformats.org/drawingml/2006/main">
+  <dgm:ptLst>
+    <dgm:pt modelId="{305596A0-F57C-4368-8363-BDD31CA04119}" type="doc">
+      <dgm:prSet loTypeId="urn:microsoft.com/office/officeart/2005/8/layout/hList1" loCatId="list" qsTypeId="urn:microsoft.com/office/officeart/2005/8/quickstyle/simple1" qsCatId="simple" csTypeId="urn:microsoft.com/office/officeart/2005/8/colors/accent1_2" csCatId="accent1" phldr="1"/>
+      <dgm:spPr/>
+      <dgm:t>
+        <a:bodyPr/>
+        <a:lstStyle/>
+        <a:p>
+          <a:endParaRPr lang="it-IT"/>
+        </a:p>
+      </dgm:t>
+    </dgm:pt>
+    <dgm:pt modelId="{F62FE323-AB27-430C-8F4B-CB98A2ADF993}">
+      <dgm:prSet phldrT="[Text]"/>
+      <dgm:spPr/>
+      <dgm:t>
+        <a:bodyPr/>
+        <a:lstStyle/>
+        <a:p>
+          <a:r>
+            <a:rPr lang="en-US" dirty="0"/>
+            <a:t>Kubernetes</a:t>
+          </a:r>
+          <a:endParaRPr lang="it-IT" dirty="0"/>
+        </a:p>
+      </dgm:t>
+    </dgm:pt>
+    <dgm:pt modelId="{975E8C9B-22DD-4E15-ACB3-B933A4BFF1E8}" type="parTrans" cxnId="{95A4A621-002E-459A-A7D8-B2BD98A685CB}">
+      <dgm:prSet/>
+      <dgm:spPr/>
+      <dgm:t>
+        <a:bodyPr/>
+        <a:lstStyle/>
+        <a:p>
+          <a:endParaRPr lang="it-IT"/>
+        </a:p>
+      </dgm:t>
+    </dgm:pt>
+    <dgm:pt modelId="{00C53B40-E2EA-4921-8320-43069E2DFC4F}" type="sibTrans" cxnId="{95A4A621-002E-459A-A7D8-B2BD98A685CB}">
+      <dgm:prSet/>
+      <dgm:spPr/>
+      <dgm:t>
+        <a:bodyPr/>
+        <a:lstStyle/>
+        <a:p>
+          <a:endParaRPr lang="it-IT"/>
+        </a:p>
+      </dgm:t>
+    </dgm:pt>
+    <dgm:pt modelId="{0C28CA36-BB1B-4F85-B204-F1E3CA662BA6}">
+      <dgm:prSet phldrT="[Text]"/>
+      <dgm:spPr/>
+      <dgm:t>
+        <a:bodyPr/>
+        <a:lstStyle/>
+        <a:p>
+          <a:r>
+            <a:rPr lang="en-US" dirty="0"/>
+            <a:t>Need to manage despite it’s PaaS</a:t>
+          </a:r>
+          <a:endParaRPr lang="it-IT" dirty="0"/>
+        </a:p>
+      </dgm:t>
+    </dgm:pt>
+    <dgm:pt modelId="{66A9F54F-B760-4C90-B7C4-6E970666967C}" type="parTrans" cxnId="{9229E298-487A-4F3C-A224-ADBCB32B21B8}">
+      <dgm:prSet/>
+      <dgm:spPr/>
+      <dgm:t>
+        <a:bodyPr/>
+        <a:lstStyle/>
+        <a:p>
+          <a:endParaRPr lang="it-IT"/>
+        </a:p>
+      </dgm:t>
+    </dgm:pt>
+    <dgm:pt modelId="{15F8597B-5E37-48C5-B037-36DFDF0940CA}" type="sibTrans" cxnId="{9229E298-487A-4F3C-A224-ADBCB32B21B8}">
+      <dgm:prSet/>
+      <dgm:spPr/>
+      <dgm:t>
+        <a:bodyPr/>
+        <a:lstStyle/>
+        <a:p>
+          <a:endParaRPr lang="it-IT"/>
+        </a:p>
+      </dgm:t>
+    </dgm:pt>
+    <dgm:pt modelId="{C16F0D7E-D26B-4E02-B174-E7E474A3EE42}">
+      <dgm:prSet phldrT="[Text]"/>
+      <dgm:spPr/>
+      <dgm:t>
+        <a:bodyPr/>
+        <a:lstStyle/>
+        <a:p>
+          <a:r>
+            <a:rPr lang="en-US" dirty="0"/>
+            <a:t>Container Instances</a:t>
+          </a:r>
+          <a:endParaRPr lang="it-IT" dirty="0"/>
+        </a:p>
+      </dgm:t>
+    </dgm:pt>
+    <dgm:pt modelId="{E9895A01-8AAD-4862-929E-1EFDFEF53B39}" type="parTrans" cxnId="{3B2EA4CC-C4A2-48BA-A143-D6C988C8ADEC}">
+      <dgm:prSet/>
+      <dgm:spPr/>
+      <dgm:t>
+        <a:bodyPr/>
+        <a:lstStyle/>
+        <a:p>
+          <a:endParaRPr lang="it-IT"/>
+        </a:p>
+      </dgm:t>
+    </dgm:pt>
+    <dgm:pt modelId="{D94D6349-E56D-4573-B894-10ADB9AB4B3E}" type="sibTrans" cxnId="{3B2EA4CC-C4A2-48BA-A143-D6C988C8ADEC}">
+      <dgm:prSet/>
+      <dgm:spPr/>
+      <dgm:t>
+        <a:bodyPr/>
+        <a:lstStyle/>
+        <a:p>
+          <a:endParaRPr lang="it-IT"/>
+        </a:p>
+      </dgm:t>
+    </dgm:pt>
+    <dgm:pt modelId="{0303A412-5DB2-411A-9391-310F624A923A}">
+      <dgm:prSet phldrT="[Text]"/>
+      <dgm:spPr/>
+      <dgm:t>
+        <a:bodyPr/>
+        <a:lstStyle/>
+        <a:p>
+          <a:r>
+            <a:rPr lang="en-US" dirty="0"/>
+            <a:t>The low-level serverless unit to run containers</a:t>
+          </a:r>
+          <a:endParaRPr lang="it-IT" dirty="0"/>
+        </a:p>
+      </dgm:t>
+    </dgm:pt>
+    <dgm:pt modelId="{C8078E0F-54A3-43C6-A9EF-2E99A3CD29B5}" type="parTrans" cxnId="{8CDACF37-786C-46FD-B64F-C0367401C100}">
+      <dgm:prSet/>
+      <dgm:spPr/>
+      <dgm:t>
+        <a:bodyPr/>
+        <a:lstStyle/>
+        <a:p>
+          <a:endParaRPr lang="it-IT"/>
+        </a:p>
+      </dgm:t>
+    </dgm:pt>
+    <dgm:pt modelId="{8B77B3FB-B1B8-4480-B66F-64B5F3DCFA9D}" type="sibTrans" cxnId="{8CDACF37-786C-46FD-B64F-C0367401C100}">
+      <dgm:prSet/>
+      <dgm:spPr/>
+      <dgm:t>
+        <a:bodyPr/>
+        <a:lstStyle/>
+        <a:p>
+          <a:endParaRPr lang="it-IT"/>
+        </a:p>
+      </dgm:t>
+    </dgm:pt>
+    <dgm:pt modelId="{FE0085EB-1619-4794-9F45-D8321C2BA5DE}">
+      <dgm:prSet phldrT="[Text]"/>
+      <dgm:spPr/>
+      <dgm:t>
+        <a:bodyPr/>
+        <a:lstStyle/>
+        <a:p>
+          <a:r>
+            <a:rPr lang="en-US" dirty="0"/>
+            <a:t>Good to handle spikes of AKS or custom jobs</a:t>
+          </a:r>
+          <a:endParaRPr lang="it-IT" dirty="0"/>
+        </a:p>
+      </dgm:t>
+    </dgm:pt>
+    <dgm:pt modelId="{F3BCBD03-76ED-4C06-8A39-2EBF47A09A42}" type="parTrans" cxnId="{162EB638-508F-4FF9-91FF-118920E74938}">
+      <dgm:prSet/>
+      <dgm:spPr/>
+      <dgm:t>
+        <a:bodyPr/>
+        <a:lstStyle/>
+        <a:p>
+          <a:endParaRPr lang="it-IT"/>
+        </a:p>
+      </dgm:t>
+    </dgm:pt>
+    <dgm:pt modelId="{E97BEEEC-0631-4B8C-AC90-607114CB8633}" type="sibTrans" cxnId="{162EB638-508F-4FF9-91FF-118920E74938}">
+      <dgm:prSet/>
+      <dgm:spPr/>
+      <dgm:t>
+        <a:bodyPr/>
+        <a:lstStyle/>
+        <a:p>
+          <a:endParaRPr lang="it-IT"/>
+        </a:p>
+      </dgm:t>
+    </dgm:pt>
+    <dgm:pt modelId="{E841D3CB-985E-4D4E-BE1A-167830521046}">
+      <dgm:prSet phldrT="[Text]"/>
+      <dgm:spPr/>
+      <dgm:t>
+        <a:bodyPr/>
+        <a:lstStyle/>
+        <a:p>
+          <a:r>
+            <a:rPr lang="en-US" dirty="0"/>
+            <a:t>Container Apps</a:t>
+          </a:r>
+          <a:endParaRPr lang="it-IT" dirty="0"/>
+        </a:p>
+      </dgm:t>
+    </dgm:pt>
+    <dgm:pt modelId="{9CE3381F-4A75-4971-9226-4EEA5AEA7ECF}" type="parTrans" cxnId="{61AD19D6-E048-4E30-8536-5A2B6D750C33}">
+      <dgm:prSet/>
+      <dgm:spPr/>
+      <dgm:t>
+        <a:bodyPr/>
+        <a:lstStyle/>
+        <a:p>
+          <a:endParaRPr lang="it-IT"/>
+        </a:p>
+      </dgm:t>
+    </dgm:pt>
+    <dgm:pt modelId="{C2B8DB94-6EF9-4DA4-B182-0A1EDADE9F84}" type="sibTrans" cxnId="{61AD19D6-E048-4E30-8536-5A2B6D750C33}">
+      <dgm:prSet/>
+      <dgm:spPr/>
+      <dgm:t>
+        <a:bodyPr/>
+        <a:lstStyle/>
+        <a:p>
+          <a:endParaRPr lang="it-IT"/>
+        </a:p>
+      </dgm:t>
+    </dgm:pt>
+    <dgm:pt modelId="{7EE48ACD-4D4D-4B59-B8B0-8854E0186FA4}">
+      <dgm:prSet phldrT="[Text]"/>
+      <dgm:spPr/>
+      <dgm:t>
+        <a:bodyPr/>
+        <a:lstStyle/>
+        <a:p>
+          <a:r>
+            <a:rPr lang="en-US" dirty="0"/>
+            <a:t>It’s a serverless container solution with steroids</a:t>
+          </a:r>
+          <a:endParaRPr lang="it-IT" dirty="0"/>
+        </a:p>
+      </dgm:t>
+    </dgm:pt>
+    <dgm:pt modelId="{F963EB62-EBC4-4886-A4B8-27AEEC82BA6D}" type="parTrans" cxnId="{D47B406C-FA34-41AF-AC6F-08CDEF6AC581}">
+      <dgm:prSet/>
+      <dgm:spPr/>
+      <dgm:t>
+        <a:bodyPr/>
+        <a:lstStyle/>
+        <a:p>
+          <a:endParaRPr lang="it-IT"/>
+        </a:p>
+      </dgm:t>
+    </dgm:pt>
+    <dgm:pt modelId="{6CDD00D8-7628-49B9-A5FD-0DE58710A035}" type="sibTrans" cxnId="{D47B406C-FA34-41AF-AC6F-08CDEF6AC581}">
+      <dgm:prSet/>
+      <dgm:spPr/>
+      <dgm:t>
+        <a:bodyPr/>
+        <a:lstStyle/>
+        <a:p>
+          <a:endParaRPr lang="it-IT"/>
+        </a:p>
+      </dgm:t>
+    </dgm:pt>
+    <dgm:pt modelId="{C8988808-5A20-4576-952C-F938751DF56B}">
+      <dgm:prSet phldrT="[Text]"/>
+      <dgm:spPr/>
+      <dgm:t>
+        <a:bodyPr/>
+        <a:lstStyle/>
+        <a:p>
+          <a:r>
+            <a:rPr lang="en-US" dirty="0"/>
+            <a:t>(with some constraints) Can replace K8s</a:t>
+          </a:r>
+          <a:endParaRPr lang="it-IT" dirty="0"/>
+        </a:p>
+      </dgm:t>
+    </dgm:pt>
+    <dgm:pt modelId="{BEEF4186-7909-4483-A889-B71283CA200D}" type="parTrans" cxnId="{BC104A9D-753C-4C62-B44C-23D10CD52BF7}">
+      <dgm:prSet/>
+      <dgm:spPr/>
+      <dgm:t>
+        <a:bodyPr/>
+        <a:lstStyle/>
+        <a:p>
+          <a:endParaRPr lang="it-IT"/>
+        </a:p>
+      </dgm:t>
+    </dgm:pt>
+    <dgm:pt modelId="{49F7658C-36A7-49D8-876B-EFDF4500F523}" type="sibTrans" cxnId="{BC104A9D-753C-4C62-B44C-23D10CD52BF7}">
+      <dgm:prSet/>
+      <dgm:spPr/>
+      <dgm:t>
+        <a:bodyPr/>
+        <a:lstStyle/>
+        <a:p>
+          <a:endParaRPr lang="it-IT"/>
+        </a:p>
+      </dgm:t>
+    </dgm:pt>
+    <dgm:pt modelId="{E37164C7-E93E-4980-B655-816520D0DF0D}">
+      <dgm:prSet phldrT="[Text]"/>
+      <dgm:spPr/>
+      <dgm:t>
+        <a:bodyPr/>
+        <a:lstStyle/>
+        <a:p>
+          <a:r>
+            <a:rPr lang="en-US" dirty="0"/>
+            <a:t>Need to know the specific artifacts</a:t>
+          </a:r>
+          <a:endParaRPr lang="it-IT" dirty="0"/>
+        </a:p>
+      </dgm:t>
+    </dgm:pt>
+    <dgm:pt modelId="{E446E4A1-6DEE-4E12-827D-7EF7D5BB2DD1}" type="parTrans" cxnId="{777AE0D4-533E-44E3-85F0-25E971CE3694}">
+      <dgm:prSet/>
+      <dgm:spPr/>
+    </dgm:pt>
+    <dgm:pt modelId="{188F0889-E581-48E9-974A-0E568B5D3084}" type="sibTrans" cxnId="{777AE0D4-533E-44E3-85F0-25E971CE3694}">
+      <dgm:prSet/>
+      <dgm:spPr/>
+    </dgm:pt>
+    <dgm:pt modelId="{D28F75AD-1F70-4DD8-8009-58E05CCBCC75}">
+      <dgm:prSet phldrT="[Text]"/>
+      <dgm:spPr/>
+      <dgm:t>
+        <a:bodyPr/>
+        <a:lstStyle/>
+        <a:p>
+          <a:r>
+            <a:rPr lang="en-US" dirty="0"/>
+            <a:t>Overall TCO could be higher</a:t>
+          </a:r>
+          <a:endParaRPr lang="it-IT" dirty="0"/>
+        </a:p>
+      </dgm:t>
+    </dgm:pt>
+    <dgm:pt modelId="{EF6590B8-D69A-4773-BA34-7661C1606DB1}" type="parTrans" cxnId="{FE4B4E92-32BC-4E4C-B05A-A3E7CED360A2}">
+      <dgm:prSet/>
+      <dgm:spPr/>
+    </dgm:pt>
+    <dgm:pt modelId="{84BA6FA2-F4FB-4E6A-A60D-3B9896220B5D}" type="sibTrans" cxnId="{FE4B4E92-32BC-4E4C-B05A-A3E7CED360A2}">
+      <dgm:prSet/>
+      <dgm:spPr/>
+    </dgm:pt>
+    <dgm:pt modelId="{6847D59F-6A83-485E-9000-667D535963B5}">
+      <dgm:prSet phldrT="[Text]"/>
+      <dgm:spPr/>
+      <dgm:t>
+        <a:bodyPr/>
+        <a:lstStyle/>
+        <a:p>
+          <a:r>
+            <a:rPr lang="en-US" dirty="0"/>
+            <a:t>Need to build your own governance process</a:t>
+          </a:r>
+          <a:endParaRPr lang="it-IT" dirty="0"/>
+        </a:p>
+      </dgm:t>
+    </dgm:pt>
+    <dgm:pt modelId="{34F39A2C-DEF1-4179-B430-9EAE9BD600EC}" type="parTrans" cxnId="{0D7F7AC9-714D-4435-8305-04AF1E432726}">
+      <dgm:prSet/>
+      <dgm:spPr/>
+    </dgm:pt>
+    <dgm:pt modelId="{D17BAD5C-BA21-46C8-BAA1-05FD3349A464}" type="sibTrans" cxnId="{0D7F7AC9-714D-4435-8305-04AF1E432726}">
+      <dgm:prSet/>
+      <dgm:spPr/>
+    </dgm:pt>
+    <dgm:pt modelId="{1645DCC2-C725-4781-A605-84CCFD96527D}">
+      <dgm:prSet phldrT="[Text]"/>
+      <dgm:spPr/>
+      <dgm:t>
+        <a:bodyPr/>
+        <a:lstStyle/>
+        <a:p>
+          <a:r>
+            <a:rPr lang="en-US" dirty="0"/>
+            <a:t>It implements (but hides) many K8s features</a:t>
+          </a:r>
+          <a:endParaRPr lang="it-IT" dirty="0"/>
+        </a:p>
+      </dgm:t>
+    </dgm:pt>
+    <dgm:pt modelId="{CE9246CA-96AB-4C3B-A449-BE5D80EBCAFC}" type="parTrans" cxnId="{090DF1AF-B969-4807-A160-93E37431BB08}">
+      <dgm:prSet/>
+      <dgm:spPr/>
+    </dgm:pt>
+    <dgm:pt modelId="{4D706FD2-7827-4080-A9AC-86B94672733F}" type="sibTrans" cxnId="{090DF1AF-B969-4807-A160-93E37431BB08}">
+      <dgm:prSet/>
+      <dgm:spPr/>
+    </dgm:pt>
+    <dgm:pt modelId="{AE6F607E-CD42-49BD-8CD7-DF30D7FD8B08}" type="pres">
+      <dgm:prSet presAssocID="{305596A0-F57C-4368-8363-BDD31CA04119}" presName="Name0" presStyleCnt="0">
+        <dgm:presLayoutVars>
+          <dgm:dir/>
+          <dgm:animLvl val="lvl"/>
+          <dgm:resizeHandles val="exact"/>
+        </dgm:presLayoutVars>
+      </dgm:prSet>
+      <dgm:spPr/>
+    </dgm:pt>
+    <dgm:pt modelId="{FAAF2A9C-D4AD-48A5-8326-10204F57CA65}" type="pres">
+      <dgm:prSet presAssocID="{F62FE323-AB27-430C-8F4B-CB98A2ADF993}" presName="composite" presStyleCnt="0"/>
+      <dgm:spPr/>
+    </dgm:pt>
+    <dgm:pt modelId="{667D0FBE-1708-41B4-927B-8E968C856A3D}" type="pres">
+      <dgm:prSet presAssocID="{F62FE323-AB27-430C-8F4B-CB98A2ADF993}" presName="parTx" presStyleLbl="alignNode1" presStyleIdx="0" presStyleCnt="3">
+        <dgm:presLayoutVars>
+          <dgm:chMax val="0"/>
+          <dgm:chPref val="0"/>
+          <dgm:bulletEnabled val="1"/>
+        </dgm:presLayoutVars>
+      </dgm:prSet>
+      <dgm:spPr/>
+    </dgm:pt>
+    <dgm:pt modelId="{133E667B-8EF7-4F9D-B2DC-325AF6D0C20E}" type="pres">
+      <dgm:prSet presAssocID="{F62FE323-AB27-430C-8F4B-CB98A2ADF993}" presName="desTx" presStyleLbl="alignAccFollowNode1" presStyleIdx="0" presStyleCnt="3">
+        <dgm:presLayoutVars>
+          <dgm:bulletEnabled val="1"/>
+        </dgm:presLayoutVars>
+      </dgm:prSet>
+      <dgm:spPr/>
+    </dgm:pt>
+    <dgm:pt modelId="{5DAF50D0-F585-4C3D-A179-EB6B99B95587}" type="pres">
+      <dgm:prSet presAssocID="{00C53B40-E2EA-4921-8320-43069E2DFC4F}" presName="space" presStyleCnt="0"/>
+      <dgm:spPr/>
+    </dgm:pt>
+    <dgm:pt modelId="{031918A4-EE48-4804-8FE6-B2FDAFCCF811}" type="pres">
+      <dgm:prSet presAssocID="{C16F0D7E-D26B-4E02-B174-E7E474A3EE42}" presName="composite" presStyleCnt="0"/>
+      <dgm:spPr/>
+    </dgm:pt>
+    <dgm:pt modelId="{3790C670-D175-4CA5-8BBC-0E9DDB754022}" type="pres">
+      <dgm:prSet presAssocID="{C16F0D7E-D26B-4E02-B174-E7E474A3EE42}" presName="parTx" presStyleLbl="alignNode1" presStyleIdx="1" presStyleCnt="3">
+        <dgm:presLayoutVars>
+          <dgm:chMax val="0"/>
+          <dgm:chPref val="0"/>
+          <dgm:bulletEnabled val="1"/>
+        </dgm:presLayoutVars>
+      </dgm:prSet>
+      <dgm:spPr/>
+    </dgm:pt>
+    <dgm:pt modelId="{52938C32-41DF-472D-A087-EDF15E5F48CF}" type="pres">
+      <dgm:prSet presAssocID="{C16F0D7E-D26B-4E02-B174-E7E474A3EE42}" presName="desTx" presStyleLbl="alignAccFollowNode1" presStyleIdx="1" presStyleCnt="3">
+        <dgm:presLayoutVars>
+          <dgm:bulletEnabled val="1"/>
+        </dgm:presLayoutVars>
+      </dgm:prSet>
+      <dgm:spPr/>
+    </dgm:pt>
+    <dgm:pt modelId="{5A449540-7B6F-4675-A502-C7AF36D523C8}" type="pres">
+      <dgm:prSet presAssocID="{D94D6349-E56D-4573-B894-10ADB9AB4B3E}" presName="space" presStyleCnt="0"/>
+      <dgm:spPr/>
+    </dgm:pt>
+    <dgm:pt modelId="{5ACE6E23-3E49-4EDB-B15E-6B90EBA817C7}" type="pres">
+      <dgm:prSet presAssocID="{E841D3CB-985E-4D4E-BE1A-167830521046}" presName="composite" presStyleCnt="0"/>
+      <dgm:spPr/>
+    </dgm:pt>
+    <dgm:pt modelId="{C003F13B-45FD-40D4-9155-333316323D18}" type="pres">
+      <dgm:prSet presAssocID="{E841D3CB-985E-4D4E-BE1A-167830521046}" presName="parTx" presStyleLbl="alignNode1" presStyleIdx="2" presStyleCnt="3">
+        <dgm:presLayoutVars>
+          <dgm:chMax val="0"/>
+          <dgm:chPref val="0"/>
+          <dgm:bulletEnabled val="1"/>
+        </dgm:presLayoutVars>
+      </dgm:prSet>
+      <dgm:spPr/>
+    </dgm:pt>
+    <dgm:pt modelId="{6D4291AF-5424-41E8-8649-CBEC035B0A0F}" type="pres">
+      <dgm:prSet presAssocID="{E841D3CB-985E-4D4E-BE1A-167830521046}" presName="desTx" presStyleLbl="alignAccFollowNode1" presStyleIdx="2" presStyleCnt="3">
+        <dgm:presLayoutVars>
+          <dgm:bulletEnabled val="1"/>
+        </dgm:presLayoutVars>
+      </dgm:prSet>
+      <dgm:spPr/>
+    </dgm:pt>
+  </dgm:ptLst>
+  <dgm:cxnLst>
+    <dgm:cxn modelId="{8D3A1502-070C-40BD-BC7A-0EB94B5E13D7}" type="presOf" srcId="{0303A412-5DB2-411A-9391-310F624A923A}" destId="{52938C32-41DF-472D-A087-EDF15E5F48CF}" srcOrd="0" destOrd="0" presId="urn:microsoft.com/office/officeart/2005/8/layout/hList1"/>
+    <dgm:cxn modelId="{795BF10B-9DF2-4CFE-85CA-6436BF40D12E}" type="presOf" srcId="{C16F0D7E-D26B-4E02-B174-E7E474A3EE42}" destId="{3790C670-D175-4CA5-8BBC-0E9DDB754022}" srcOrd="0" destOrd="0" presId="urn:microsoft.com/office/officeart/2005/8/layout/hList1"/>
+    <dgm:cxn modelId="{58E17C15-265D-494B-98D3-9FBE8984F431}" type="presOf" srcId="{7EE48ACD-4D4D-4B59-B8B0-8854E0186FA4}" destId="{6D4291AF-5424-41E8-8649-CBEC035B0A0F}" srcOrd="0" destOrd="0" presId="urn:microsoft.com/office/officeart/2005/8/layout/hList1"/>
+    <dgm:cxn modelId="{DEE51217-D1A5-4ABD-8377-9B1451D96EA8}" type="presOf" srcId="{305596A0-F57C-4368-8363-BDD31CA04119}" destId="{AE6F607E-CD42-49BD-8CD7-DF30D7FD8B08}" srcOrd="0" destOrd="0" presId="urn:microsoft.com/office/officeart/2005/8/layout/hList1"/>
+    <dgm:cxn modelId="{95A4A621-002E-459A-A7D8-B2BD98A685CB}" srcId="{305596A0-F57C-4368-8363-BDD31CA04119}" destId="{F62FE323-AB27-430C-8F4B-CB98A2ADF993}" srcOrd="0" destOrd="0" parTransId="{975E8C9B-22DD-4E15-ACB3-B933A4BFF1E8}" sibTransId="{00C53B40-E2EA-4921-8320-43069E2DFC4F}"/>
+    <dgm:cxn modelId="{8CDACF37-786C-46FD-B64F-C0367401C100}" srcId="{C16F0D7E-D26B-4E02-B174-E7E474A3EE42}" destId="{0303A412-5DB2-411A-9391-310F624A923A}" srcOrd="0" destOrd="0" parTransId="{C8078E0F-54A3-43C6-A9EF-2E99A3CD29B5}" sibTransId="{8B77B3FB-B1B8-4480-B66F-64B5F3DCFA9D}"/>
+    <dgm:cxn modelId="{162EB638-508F-4FF9-91FF-118920E74938}" srcId="{C16F0D7E-D26B-4E02-B174-E7E474A3EE42}" destId="{FE0085EB-1619-4794-9F45-D8321C2BA5DE}" srcOrd="1" destOrd="0" parTransId="{F3BCBD03-76ED-4C06-8A39-2EBF47A09A42}" sibTransId="{E97BEEEC-0631-4B8C-AC90-607114CB8633}"/>
+    <dgm:cxn modelId="{723F4360-843B-4EBF-B2DC-971AB030FD36}" type="presOf" srcId="{6847D59F-6A83-485E-9000-667D535963B5}" destId="{52938C32-41DF-472D-A087-EDF15E5F48CF}" srcOrd="0" destOrd="2" presId="urn:microsoft.com/office/officeart/2005/8/layout/hList1"/>
+    <dgm:cxn modelId="{BEC71E6B-1D5C-4056-B1E8-FFF2FE46365E}" type="presOf" srcId="{1645DCC2-C725-4781-A605-84CCFD96527D}" destId="{6D4291AF-5424-41E8-8649-CBEC035B0A0F}" srcOrd="0" destOrd="1" presId="urn:microsoft.com/office/officeart/2005/8/layout/hList1"/>
+    <dgm:cxn modelId="{D47B406C-FA34-41AF-AC6F-08CDEF6AC581}" srcId="{E841D3CB-985E-4D4E-BE1A-167830521046}" destId="{7EE48ACD-4D4D-4B59-B8B0-8854E0186FA4}" srcOrd="0" destOrd="0" parTransId="{F963EB62-EBC4-4886-A4B8-27AEEC82BA6D}" sibTransId="{6CDD00D8-7628-49B9-A5FD-0DE58710A035}"/>
+    <dgm:cxn modelId="{D2E36183-EDF1-44F5-A00E-308120E86145}" type="presOf" srcId="{E37164C7-E93E-4980-B655-816520D0DF0D}" destId="{133E667B-8EF7-4F9D-B2DC-325AF6D0C20E}" srcOrd="0" destOrd="1" presId="urn:microsoft.com/office/officeart/2005/8/layout/hList1"/>
+    <dgm:cxn modelId="{812E5784-0682-4DA2-A423-1554C9B69F26}" type="presOf" srcId="{FE0085EB-1619-4794-9F45-D8321C2BA5DE}" destId="{52938C32-41DF-472D-A087-EDF15E5F48CF}" srcOrd="0" destOrd="1" presId="urn:microsoft.com/office/officeart/2005/8/layout/hList1"/>
+    <dgm:cxn modelId="{DDEF438A-97B7-4B93-827E-5224B0B2BBAF}" type="presOf" srcId="{E841D3CB-985E-4D4E-BE1A-167830521046}" destId="{C003F13B-45FD-40D4-9155-333316323D18}" srcOrd="0" destOrd="0" presId="urn:microsoft.com/office/officeart/2005/8/layout/hList1"/>
+    <dgm:cxn modelId="{FE4B4E92-32BC-4E4C-B05A-A3E7CED360A2}" srcId="{F62FE323-AB27-430C-8F4B-CB98A2ADF993}" destId="{D28F75AD-1F70-4DD8-8009-58E05CCBCC75}" srcOrd="2" destOrd="0" parTransId="{EF6590B8-D69A-4773-BA34-7661C1606DB1}" sibTransId="{84BA6FA2-F4FB-4E6A-A60D-3B9896220B5D}"/>
+    <dgm:cxn modelId="{9229E298-487A-4F3C-A224-ADBCB32B21B8}" srcId="{F62FE323-AB27-430C-8F4B-CB98A2ADF993}" destId="{0C28CA36-BB1B-4F85-B204-F1E3CA662BA6}" srcOrd="0" destOrd="0" parTransId="{66A9F54F-B760-4C90-B7C4-6E970666967C}" sibTransId="{15F8597B-5E37-48C5-B037-36DFDF0940CA}"/>
+    <dgm:cxn modelId="{BC104A9D-753C-4C62-B44C-23D10CD52BF7}" srcId="{E841D3CB-985E-4D4E-BE1A-167830521046}" destId="{C8988808-5A20-4576-952C-F938751DF56B}" srcOrd="2" destOrd="0" parTransId="{BEEF4186-7909-4483-A889-B71283CA200D}" sibTransId="{49F7658C-36A7-49D8-876B-EFDF4500F523}"/>
+    <dgm:cxn modelId="{7466D4AD-AEB9-4227-A537-1139D90F5E59}" type="presOf" srcId="{D28F75AD-1F70-4DD8-8009-58E05CCBCC75}" destId="{133E667B-8EF7-4F9D-B2DC-325AF6D0C20E}" srcOrd="0" destOrd="2" presId="urn:microsoft.com/office/officeart/2005/8/layout/hList1"/>
+    <dgm:cxn modelId="{090DF1AF-B969-4807-A160-93E37431BB08}" srcId="{E841D3CB-985E-4D4E-BE1A-167830521046}" destId="{1645DCC2-C725-4781-A605-84CCFD96527D}" srcOrd="1" destOrd="0" parTransId="{CE9246CA-96AB-4C3B-A449-BE5D80EBCAFC}" sibTransId="{4D706FD2-7827-4080-A9AC-86B94672733F}"/>
+    <dgm:cxn modelId="{A3FD49BE-D814-4616-9D76-F6BDF4159407}" type="presOf" srcId="{C8988808-5A20-4576-952C-F938751DF56B}" destId="{6D4291AF-5424-41E8-8649-CBEC035B0A0F}" srcOrd="0" destOrd="2" presId="urn:microsoft.com/office/officeart/2005/8/layout/hList1"/>
+    <dgm:cxn modelId="{0D7F7AC9-714D-4435-8305-04AF1E432726}" srcId="{C16F0D7E-D26B-4E02-B174-E7E474A3EE42}" destId="{6847D59F-6A83-485E-9000-667D535963B5}" srcOrd="2" destOrd="0" parTransId="{34F39A2C-DEF1-4179-B430-9EAE9BD600EC}" sibTransId="{D17BAD5C-BA21-46C8-BAA1-05FD3349A464}"/>
+    <dgm:cxn modelId="{3B2EA4CC-C4A2-48BA-A143-D6C988C8ADEC}" srcId="{305596A0-F57C-4368-8363-BDD31CA04119}" destId="{C16F0D7E-D26B-4E02-B174-E7E474A3EE42}" srcOrd="1" destOrd="0" parTransId="{E9895A01-8AAD-4862-929E-1EFDFEF53B39}" sibTransId="{D94D6349-E56D-4573-B894-10ADB9AB4B3E}"/>
+    <dgm:cxn modelId="{9E403DD3-5121-470A-B83A-C3DBEFB17313}" type="presOf" srcId="{0C28CA36-BB1B-4F85-B204-F1E3CA662BA6}" destId="{133E667B-8EF7-4F9D-B2DC-325AF6D0C20E}" srcOrd="0" destOrd="0" presId="urn:microsoft.com/office/officeart/2005/8/layout/hList1"/>
+    <dgm:cxn modelId="{777AE0D4-533E-44E3-85F0-25E971CE3694}" srcId="{F62FE323-AB27-430C-8F4B-CB98A2ADF993}" destId="{E37164C7-E93E-4980-B655-816520D0DF0D}" srcOrd="1" destOrd="0" parTransId="{E446E4A1-6DEE-4E12-827D-7EF7D5BB2DD1}" sibTransId="{188F0889-E581-48E9-974A-0E568B5D3084}"/>
+    <dgm:cxn modelId="{A2FC4ED5-B933-498B-862E-5294B06ADCC9}" type="presOf" srcId="{F62FE323-AB27-430C-8F4B-CB98A2ADF993}" destId="{667D0FBE-1708-41B4-927B-8E968C856A3D}" srcOrd="0" destOrd="0" presId="urn:microsoft.com/office/officeart/2005/8/layout/hList1"/>
+    <dgm:cxn modelId="{61AD19D6-E048-4E30-8536-5A2B6D750C33}" srcId="{305596A0-F57C-4368-8363-BDD31CA04119}" destId="{E841D3CB-985E-4D4E-BE1A-167830521046}" srcOrd="2" destOrd="0" parTransId="{9CE3381F-4A75-4971-9226-4EEA5AEA7ECF}" sibTransId="{C2B8DB94-6EF9-4DA4-B182-0A1EDADE9F84}"/>
+    <dgm:cxn modelId="{4C3CD255-1463-468C-9294-AE80A328B050}" type="presParOf" srcId="{AE6F607E-CD42-49BD-8CD7-DF30D7FD8B08}" destId="{FAAF2A9C-D4AD-48A5-8326-10204F57CA65}" srcOrd="0" destOrd="0" presId="urn:microsoft.com/office/officeart/2005/8/layout/hList1"/>
+    <dgm:cxn modelId="{7523F813-1E02-4DC3-8C2B-66BB13FA5C1A}" type="presParOf" srcId="{FAAF2A9C-D4AD-48A5-8326-10204F57CA65}" destId="{667D0FBE-1708-41B4-927B-8E968C856A3D}" srcOrd="0" destOrd="0" presId="urn:microsoft.com/office/officeart/2005/8/layout/hList1"/>
+    <dgm:cxn modelId="{AC476986-8541-40F9-BEA4-7EDA1ED6C84C}" type="presParOf" srcId="{FAAF2A9C-D4AD-48A5-8326-10204F57CA65}" destId="{133E667B-8EF7-4F9D-B2DC-325AF6D0C20E}" srcOrd="1" destOrd="0" presId="urn:microsoft.com/office/officeart/2005/8/layout/hList1"/>
+    <dgm:cxn modelId="{E47A68E8-3E81-47F7-8F3F-4BDC3A1625DE}" type="presParOf" srcId="{AE6F607E-CD42-49BD-8CD7-DF30D7FD8B08}" destId="{5DAF50D0-F585-4C3D-A179-EB6B99B95587}" srcOrd="1" destOrd="0" presId="urn:microsoft.com/office/officeart/2005/8/layout/hList1"/>
+    <dgm:cxn modelId="{5C914DAC-1678-44E5-8D2A-9068A4322584}" type="presParOf" srcId="{AE6F607E-CD42-49BD-8CD7-DF30D7FD8B08}" destId="{031918A4-EE48-4804-8FE6-B2FDAFCCF811}" srcOrd="2" destOrd="0" presId="urn:microsoft.com/office/officeart/2005/8/layout/hList1"/>
+    <dgm:cxn modelId="{EBDC48DB-51F1-4C47-B1F8-2A0E416DE6DF}" type="presParOf" srcId="{031918A4-EE48-4804-8FE6-B2FDAFCCF811}" destId="{3790C670-D175-4CA5-8BBC-0E9DDB754022}" srcOrd="0" destOrd="0" presId="urn:microsoft.com/office/officeart/2005/8/layout/hList1"/>
+    <dgm:cxn modelId="{F9499793-D5C7-4FBA-96C9-6710ACCB2668}" type="presParOf" srcId="{031918A4-EE48-4804-8FE6-B2FDAFCCF811}" destId="{52938C32-41DF-472D-A087-EDF15E5F48CF}" srcOrd="1" destOrd="0" presId="urn:microsoft.com/office/officeart/2005/8/layout/hList1"/>
+    <dgm:cxn modelId="{390051BF-7384-43FE-97D9-E5C7F636B322}" type="presParOf" srcId="{AE6F607E-CD42-49BD-8CD7-DF30D7FD8B08}" destId="{5A449540-7B6F-4675-A502-C7AF36D523C8}" srcOrd="3" destOrd="0" presId="urn:microsoft.com/office/officeart/2005/8/layout/hList1"/>
+    <dgm:cxn modelId="{A2B230DF-03A7-4B7B-9839-E630430063C7}" type="presParOf" srcId="{AE6F607E-CD42-49BD-8CD7-DF30D7FD8B08}" destId="{5ACE6E23-3E49-4EDB-B15E-6B90EBA817C7}" srcOrd="4" destOrd="0" presId="urn:microsoft.com/office/officeart/2005/8/layout/hList1"/>
+    <dgm:cxn modelId="{4F07E1B1-2200-4B0E-A2AC-34891540AF4A}" type="presParOf" srcId="{5ACE6E23-3E49-4EDB-B15E-6B90EBA817C7}" destId="{C003F13B-45FD-40D4-9155-333316323D18}" srcOrd="0" destOrd="0" presId="urn:microsoft.com/office/officeart/2005/8/layout/hList1"/>
+    <dgm:cxn modelId="{B35675D8-CEBE-41A1-912C-CEBACB77D937}" type="presParOf" srcId="{5ACE6E23-3E49-4EDB-B15E-6B90EBA817C7}" destId="{6D4291AF-5424-41E8-8649-CBEC035B0A0F}" srcOrd="1" destOrd="0" presId="urn:microsoft.com/office/officeart/2005/8/layout/hList1"/>
   </dgm:cxnLst>
   <dgm:bg/>
   <dgm:whole/>
@@ -4553,6 +7119,1218 @@
 </dsp:drawing>
 </file>
 
+<file path=ppt/diagrams/drawing2.xml><?xml version="1.0" encoding="utf-8"?>
+<dsp:drawing xmlns:dgm="http://schemas.openxmlformats.org/drawingml/2006/diagram" xmlns:dsp="http://schemas.microsoft.com/office/drawing/2008/diagram" xmlns:a="http://schemas.openxmlformats.org/drawingml/2006/main">
+  <dsp:spTree>
+    <dsp:nvGrpSpPr>
+      <dsp:cNvPr id="0" name=""/>
+      <dsp:cNvGrpSpPr/>
+    </dsp:nvGrpSpPr>
+    <dsp:grpSpPr/>
+    <dsp:sp modelId="{667D0FBE-1708-41B4-927B-8E968C856A3D}">
+      <dsp:nvSpPr>
+        <dsp:cNvPr id="0" name=""/>
+        <dsp:cNvSpPr/>
+      </dsp:nvSpPr>
+      <dsp:spPr>
+        <a:xfrm>
+          <a:off x="3286" y="29337"/>
+          <a:ext cx="3203971" cy="662400"/>
+        </a:xfrm>
+        <a:prstGeom prst="rect">
+          <a:avLst/>
+        </a:prstGeom>
+        <a:solidFill>
+          <a:schemeClr val="accent1">
+            <a:hueOff val="0"/>
+            <a:satOff val="0"/>
+            <a:lumOff val="0"/>
+            <a:alphaOff val="0"/>
+          </a:schemeClr>
+        </a:solidFill>
+        <a:ln w="12700" cap="flat" cmpd="sng" algn="ctr">
+          <a:solidFill>
+            <a:schemeClr val="accent1">
+              <a:hueOff val="0"/>
+              <a:satOff val="0"/>
+              <a:lumOff val="0"/>
+              <a:alphaOff val="0"/>
+            </a:schemeClr>
+          </a:solidFill>
+          <a:prstDash val="solid"/>
+          <a:miter lim="800000"/>
+        </a:ln>
+        <a:effectLst/>
+      </dsp:spPr>
+      <dsp:style>
+        <a:lnRef idx="2">
+          <a:scrgbClr r="0" g="0" b="0"/>
+        </a:lnRef>
+        <a:fillRef idx="1">
+          <a:scrgbClr r="0" g="0" b="0"/>
+        </a:fillRef>
+        <a:effectRef idx="0">
+          <a:scrgbClr r="0" g="0" b="0"/>
+        </a:effectRef>
+        <a:fontRef idx="minor">
+          <a:schemeClr val="lt1"/>
+        </a:fontRef>
+      </dsp:style>
+      <dsp:txBody>
+        <a:bodyPr spcFirstLastPara="0" vert="horz" wrap="square" lIns="163576" tIns="93472" rIns="163576" bIns="93472" numCol="1" spcCol="1270" anchor="ctr" anchorCtr="0">
+          <a:noAutofit/>
+        </a:bodyPr>
+        <a:lstStyle/>
+        <a:p>
+          <a:pPr marL="0" lvl="0" indent="0" algn="ctr" defTabSz="1022350">
+            <a:lnSpc>
+              <a:spcPct val="90000"/>
+            </a:lnSpc>
+            <a:spcBef>
+              <a:spcPct val="0"/>
+            </a:spcBef>
+            <a:spcAft>
+              <a:spcPct val="35000"/>
+            </a:spcAft>
+            <a:buNone/>
+          </a:pPr>
+          <a:r>
+            <a:rPr lang="en-US" sz="2300" kern="1200" dirty="0"/>
+            <a:t>Kubernetes</a:t>
+          </a:r>
+          <a:endParaRPr lang="it-IT" sz="2300" kern="1200" dirty="0"/>
+        </a:p>
+      </dsp:txBody>
+      <dsp:txXfrm>
+        <a:off x="3286" y="29337"/>
+        <a:ext cx="3203971" cy="662400"/>
+      </dsp:txXfrm>
+    </dsp:sp>
+    <dsp:sp modelId="{133E667B-8EF7-4F9D-B2DC-325AF6D0C20E}">
+      <dsp:nvSpPr>
+        <dsp:cNvPr id="0" name=""/>
+        <dsp:cNvSpPr/>
+      </dsp:nvSpPr>
+      <dsp:spPr>
+        <a:xfrm>
+          <a:off x="3286" y="691737"/>
+          <a:ext cx="3203971" cy="3630262"/>
+        </a:xfrm>
+        <a:prstGeom prst="rect">
+          <a:avLst/>
+        </a:prstGeom>
+        <a:solidFill>
+          <a:schemeClr val="accent1">
+            <a:alpha val="90000"/>
+            <a:tint val="40000"/>
+            <a:hueOff val="0"/>
+            <a:satOff val="0"/>
+            <a:lumOff val="0"/>
+            <a:alphaOff val="0"/>
+          </a:schemeClr>
+        </a:solidFill>
+        <a:ln w="12700" cap="flat" cmpd="sng" algn="ctr">
+          <a:solidFill>
+            <a:schemeClr val="accent1">
+              <a:alpha val="90000"/>
+              <a:tint val="40000"/>
+              <a:hueOff val="0"/>
+              <a:satOff val="0"/>
+              <a:lumOff val="0"/>
+              <a:alphaOff val="0"/>
+            </a:schemeClr>
+          </a:solidFill>
+          <a:prstDash val="solid"/>
+          <a:miter lim="800000"/>
+        </a:ln>
+        <a:effectLst/>
+      </dsp:spPr>
+      <dsp:style>
+        <a:lnRef idx="2">
+          <a:scrgbClr r="0" g="0" b="0"/>
+        </a:lnRef>
+        <a:fillRef idx="1">
+          <a:scrgbClr r="0" g="0" b="0"/>
+        </a:fillRef>
+        <a:effectRef idx="0">
+          <a:scrgbClr r="0" g="0" b="0"/>
+        </a:effectRef>
+        <a:fontRef idx="minor"/>
+      </dsp:style>
+      <dsp:txBody>
+        <a:bodyPr spcFirstLastPara="0" vert="horz" wrap="square" lIns="122682" tIns="122682" rIns="163576" bIns="184023" numCol="1" spcCol="1270" anchor="t" anchorCtr="0">
+          <a:noAutofit/>
+        </a:bodyPr>
+        <a:lstStyle/>
+        <a:p>
+          <a:pPr marL="228600" lvl="1" indent="-228600" algn="l" defTabSz="1022350">
+            <a:lnSpc>
+              <a:spcPct val="90000"/>
+            </a:lnSpc>
+            <a:spcBef>
+              <a:spcPct val="0"/>
+            </a:spcBef>
+            <a:spcAft>
+              <a:spcPct val="15000"/>
+            </a:spcAft>
+            <a:buChar char="•"/>
+          </a:pPr>
+          <a:r>
+            <a:rPr lang="en-US" sz="2300" kern="1200" dirty="0"/>
+            <a:t>Need to manage despite it’s PaaS</a:t>
+          </a:r>
+          <a:endParaRPr lang="it-IT" sz="2300" kern="1200" dirty="0"/>
+        </a:p>
+        <a:p>
+          <a:pPr marL="228600" lvl="1" indent="-228600" algn="l" defTabSz="1022350">
+            <a:lnSpc>
+              <a:spcPct val="90000"/>
+            </a:lnSpc>
+            <a:spcBef>
+              <a:spcPct val="0"/>
+            </a:spcBef>
+            <a:spcAft>
+              <a:spcPct val="15000"/>
+            </a:spcAft>
+            <a:buChar char="•"/>
+          </a:pPr>
+          <a:r>
+            <a:rPr lang="en-US" sz="2300" kern="1200" dirty="0"/>
+            <a:t>Need to know the specific artifacts</a:t>
+          </a:r>
+          <a:endParaRPr lang="it-IT" sz="2300" kern="1200" dirty="0"/>
+        </a:p>
+        <a:p>
+          <a:pPr marL="228600" lvl="1" indent="-228600" algn="l" defTabSz="1022350">
+            <a:lnSpc>
+              <a:spcPct val="90000"/>
+            </a:lnSpc>
+            <a:spcBef>
+              <a:spcPct val="0"/>
+            </a:spcBef>
+            <a:spcAft>
+              <a:spcPct val="15000"/>
+            </a:spcAft>
+            <a:buChar char="•"/>
+          </a:pPr>
+          <a:r>
+            <a:rPr lang="en-US" sz="2300" kern="1200" dirty="0"/>
+            <a:t>Overall TCO could be higher</a:t>
+          </a:r>
+          <a:endParaRPr lang="it-IT" sz="2300" kern="1200" dirty="0"/>
+        </a:p>
+      </dsp:txBody>
+      <dsp:txXfrm>
+        <a:off x="3286" y="691737"/>
+        <a:ext cx="3203971" cy="3630262"/>
+      </dsp:txXfrm>
+    </dsp:sp>
+    <dsp:sp modelId="{3790C670-D175-4CA5-8BBC-0E9DDB754022}">
+      <dsp:nvSpPr>
+        <dsp:cNvPr id="0" name=""/>
+        <dsp:cNvSpPr/>
+      </dsp:nvSpPr>
+      <dsp:spPr>
+        <a:xfrm>
+          <a:off x="3655814" y="29337"/>
+          <a:ext cx="3203971" cy="662400"/>
+        </a:xfrm>
+        <a:prstGeom prst="rect">
+          <a:avLst/>
+        </a:prstGeom>
+        <a:solidFill>
+          <a:schemeClr val="accent1">
+            <a:hueOff val="0"/>
+            <a:satOff val="0"/>
+            <a:lumOff val="0"/>
+            <a:alphaOff val="0"/>
+          </a:schemeClr>
+        </a:solidFill>
+        <a:ln w="12700" cap="flat" cmpd="sng" algn="ctr">
+          <a:solidFill>
+            <a:schemeClr val="accent1">
+              <a:hueOff val="0"/>
+              <a:satOff val="0"/>
+              <a:lumOff val="0"/>
+              <a:alphaOff val="0"/>
+            </a:schemeClr>
+          </a:solidFill>
+          <a:prstDash val="solid"/>
+          <a:miter lim="800000"/>
+        </a:ln>
+        <a:effectLst/>
+      </dsp:spPr>
+      <dsp:style>
+        <a:lnRef idx="2">
+          <a:scrgbClr r="0" g="0" b="0"/>
+        </a:lnRef>
+        <a:fillRef idx="1">
+          <a:scrgbClr r="0" g="0" b="0"/>
+        </a:fillRef>
+        <a:effectRef idx="0">
+          <a:scrgbClr r="0" g="0" b="0"/>
+        </a:effectRef>
+        <a:fontRef idx="minor">
+          <a:schemeClr val="lt1"/>
+        </a:fontRef>
+      </dsp:style>
+      <dsp:txBody>
+        <a:bodyPr spcFirstLastPara="0" vert="horz" wrap="square" lIns="163576" tIns="93472" rIns="163576" bIns="93472" numCol="1" spcCol="1270" anchor="ctr" anchorCtr="0">
+          <a:noAutofit/>
+        </a:bodyPr>
+        <a:lstStyle/>
+        <a:p>
+          <a:pPr marL="0" lvl="0" indent="0" algn="ctr" defTabSz="1022350">
+            <a:lnSpc>
+              <a:spcPct val="90000"/>
+            </a:lnSpc>
+            <a:spcBef>
+              <a:spcPct val="0"/>
+            </a:spcBef>
+            <a:spcAft>
+              <a:spcPct val="35000"/>
+            </a:spcAft>
+            <a:buNone/>
+          </a:pPr>
+          <a:r>
+            <a:rPr lang="en-US" sz="2300" kern="1200" dirty="0"/>
+            <a:t>Container Instances</a:t>
+          </a:r>
+          <a:endParaRPr lang="it-IT" sz="2300" kern="1200" dirty="0"/>
+        </a:p>
+      </dsp:txBody>
+      <dsp:txXfrm>
+        <a:off x="3655814" y="29337"/>
+        <a:ext cx="3203971" cy="662400"/>
+      </dsp:txXfrm>
+    </dsp:sp>
+    <dsp:sp modelId="{52938C32-41DF-472D-A087-EDF15E5F48CF}">
+      <dsp:nvSpPr>
+        <dsp:cNvPr id="0" name=""/>
+        <dsp:cNvSpPr/>
+      </dsp:nvSpPr>
+      <dsp:spPr>
+        <a:xfrm>
+          <a:off x="3655814" y="691737"/>
+          <a:ext cx="3203971" cy="3630262"/>
+        </a:xfrm>
+        <a:prstGeom prst="rect">
+          <a:avLst/>
+        </a:prstGeom>
+        <a:solidFill>
+          <a:schemeClr val="accent1">
+            <a:alpha val="90000"/>
+            <a:tint val="40000"/>
+            <a:hueOff val="0"/>
+            <a:satOff val="0"/>
+            <a:lumOff val="0"/>
+            <a:alphaOff val="0"/>
+          </a:schemeClr>
+        </a:solidFill>
+        <a:ln w="12700" cap="flat" cmpd="sng" algn="ctr">
+          <a:solidFill>
+            <a:schemeClr val="accent1">
+              <a:alpha val="90000"/>
+              <a:tint val="40000"/>
+              <a:hueOff val="0"/>
+              <a:satOff val="0"/>
+              <a:lumOff val="0"/>
+              <a:alphaOff val="0"/>
+            </a:schemeClr>
+          </a:solidFill>
+          <a:prstDash val="solid"/>
+          <a:miter lim="800000"/>
+        </a:ln>
+        <a:effectLst/>
+      </dsp:spPr>
+      <dsp:style>
+        <a:lnRef idx="2">
+          <a:scrgbClr r="0" g="0" b="0"/>
+        </a:lnRef>
+        <a:fillRef idx="1">
+          <a:scrgbClr r="0" g="0" b="0"/>
+        </a:fillRef>
+        <a:effectRef idx="0">
+          <a:scrgbClr r="0" g="0" b="0"/>
+        </a:effectRef>
+        <a:fontRef idx="minor"/>
+      </dsp:style>
+      <dsp:txBody>
+        <a:bodyPr spcFirstLastPara="0" vert="horz" wrap="square" lIns="122682" tIns="122682" rIns="163576" bIns="184023" numCol="1" spcCol="1270" anchor="t" anchorCtr="0">
+          <a:noAutofit/>
+        </a:bodyPr>
+        <a:lstStyle/>
+        <a:p>
+          <a:pPr marL="228600" lvl="1" indent="-228600" algn="l" defTabSz="1022350">
+            <a:lnSpc>
+              <a:spcPct val="90000"/>
+            </a:lnSpc>
+            <a:spcBef>
+              <a:spcPct val="0"/>
+            </a:spcBef>
+            <a:spcAft>
+              <a:spcPct val="15000"/>
+            </a:spcAft>
+            <a:buChar char="•"/>
+          </a:pPr>
+          <a:r>
+            <a:rPr lang="en-US" sz="2300" kern="1200" dirty="0"/>
+            <a:t>The low-level serverless unit to run containers</a:t>
+          </a:r>
+          <a:endParaRPr lang="it-IT" sz="2300" kern="1200" dirty="0"/>
+        </a:p>
+        <a:p>
+          <a:pPr marL="228600" lvl="1" indent="-228600" algn="l" defTabSz="1022350">
+            <a:lnSpc>
+              <a:spcPct val="90000"/>
+            </a:lnSpc>
+            <a:spcBef>
+              <a:spcPct val="0"/>
+            </a:spcBef>
+            <a:spcAft>
+              <a:spcPct val="15000"/>
+            </a:spcAft>
+            <a:buChar char="•"/>
+          </a:pPr>
+          <a:r>
+            <a:rPr lang="en-US" sz="2300" kern="1200" dirty="0"/>
+            <a:t>Good to handle spikes of AKS or custom jobs</a:t>
+          </a:r>
+          <a:endParaRPr lang="it-IT" sz="2300" kern="1200" dirty="0"/>
+        </a:p>
+        <a:p>
+          <a:pPr marL="228600" lvl="1" indent="-228600" algn="l" defTabSz="1022350">
+            <a:lnSpc>
+              <a:spcPct val="90000"/>
+            </a:lnSpc>
+            <a:spcBef>
+              <a:spcPct val="0"/>
+            </a:spcBef>
+            <a:spcAft>
+              <a:spcPct val="15000"/>
+            </a:spcAft>
+            <a:buChar char="•"/>
+          </a:pPr>
+          <a:r>
+            <a:rPr lang="en-US" sz="2300" kern="1200" dirty="0"/>
+            <a:t>Need to build your own governance process</a:t>
+          </a:r>
+          <a:endParaRPr lang="it-IT" sz="2300" kern="1200" dirty="0"/>
+        </a:p>
+      </dsp:txBody>
+      <dsp:txXfrm>
+        <a:off x="3655814" y="691737"/>
+        <a:ext cx="3203971" cy="3630262"/>
+      </dsp:txXfrm>
+    </dsp:sp>
+    <dsp:sp modelId="{C003F13B-45FD-40D4-9155-333316323D18}">
+      <dsp:nvSpPr>
+        <dsp:cNvPr id="0" name=""/>
+        <dsp:cNvSpPr/>
+      </dsp:nvSpPr>
+      <dsp:spPr>
+        <a:xfrm>
+          <a:off x="7308342" y="29337"/>
+          <a:ext cx="3203971" cy="662400"/>
+        </a:xfrm>
+        <a:prstGeom prst="rect">
+          <a:avLst/>
+        </a:prstGeom>
+        <a:solidFill>
+          <a:schemeClr val="accent1">
+            <a:hueOff val="0"/>
+            <a:satOff val="0"/>
+            <a:lumOff val="0"/>
+            <a:alphaOff val="0"/>
+          </a:schemeClr>
+        </a:solidFill>
+        <a:ln w="12700" cap="flat" cmpd="sng" algn="ctr">
+          <a:solidFill>
+            <a:schemeClr val="accent1">
+              <a:hueOff val="0"/>
+              <a:satOff val="0"/>
+              <a:lumOff val="0"/>
+              <a:alphaOff val="0"/>
+            </a:schemeClr>
+          </a:solidFill>
+          <a:prstDash val="solid"/>
+          <a:miter lim="800000"/>
+        </a:ln>
+        <a:effectLst/>
+      </dsp:spPr>
+      <dsp:style>
+        <a:lnRef idx="2">
+          <a:scrgbClr r="0" g="0" b="0"/>
+        </a:lnRef>
+        <a:fillRef idx="1">
+          <a:scrgbClr r="0" g="0" b="0"/>
+        </a:fillRef>
+        <a:effectRef idx="0">
+          <a:scrgbClr r="0" g="0" b="0"/>
+        </a:effectRef>
+        <a:fontRef idx="minor">
+          <a:schemeClr val="lt1"/>
+        </a:fontRef>
+      </dsp:style>
+      <dsp:txBody>
+        <a:bodyPr spcFirstLastPara="0" vert="horz" wrap="square" lIns="163576" tIns="93472" rIns="163576" bIns="93472" numCol="1" spcCol="1270" anchor="ctr" anchorCtr="0">
+          <a:noAutofit/>
+        </a:bodyPr>
+        <a:lstStyle/>
+        <a:p>
+          <a:pPr marL="0" lvl="0" indent="0" algn="ctr" defTabSz="1022350">
+            <a:lnSpc>
+              <a:spcPct val="90000"/>
+            </a:lnSpc>
+            <a:spcBef>
+              <a:spcPct val="0"/>
+            </a:spcBef>
+            <a:spcAft>
+              <a:spcPct val="35000"/>
+            </a:spcAft>
+            <a:buNone/>
+          </a:pPr>
+          <a:r>
+            <a:rPr lang="en-US" sz="2300" kern="1200" dirty="0"/>
+            <a:t>Container Apps</a:t>
+          </a:r>
+          <a:endParaRPr lang="it-IT" sz="2300" kern="1200" dirty="0"/>
+        </a:p>
+      </dsp:txBody>
+      <dsp:txXfrm>
+        <a:off x="7308342" y="29337"/>
+        <a:ext cx="3203971" cy="662400"/>
+      </dsp:txXfrm>
+    </dsp:sp>
+    <dsp:sp modelId="{6D4291AF-5424-41E8-8649-CBEC035B0A0F}">
+      <dsp:nvSpPr>
+        <dsp:cNvPr id="0" name=""/>
+        <dsp:cNvSpPr/>
+      </dsp:nvSpPr>
+      <dsp:spPr>
+        <a:xfrm>
+          <a:off x="7308342" y="691737"/>
+          <a:ext cx="3203971" cy="3630262"/>
+        </a:xfrm>
+        <a:prstGeom prst="rect">
+          <a:avLst/>
+        </a:prstGeom>
+        <a:solidFill>
+          <a:schemeClr val="accent1">
+            <a:alpha val="90000"/>
+            <a:tint val="40000"/>
+            <a:hueOff val="0"/>
+            <a:satOff val="0"/>
+            <a:lumOff val="0"/>
+            <a:alphaOff val="0"/>
+          </a:schemeClr>
+        </a:solidFill>
+        <a:ln w="12700" cap="flat" cmpd="sng" algn="ctr">
+          <a:solidFill>
+            <a:schemeClr val="accent1">
+              <a:alpha val="90000"/>
+              <a:tint val="40000"/>
+              <a:hueOff val="0"/>
+              <a:satOff val="0"/>
+              <a:lumOff val="0"/>
+              <a:alphaOff val="0"/>
+            </a:schemeClr>
+          </a:solidFill>
+          <a:prstDash val="solid"/>
+          <a:miter lim="800000"/>
+        </a:ln>
+        <a:effectLst/>
+      </dsp:spPr>
+      <dsp:style>
+        <a:lnRef idx="2">
+          <a:scrgbClr r="0" g="0" b="0"/>
+        </a:lnRef>
+        <a:fillRef idx="1">
+          <a:scrgbClr r="0" g="0" b="0"/>
+        </a:fillRef>
+        <a:effectRef idx="0">
+          <a:scrgbClr r="0" g="0" b="0"/>
+        </a:effectRef>
+        <a:fontRef idx="minor"/>
+      </dsp:style>
+      <dsp:txBody>
+        <a:bodyPr spcFirstLastPara="0" vert="horz" wrap="square" lIns="122682" tIns="122682" rIns="163576" bIns="184023" numCol="1" spcCol="1270" anchor="t" anchorCtr="0">
+          <a:noAutofit/>
+        </a:bodyPr>
+        <a:lstStyle/>
+        <a:p>
+          <a:pPr marL="228600" lvl="1" indent="-228600" algn="l" defTabSz="1022350">
+            <a:lnSpc>
+              <a:spcPct val="90000"/>
+            </a:lnSpc>
+            <a:spcBef>
+              <a:spcPct val="0"/>
+            </a:spcBef>
+            <a:spcAft>
+              <a:spcPct val="15000"/>
+            </a:spcAft>
+            <a:buChar char="•"/>
+          </a:pPr>
+          <a:r>
+            <a:rPr lang="en-US" sz="2300" kern="1200" dirty="0"/>
+            <a:t>It’s a serverless container solution with steroids</a:t>
+          </a:r>
+          <a:endParaRPr lang="it-IT" sz="2300" kern="1200" dirty="0"/>
+        </a:p>
+        <a:p>
+          <a:pPr marL="228600" lvl="1" indent="-228600" algn="l" defTabSz="1022350">
+            <a:lnSpc>
+              <a:spcPct val="90000"/>
+            </a:lnSpc>
+            <a:spcBef>
+              <a:spcPct val="0"/>
+            </a:spcBef>
+            <a:spcAft>
+              <a:spcPct val="15000"/>
+            </a:spcAft>
+            <a:buChar char="•"/>
+          </a:pPr>
+          <a:r>
+            <a:rPr lang="en-US" sz="2300" kern="1200" dirty="0"/>
+            <a:t>It implements (but hides) many K8s features</a:t>
+          </a:r>
+          <a:endParaRPr lang="it-IT" sz="2300" kern="1200" dirty="0"/>
+        </a:p>
+        <a:p>
+          <a:pPr marL="228600" lvl="1" indent="-228600" algn="l" defTabSz="1022350">
+            <a:lnSpc>
+              <a:spcPct val="90000"/>
+            </a:lnSpc>
+            <a:spcBef>
+              <a:spcPct val="0"/>
+            </a:spcBef>
+            <a:spcAft>
+              <a:spcPct val="15000"/>
+            </a:spcAft>
+            <a:buChar char="•"/>
+          </a:pPr>
+          <a:r>
+            <a:rPr lang="en-US" sz="2300" kern="1200" dirty="0"/>
+            <a:t>(with some constraints) Can replace K8s</a:t>
+          </a:r>
+          <a:endParaRPr lang="it-IT" sz="2300" kern="1200" dirty="0"/>
+        </a:p>
+      </dsp:txBody>
+      <dsp:txXfrm>
+        <a:off x="7308342" y="691737"/>
+        <a:ext cx="3203971" cy="3630262"/>
+      </dsp:txXfrm>
+    </dsp:sp>
+  </dsp:spTree>
+</dsp:drawing>
+</file>
+
+<file path=ppt/diagrams/drawing3.xml><?xml version="1.0" encoding="utf-8"?>
+<dsp:drawing xmlns:dgm="http://schemas.openxmlformats.org/drawingml/2006/diagram" xmlns:dsp="http://schemas.microsoft.com/office/drawing/2008/diagram" xmlns:a="http://schemas.openxmlformats.org/drawingml/2006/main">
+  <dsp:spTree>
+    <dsp:nvGrpSpPr>
+      <dsp:cNvPr id="0" name=""/>
+      <dsp:cNvGrpSpPr/>
+    </dsp:nvGrpSpPr>
+    <dsp:grpSpPr/>
+    <dsp:sp modelId="{667D0FBE-1708-41B4-927B-8E968C856A3D}">
+      <dsp:nvSpPr>
+        <dsp:cNvPr id="0" name=""/>
+        <dsp:cNvSpPr/>
+      </dsp:nvSpPr>
+      <dsp:spPr>
+        <a:xfrm>
+          <a:off x="3286" y="29337"/>
+          <a:ext cx="3203971" cy="662400"/>
+        </a:xfrm>
+        <a:prstGeom prst="rect">
+          <a:avLst/>
+        </a:prstGeom>
+        <a:solidFill>
+          <a:schemeClr val="accent1">
+            <a:hueOff val="0"/>
+            <a:satOff val="0"/>
+            <a:lumOff val="0"/>
+            <a:alphaOff val="0"/>
+          </a:schemeClr>
+        </a:solidFill>
+        <a:ln w="12700" cap="flat" cmpd="sng" algn="ctr">
+          <a:solidFill>
+            <a:schemeClr val="accent1">
+              <a:hueOff val="0"/>
+              <a:satOff val="0"/>
+              <a:lumOff val="0"/>
+              <a:alphaOff val="0"/>
+            </a:schemeClr>
+          </a:solidFill>
+          <a:prstDash val="solid"/>
+          <a:miter lim="800000"/>
+        </a:ln>
+        <a:effectLst/>
+      </dsp:spPr>
+      <dsp:style>
+        <a:lnRef idx="2">
+          <a:scrgbClr r="0" g="0" b="0"/>
+        </a:lnRef>
+        <a:fillRef idx="1">
+          <a:scrgbClr r="0" g="0" b="0"/>
+        </a:fillRef>
+        <a:effectRef idx="0">
+          <a:scrgbClr r="0" g="0" b="0"/>
+        </a:effectRef>
+        <a:fontRef idx="minor">
+          <a:schemeClr val="lt1"/>
+        </a:fontRef>
+      </dsp:style>
+      <dsp:txBody>
+        <a:bodyPr spcFirstLastPara="0" vert="horz" wrap="square" lIns="163576" tIns="93472" rIns="163576" bIns="93472" numCol="1" spcCol="1270" anchor="ctr" anchorCtr="0">
+          <a:noAutofit/>
+        </a:bodyPr>
+        <a:lstStyle/>
+        <a:p>
+          <a:pPr marL="0" lvl="0" indent="0" algn="ctr" defTabSz="1022350">
+            <a:lnSpc>
+              <a:spcPct val="90000"/>
+            </a:lnSpc>
+            <a:spcBef>
+              <a:spcPct val="0"/>
+            </a:spcBef>
+            <a:spcAft>
+              <a:spcPct val="35000"/>
+            </a:spcAft>
+            <a:buNone/>
+          </a:pPr>
+          <a:r>
+            <a:rPr lang="en-US" sz="2300" kern="1200" dirty="0"/>
+            <a:t>Kubernetes</a:t>
+          </a:r>
+          <a:endParaRPr lang="it-IT" sz="2300" kern="1200" dirty="0"/>
+        </a:p>
+      </dsp:txBody>
+      <dsp:txXfrm>
+        <a:off x="3286" y="29337"/>
+        <a:ext cx="3203971" cy="662400"/>
+      </dsp:txXfrm>
+    </dsp:sp>
+    <dsp:sp modelId="{133E667B-8EF7-4F9D-B2DC-325AF6D0C20E}">
+      <dsp:nvSpPr>
+        <dsp:cNvPr id="0" name=""/>
+        <dsp:cNvSpPr/>
+      </dsp:nvSpPr>
+      <dsp:spPr>
+        <a:xfrm>
+          <a:off x="3286" y="691737"/>
+          <a:ext cx="3203971" cy="3630262"/>
+        </a:xfrm>
+        <a:prstGeom prst="rect">
+          <a:avLst/>
+        </a:prstGeom>
+        <a:solidFill>
+          <a:schemeClr val="accent1">
+            <a:alpha val="90000"/>
+            <a:tint val="40000"/>
+            <a:hueOff val="0"/>
+            <a:satOff val="0"/>
+            <a:lumOff val="0"/>
+            <a:alphaOff val="0"/>
+          </a:schemeClr>
+        </a:solidFill>
+        <a:ln w="12700" cap="flat" cmpd="sng" algn="ctr">
+          <a:solidFill>
+            <a:schemeClr val="accent1">
+              <a:alpha val="90000"/>
+              <a:tint val="40000"/>
+              <a:hueOff val="0"/>
+              <a:satOff val="0"/>
+              <a:lumOff val="0"/>
+              <a:alphaOff val="0"/>
+            </a:schemeClr>
+          </a:solidFill>
+          <a:prstDash val="solid"/>
+          <a:miter lim="800000"/>
+        </a:ln>
+        <a:effectLst/>
+      </dsp:spPr>
+      <dsp:style>
+        <a:lnRef idx="2">
+          <a:scrgbClr r="0" g="0" b="0"/>
+        </a:lnRef>
+        <a:fillRef idx="1">
+          <a:scrgbClr r="0" g="0" b="0"/>
+        </a:fillRef>
+        <a:effectRef idx="0">
+          <a:scrgbClr r="0" g="0" b="0"/>
+        </a:effectRef>
+        <a:fontRef idx="minor"/>
+      </dsp:style>
+      <dsp:txBody>
+        <a:bodyPr spcFirstLastPara="0" vert="horz" wrap="square" lIns="122682" tIns="122682" rIns="163576" bIns="184023" numCol="1" spcCol="1270" anchor="t" anchorCtr="0">
+          <a:noAutofit/>
+        </a:bodyPr>
+        <a:lstStyle/>
+        <a:p>
+          <a:pPr marL="228600" lvl="1" indent="-228600" algn="l" defTabSz="1022350">
+            <a:lnSpc>
+              <a:spcPct val="90000"/>
+            </a:lnSpc>
+            <a:spcBef>
+              <a:spcPct val="0"/>
+            </a:spcBef>
+            <a:spcAft>
+              <a:spcPct val="15000"/>
+            </a:spcAft>
+            <a:buChar char="•"/>
+          </a:pPr>
+          <a:r>
+            <a:rPr lang="en-US" sz="2300" kern="1200" dirty="0"/>
+            <a:t>Need to manage despite it’s PaaS</a:t>
+          </a:r>
+          <a:endParaRPr lang="it-IT" sz="2300" kern="1200" dirty="0"/>
+        </a:p>
+        <a:p>
+          <a:pPr marL="228600" lvl="1" indent="-228600" algn="l" defTabSz="1022350">
+            <a:lnSpc>
+              <a:spcPct val="90000"/>
+            </a:lnSpc>
+            <a:spcBef>
+              <a:spcPct val="0"/>
+            </a:spcBef>
+            <a:spcAft>
+              <a:spcPct val="15000"/>
+            </a:spcAft>
+            <a:buChar char="•"/>
+          </a:pPr>
+          <a:r>
+            <a:rPr lang="en-US" sz="2300" kern="1200" dirty="0"/>
+            <a:t>Need to know the specific artifacts</a:t>
+          </a:r>
+          <a:endParaRPr lang="it-IT" sz="2300" kern="1200" dirty="0"/>
+        </a:p>
+        <a:p>
+          <a:pPr marL="228600" lvl="1" indent="-228600" algn="l" defTabSz="1022350">
+            <a:lnSpc>
+              <a:spcPct val="90000"/>
+            </a:lnSpc>
+            <a:spcBef>
+              <a:spcPct val="0"/>
+            </a:spcBef>
+            <a:spcAft>
+              <a:spcPct val="15000"/>
+            </a:spcAft>
+            <a:buChar char="•"/>
+          </a:pPr>
+          <a:r>
+            <a:rPr lang="en-US" sz="2300" kern="1200" dirty="0"/>
+            <a:t>Overall TCO could be higher</a:t>
+          </a:r>
+          <a:endParaRPr lang="it-IT" sz="2300" kern="1200" dirty="0"/>
+        </a:p>
+      </dsp:txBody>
+      <dsp:txXfrm>
+        <a:off x="3286" y="691737"/>
+        <a:ext cx="3203971" cy="3630262"/>
+      </dsp:txXfrm>
+    </dsp:sp>
+    <dsp:sp modelId="{3790C670-D175-4CA5-8BBC-0E9DDB754022}">
+      <dsp:nvSpPr>
+        <dsp:cNvPr id="0" name=""/>
+        <dsp:cNvSpPr/>
+      </dsp:nvSpPr>
+      <dsp:spPr>
+        <a:xfrm>
+          <a:off x="3655814" y="29337"/>
+          <a:ext cx="3203971" cy="662400"/>
+        </a:xfrm>
+        <a:prstGeom prst="rect">
+          <a:avLst/>
+        </a:prstGeom>
+        <a:solidFill>
+          <a:schemeClr val="accent1">
+            <a:hueOff val="0"/>
+            <a:satOff val="0"/>
+            <a:lumOff val="0"/>
+            <a:alphaOff val="0"/>
+          </a:schemeClr>
+        </a:solidFill>
+        <a:ln w="12700" cap="flat" cmpd="sng" algn="ctr">
+          <a:solidFill>
+            <a:schemeClr val="accent1">
+              <a:hueOff val="0"/>
+              <a:satOff val="0"/>
+              <a:lumOff val="0"/>
+              <a:alphaOff val="0"/>
+            </a:schemeClr>
+          </a:solidFill>
+          <a:prstDash val="solid"/>
+          <a:miter lim="800000"/>
+        </a:ln>
+        <a:effectLst/>
+      </dsp:spPr>
+      <dsp:style>
+        <a:lnRef idx="2">
+          <a:scrgbClr r="0" g="0" b="0"/>
+        </a:lnRef>
+        <a:fillRef idx="1">
+          <a:scrgbClr r="0" g="0" b="0"/>
+        </a:fillRef>
+        <a:effectRef idx="0">
+          <a:scrgbClr r="0" g="0" b="0"/>
+        </a:effectRef>
+        <a:fontRef idx="minor">
+          <a:schemeClr val="lt1"/>
+        </a:fontRef>
+      </dsp:style>
+      <dsp:txBody>
+        <a:bodyPr spcFirstLastPara="0" vert="horz" wrap="square" lIns="163576" tIns="93472" rIns="163576" bIns="93472" numCol="1" spcCol="1270" anchor="ctr" anchorCtr="0">
+          <a:noAutofit/>
+        </a:bodyPr>
+        <a:lstStyle/>
+        <a:p>
+          <a:pPr marL="0" lvl="0" indent="0" algn="ctr" defTabSz="1022350">
+            <a:lnSpc>
+              <a:spcPct val="90000"/>
+            </a:lnSpc>
+            <a:spcBef>
+              <a:spcPct val="0"/>
+            </a:spcBef>
+            <a:spcAft>
+              <a:spcPct val="35000"/>
+            </a:spcAft>
+            <a:buNone/>
+          </a:pPr>
+          <a:r>
+            <a:rPr lang="en-US" sz="2300" kern="1200" dirty="0"/>
+            <a:t>Container Instances</a:t>
+          </a:r>
+          <a:endParaRPr lang="it-IT" sz="2300" kern="1200" dirty="0"/>
+        </a:p>
+      </dsp:txBody>
+      <dsp:txXfrm>
+        <a:off x="3655814" y="29337"/>
+        <a:ext cx="3203971" cy="662400"/>
+      </dsp:txXfrm>
+    </dsp:sp>
+    <dsp:sp modelId="{52938C32-41DF-472D-A087-EDF15E5F48CF}">
+      <dsp:nvSpPr>
+        <dsp:cNvPr id="0" name=""/>
+        <dsp:cNvSpPr/>
+      </dsp:nvSpPr>
+      <dsp:spPr>
+        <a:xfrm>
+          <a:off x="3655814" y="691737"/>
+          <a:ext cx="3203971" cy="3630262"/>
+        </a:xfrm>
+        <a:prstGeom prst="rect">
+          <a:avLst/>
+        </a:prstGeom>
+        <a:solidFill>
+          <a:schemeClr val="accent1">
+            <a:alpha val="90000"/>
+            <a:tint val="40000"/>
+            <a:hueOff val="0"/>
+            <a:satOff val="0"/>
+            <a:lumOff val="0"/>
+            <a:alphaOff val="0"/>
+          </a:schemeClr>
+        </a:solidFill>
+        <a:ln w="12700" cap="flat" cmpd="sng" algn="ctr">
+          <a:solidFill>
+            <a:schemeClr val="accent1">
+              <a:alpha val="90000"/>
+              <a:tint val="40000"/>
+              <a:hueOff val="0"/>
+              <a:satOff val="0"/>
+              <a:lumOff val="0"/>
+              <a:alphaOff val="0"/>
+            </a:schemeClr>
+          </a:solidFill>
+          <a:prstDash val="solid"/>
+          <a:miter lim="800000"/>
+        </a:ln>
+        <a:effectLst/>
+      </dsp:spPr>
+      <dsp:style>
+        <a:lnRef idx="2">
+          <a:scrgbClr r="0" g="0" b="0"/>
+        </a:lnRef>
+        <a:fillRef idx="1">
+          <a:scrgbClr r="0" g="0" b="0"/>
+        </a:fillRef>
+        <a:effectRef idx="0">
+          <a:scrgbClr r="0" g="0" b="0"/>
+        </a:effectRef>
+        <a:fontRef idx="minor"/>
+      </dsp:style>
+      <dsp:txBody>
+        <a:bodyPr spcFirstLastPara="0" vert="horz" wrap="square" lIns="122682" tIns="122682" rIns="163576" bIns="184023" numCol="1" spcCol="1270" anchor="t" anchorCtr="0">
+          <a:noAutofit/>
+        </a:bodyPr>
+        <a:lstStyle/>
+        <a:p>
+          <a:pPr marL="228600" lvl="1" indent="-228600" algn="l" defTabSz="1022350">
+            <a:lnSpc>
+              <a:spcPct val="90000"/>
+            </a:lnSpc>
+            <a:spcBef>
+              <a:spcPct val="0"/>
+            </a:spcBef>
+            <a:spcAft>
+              <a:spcPct val="15000"/>
+            </a:spcAft>
+            <a:buChar char="•"/>
+          </a:pPr>
+          <a:r>
+            <a:rPr lang="en-US" sz="2300" kern="1200" dirty="0"/>
+            <a:t>The low-level serverless unit to run containers</a:t>
+          </a:r>
+          <a:endParaRPr lang="it-IT" sz="2300" kern="1200" dirty="0"/>
+        </a:p>
+        <a:p>
+          <a:pPr marL="228600" lvl="1" indent="-228600" algn="l" defTabSz="1022350">
+            <a:lnSpc>
+              <a:spcPct val="90000"/>
+            </a:lnSpc>
+            <a:spcBef>
+              <a:spcPct val="0"/>
+            </a:spcBef>
+            <a:spcAft>
+              <a:spcPct val="15000"/>
+            </a:spcAft>
+            <a:buChar char="•"/>
+          </a:pPr>
+          <a:r>
+            <a:rPr lang="en-US" sz="2300" kern="1200" dirty="0"/>
+            <a:t>Good to handle spikes of AKS or custom jobs</a:t>
+          </a:r>
+          <a:endParaRPr lang="it-IT" sz="2300" kern="1200" dirty="0"/>
+        </a:p>
+        <a:p>
+          <a:pPr marL="228600" lvl="1" indent="-228600" algn="l" defTabSz="1022350">
+            <a:lnSpc>
+              <a:spcPct val="90000"/>
+            </a:lnSpc>
+            <a:spcBef>
+              <a:spcPct val="0"/>
+            </a:spcBef>
+            <a:spcAft>
+              <a:spcPct val="15000"/>
+            </a:spcAft>
+            <a:buChar char="•"/>
+          </a:pPr>
+          <a:r>
+            <a:rPr lang="en-US" sz="2300" kern="1200" dirty="0"/>
+            <a:t>Need to build your own governance process</a:t>
+          </a:r>
+          <a:endParaRPr lang="it-IT" sz="2300" kern="1200" dirty="0"/>
+        </a:p>
+      </dsp:txBody>
+      <dsp:txXfrm>
+        <a:off x="3655814" y="691737"/>
+        <a:ext cx="3203971" cy="3630262"/>
+      </dsp:txXfrm>
+    </dsp:sp>
+    <dsp:sp modelId="{C003F13B-45FD-40D4-9155-333316323D18}">
+      <dsp:nvSpPr>
+        <dsp:cNvPr id="0" name=""/>
+        <dsp:cNvSpPr/>
+      </dsp:nvSpPr>
+      <dsp:spPr>
+        <a:xfrm>
+          <a:off x="7308342" y="29337"/>
+          <a:ext cx="3203971" cy="662400"/>
+        </a:xfrm>
+        <a:prstGeom prst="rect">
+          <a:avLst/>
+        </a:prstGeom>
+        <a:solidFill>
+          <a:schemeClr val="accent1">
+            <a:hueOff val="0"/>
+            <a:satOff val="0"/>
+            <a:lumOff val="0"/>
+            <a:alphaOff val="0"/>
+          </a:schemeClr>
+        </a:solidFill>
+        <a:ln w="12700" cap="flat" cmpd="sng" algn="ctr">
+          <a:solidFill>
+            <a:schemeClr val="accent1">
+              <a:hueOff val="0"/>
+              <a:satOff val="0"/>
+              <a:lumOff val="0"/>
+              <a:alphaOff val="0"/>
+            </a:schemeClr>
+          </a:solidFill>
+          <a:prstDash val="solid"/>
+          <a:miter lim="800000"/>
+        </a:ln>
+        <a:effectLst/>
+      </dsp:spPr>
+      <dsp:style>
+        <a:lnRef idx="2">
+          <a:scrgbClr r="0" g="0" b="0"/>
+        </a:lnRef>
+        <a:fillRef idx="1">
+          <a:scrgbClr r="0" g="0" b="0"/>
+        </a:fillRef>
+        <a:effectRef idx="0">
+          <a:scrgbClr r="0" g="0" b="0"/>
+        </a:effectRef>
+        <a:fontRef idx="minor">
+          <a:schemeClr val="lt1"/>
+        </a:fontRef>
+      </dsp:style>
+      <dsp:txBody>
+        <a:bodyPr spcFirstLastPara="0" vert="horz" wrap="square" lIns="163576" tIns="93472" rIns="163576" bIns="93472" numCol="1" spcCol="1270" anchor="ctr" anchorCtr="0">
+          <a:noAutofit/>
+        </a:bodyPr>
+        <a:lstStyle/>
+        <a:p>
+          <a:pPr marL="0" lvl="0" indent="0" algn="ctr" defTabSz="1022350">
+            <a:lnSpc>
+              <a:spcPct val="90000"/>
+            </a:lnSpc>
+            <a:spcBef>
+              <a:spcPct val="0"/>
+            </a:spcBef>
+            <a:spcAft>
+              <a:spcPct val="35000"/>
+            </a:spcAft>
+            <a:buNone/>
+          </a:pPr>
+          <a:r>
+            <a:rPr lang="en-US" sz="2300" kern="1200" dirty="0"/>
+            <a:t>Container Apps</a:t>
+          </a:r>
+          <a:endParaRPr lang="it-IT" sz="2300" kern="1200" dirty="0"/>
+        </a:p>
+      </dsp:txBody>
+      <dsp:txXfrm>
+        <a:off x="7308342" y="29337"/>
+        <a:ext cx="3203971" cy="662400"/>
+      </dsp:txXfrm>
+    </dsp:sp>
+    <dsp:sp modelId="{6D4291AF-5424-41E8-8649-CBEC035B0A0F}">
+      <dsp:nvSpPr>
+        <dsp:cNvPr id="0" name=""/>
+        <dsp:cNvSpPr/>
+      </dsp:nvSpPr>
+      <dsp:spPr>
+        <a:xfrm>
+          <a:off x="7308342" y="691737"/>
+          <a:ext cx="3203971" cy="3630262"/>
+        </a:xfrm>
+        <a:prstGeom prst="rect">
+          <a:avLst/>
+        </a:prstGeom>
+        <a:solidFill>
+          <a:schemeClr val="accent1">
+            <a:alpha val="90000"/>
+            <a:tint val="40000"/>
+            <a:hueOff val="0"/>
+            <a:satOff val="0"/>
+            <a:lumOff val="0"/>
+            <a:alphaOff val="0"/>
+          </a:schemeClr>
+        </a:solidFill>
+        <a:ln w="12700" cap="flat" cmpd="sng" algn="ctr">
+          <a:solidFill>
+            <a:schemeClr val="accent1">
+              <a:alpha val="90000"/>
+              <a:tint val="40000"/>
+              <a:hueOff val="0"/>
+              <a:satOff val="0"/>
+              <a:lumOff val="0"/>
+              <a:alphaOff val="0"/>
+            </a:schemeClr>
+          </a:solidFill>
+          <a:prstDash val="solid"/>
+          <a:miter lim="800000"/>
+        </a:ln>
+        <a:effectLst/>
+      </dsp:spPr>
+      <dsp:style>
+        <a:lnRef idx="2">
+          <a:scrgbClr r="0" g="0" b="0"/>
+        </a:lnRef>
+        <a:fillRef idx="1">
+          <a:scrgbClr r="0" g="0" b="0"/>
+        </a:fillRef>
+        <a:effectRef idx="0">
+          <a:scrgbClr r="0" g="0" b="0"/>
+        </a:effectRef>
+        <a:fontRef idx="minor"/>
+      </dsp:style>
+      <dsp:txBody>
+        <a:bodyPr spcFirstLastPara="0" vert="horz" wrap="square" lIns="122682" tIns="122682" rIns="163576" bIns="184023" numCol="1" spcCol="1270" anchor="t" anchorCtr="0">
+          <a:noAutofit/>
+        </a:bodyPr>
+        <a:lstStyle/>
+        <a:p>
+          <a:pPr marL="228600" lvl="1" indent="-228600" algn="l" defTabSz="1022350">
+            <a:lnSpc>
+              <a:spcPct val="90000"/>
+            </a:lnSpc>
+            <a:spcBef>
+              <a:spcPct val="0"/>
+            </a:spcBef>
+            <a:spcAft>
+              <a:spcPct val="15000"/>
+            </a:spcAft>
+            <a:buChar char="•"/>
+          </a:pPr>
+          <a:r>
+            <a:rPr lang="en-US" sz="2300" kern="1200" dirty="0"/>
+            <a:t>It’s a serverless container solution with steroids</a:t>
+          </a:r>
+          <a:endParaRPr lang="it-IT" sz="2300" kern="1200" dirty="0"/>
+        </a:p>
+        <a:p>
+          <a:pPr marL="228600" lvl="1" indent="-228600" algn="l" defTabSz="1022350">
+            <a:lnSpc>
+              <a:spcPct val="90000"/>
+            </a:lnSpc>
+            <a:spcBef>
+              <a:spcPct val="0"/>
+            </a:spcBef>
+            <a:spcAft>
+              <a:spcPct val="15000"/>
+            </a:spcAft>
+            <a:buChar char="•"/>
+          </a:pPr>
+          <a:r>
+            <a:rPr lang="en-US" sz="2300" kern="1200" dirty="0"/>
+            <a:t>It implements (but hides) many K8s features</a:t>
+          </a:r>
+          <a:endParaRPr lang="it-IT" sz="2300" kern="1200" dirty="0"/>
+        </a:p>
+        <a:p>
+          <a:pPr marL="228600" lvl="1" indent="-228600" algn="l" defTabSz="1022350">
+            <a:lnSpc>
+              <a:spcPct val="90000"/>
+            </a:lnSpc>
+            <a:spcBef>
+              <a:spcPct val="0"/>
+            </a:spcBef>
+            <a:spcAft>
+              <a:spcPct val="15000"/>
+            </a:spcAft>
+            <a:buChar char="•"/>
+          </a:pPr>
+          <a:r>
+            <a:rPr lang="en-US" sz="2300" kern="1200" dirty="0"/>
+            <a:t>(with some constraints) Can replace K8s</a:t>
+          </a:r>
+          <a:endParaRPr lang="it-IT" sz="2300" kern="1200" dirty="0"/>
+        </a:p>
+      </dsp:txBody>
+      <dsp:txXfrm>
+        <a:off x="7308342" y="691737"/>
+        <a:ext cx="3203971" cy="3630262"/>
+      </dsp:txXfrm>
+    </dsp:sp>
+  </dsp:spTree>
+</dsp:drawing>
+</file>
+
 <file path=ppt/diagrams/layout1.xml><?xml version="1.0" encoding="utf-8"?>
 <dgm:layoutDef xmlns:dgm="http://schemas.openxmlformats.org/drawingml/2006/diagram" xmlns:a="http://schemas.openxmlformats.org/drawingml/2006/main" uniqueId="urn:microsoft.com/office/officeart/2005/8/layout/hProcess11">
   <dgm:title val=""/>
@@ -4825,7 +8603,2509 @@
 </dgm:layoutDef>
 </file>
 
+<file path=ppt/diagrams/layout2.xml><?xml version="1.0" encoding="utf-8"?>
+<dgm:layoutDef xmlns:dgm="http://schemas.openxmlformats.org/drawingml/2006/diagram" xmlns:a="http://schemas.openxmlformats.org/drawingml/2006/main" uniqueId="urn:microsoft.com/office/officeart/2005/8/layout/hList1">
+  <dgm:title val=""/>
+  <dgm:desc val=""/>
+  <dgm:catLst>
+    <dgm:cat type="list" pri="5000"/>
+    <dgm:cat type="convert" pri="5000"/>
+  </dgm:catLst>
+  <dgm:sampData>
+    <dgm:dataModel>
+      <dgm:ptLst>
+        <dgm:pt modelId="0" type="doc"/>
+        <dgm:pt modelId="1">
+          <dgm:prSet phldr="1"/>
+        </dgm:pt>
+        <dgm:pt modelId="11">
+          <dgm:prSet phldr="1"/>
+        </dgm:pt>
+        <dgm:pt modelId="12">
+          <dgm:prSet phldr="1"/>
+        </dgm:pt>
+        <dgm:pt modelId="2">
+          <dgm:prSet phldr="1"/>
+        </dgm:pt>
+        <dgm:pt modelId="21">
+          <dgm:prSet phldr="1"/>
+        </dgm:pt>
+        <dgm:pt modelId="22">
+          <dgm:prSet phldr="1"/>
+        </dgm:pt>
+        <dgm:pt modelId="3">
+          <dgm:prSet phldr="1"/>
+        </dgm:pt>
+        <dgm:pt modelId="31">
+          <dgm:prSet phldr="1"/>
+        </dgm:pt>
+        <dgm:pt modelId="32">
+          <dgm:prSet phldr="1"/>
+        </dgm:pt>
+      </dgm:ptLst>
+      <dgm:cxnLst>
+        <dgm:cxn modelId="4" srcId="0" destId="1" srcOrd="0" destOrd="0"/>
+        <dgm:cxn modelId="5" srcId="0" destId="2" srcOrd="1" destOrd="0"/>
+        <dgm:cxn modelId="6" srcId="0" destId="3" srcOrd="2" destOrd="0"/>
+        <dgm:cxn modelId="13" srcId="1" destId="11" srcOrd="0" destOrd="0"/>
+        <dgm:cxn modelId="14" srcId="1" destId="12" srcOrd="1" destOrd="0"/>
+        <dgm:cxn modelId="23" srcId="2" destId="21" srcOrd="0" destOrd="0"/>
+        <dgm:cxn modelId="24" srcId="2" destId="22" srcOrd="1" destOrd="0"/>
+        <dgm:cxn modelId="33" srcId="3" destId="31" srcOrd="0" destOrd="0"/>
+        <dgm:cxn modelId="34" srcId="3" destId="32" srcOrd="1" destOrd="0"/>
+      </dgm:cxnLst>
+      <dgm:bg/>
+      <dgm:whole/>
+    </dgm:dataModel>
+  </dgm:sampData>
+  <dgm:styleData>
+    <dgm:dataModel>
+      <dgm:ptLst>
+        <dgm:pt modelId="0" type="doc"/>
+        <dgm:pt modelId="1">
+          <dgm:prSet phldr="1"/>
+        </dgm:pt>
+        <dgm:pt modelId="2">
+          <dgm:prSet phldr="1"/>
+        </dgm:pt>
+      </dgm:ptLst>
+      <dgm:cxnLst>
+        <dgm:cxn modelId="3" srcId="0" destId="1" srcOrd="0" destOrd="0"/>
+        <dgm:cxn modelId="4" srcId="0" destId="2" srcOrd="1" destOrd="0"/>
+      </dgm:cxnLst>
+      <dgm:bg/>
+      <dgm:whole/>
+    </dgm:dataModel>
+  </dgm:styleData>
+  <dgm:clrData>
+    <dgm:dataModel>
+      <dgm:ptLst>
+        <dgm:pt modelId="0" type="doc"/>
+        <dgm:pt modelId="1">
+          <dgm:prSet phldr="1"/>
+        </dgm:pt>
+        <dgm:pt modelId="2">
+          <dgm:prSet phldr="1"/>
+        </dgm:pt>
+        <dgm:pt modelId="3">
+          <dgm:prSet phldr="1"/>
+        </dgm:pt>
+        <dgm:pt modelId="4">
+          <dgm:prSet phldr="1"/>
+        </dgm:pt>
+      </dgm:ptLst>
+      <dgm:cxnLst>
+        <dgm:cxn modelId="5" srcId="0" destId="1" srcOrd="0" destOrd="0"/>
+        <dgm:cxn modelId="6" srcId="0" destId="2" srcOrd="1" destOrd="0"/>
+        <dgm:cxn modelId="7" srcId="0" destId="3" srcOrd="2" destOrd="0"/>
+        <dgm:cxn modelId="8" srcId="0" destId="4" srcOrd="3" destOrd="0"/>
+      </dgm:cxnLst>
+      <dgm:bg/>
+      <dgm:whole/>
+    </dgm:dataModel>
+  </dgm:clrData>
+  <dgm:layoutNode name="Name0">
+    <dgm:varLst>
+      <dgm:dir/>
+      <dgm:animLvl val="lvl"/>
+      <dgm:resizeHandles val="exact"/>
+    </dgm:varLst>
+    <dgm:choose name="Name1">
+      <dgm:if name="Name2" func="var" arg="dir" op="equ" val="norm">
+        <dgm:alg type="lin"/>
+      </dgm:if>
+      <dgm:else name="Name3">
+        <dgm:alg type="lin">
+          <dgm:param type="linDir" val="fromR"/>
+        </dgm:alg>
+      </dgm:else>
+    </dgm:choose>
+    <dgm:shape xmlns:r="http://schemas.openxmlformats.org/officeDocument/2006/relationships" r:blip="">
+      <dgm:adjLst/>
+    </dgm:shape>
+    <dgm:presOf/>
+    <dgm:constrLst>
+      <dgm:constr type="h" for="ch" forName="composite" refType="h"/>
+      <dgm:constr type="w" for="ch" forName="composite" refType="w"/>
+      <dgm:constr type="w" for="des" forName="parTx"/>
+      <dgm:constr type="h" for="des" forName="parTx" op="equ"/>
+      <dgm:constr type="w" for="des" forName="desTx"/>
+      <dgm:constr type="h" for="des" forName="desTx" op="equ"/>
+      <dgm:constr type="primFontSz" for="des" forName="parTx" val="65"/>
+      <dgm:constr type="secFontSz" for="des" forName="desTx" refType="primFontSz" refFor="des" refForName="parTx" op="equ"/>
+      <dgm:constr type="h" for="des" forName="parTx" refType="primFontSz" refFor="des" refForName="parTx" fact="0.8"/>
+      <dgm:constr type="h" for="des" forName="desTx" refType="primFontSz" refFor="des" refForName="parTx" fact="1.22"/>
+      <dgm:constr type="w" for="ch" forName="space" refType="w" refFor="ch" refForName="composite" op="equ" fact="0.14"/>
+    </dgm:constrLst>
+    <dgm:ruleLst>
+      <dgm:rule type="w" for="ch" forName="composite" val="0" fact="NaN" max="NaN"/>
+      <dgm:rule type="primFontSz" for="des" forName="parTx" val="5" fact="NaN" max="NaN"/>
+    </dgm:ruleLst>
+    <dgm:forEach name="Name4" axis="ch" ptType="node">
+      <dgm:layoutNode name="composite">
+        <dgm:alg type="composite"/>
+        <dgm:shape xmlns:r="http://schemas.openxmlformats.org/officeDocument/2006/relationships" r:blip="">
+          <dgm:adjLst/>
+        </dgm:shape>
+        <dgm:presOf/>
+        <dgm:constrLst>
+          <dgm:constr type="l" for="ch" forName="parTx"/>
+          <dgm:constr type="w" for="ch" forName="parTx" refType="w"/>
+          <dgm:constr type="t" for="ch" forName="parTx"/>
+          <dgm:constr type="l" for="ch" forName="desTx"/>
+          <dgm:constr type="w" for="ch" forName="desTx" refType="w" refFor="ch" refForName="parTx"/>
+          <dgm:constr type="t" for="ch" forName="desTx" refType="h" refFor="ch" refForName="parTx"/>
+        </dgm:constrLst>
+        <dgm:ruleLst>
+          <dgm:rule type="h" val="INF" fact="NaN" max="NaN"/>
+        </dgm:ruleLst>
+        <dgm:layoutNode name="parTx" styleLbl="alignNode1">
+          <dgm:varLst>
+            <dgm:chMax val="0"/>
+            <dgm:chPref val="0"/>
+            <dgm:bulletEnabled val="1"/>
+          </dgm:varLst>
+          <dgm:alg type="tx"/>
+          <dgm:shape xmlns:r="http://schemas.openxmlformats.org/officeDocument/2006/relationships" type="rect" r:blip="">
+            <dgm:adjLst/>
+          </dgm:shape>
+          <dgm:presOf axis="self" ptType="node"/>
+          <dgm:constrLst>
+            <dgm:constr type="h" refType="w" op="lte" fact="0.4"/>
+            <dgm:constr type="h"/>
+            <dgm:constr type="tMarg" refType="primFontSz" fact="0.32"/>
+            <dgm:constr type="bMarg" refType="primFontSz" fact="0.32"/>
+          </dgm:constrLst>
+          <dgm:ruleLst>
+            <dgm:rule type="h" val="INF" fact="NaN" max="NaN"/>
+          </dgm:ruleLst>
+        </dgm:layoutNode>
+        <dgm:layoutNode name="desTx" styleLbl="alignAccFollowNode1">
+          <dgm:varLst>
+            <dgm:bulletEnabled val="1"/>
+          </dgm:varLst>
+          <dgm:alg type="tx">
+            <dgm:param type="stBulletLvl" val="1"/>
+          </dgm:alg>
+          <dgm:shape xmlns:r="http://schemas.openxmlformats.org/officeDocument/2006/relationships" type="rect" r:blip="">
+            <dgm:adjLst/>
+          </dgm:shape>
+          <dgm:presOf axis="des" ptType="node"/>
+          <dgm:constrLst>
+            <dgm:constr type="secFontSz" val="65"/>
+            <dgm:constr type="primFontSz" refType="secFontSz"/>
+            <dgm:constr type="h"/>
+            <dgm:constr type="lMarg" refType="primFontSz" fact="0.42"/>
+            <dgm:constr type="tMarg" refType="primFontSz" fact="0.42"/>
+            <dgm:constr type="bMarg" refType="primFontSz" fact="0.63"/>
+          </dgm:constrLst>
+          <dgm:ruleLst>
+            <dgm:rule type="h" val="INF" fact="NaN" max="NaN"/>
+          </dgm:ruleLst>
+        </dgm:layoutNode>
+      </dgm:layoutNode>
+      <dgm:forEach name="Name5" axis="followSib" ptType="sibTrans" cnt="1">
+        <dgm:layoutNode name="space">
+          <dgm:alg type="sp"/>
+          <dgm:shape xmlns:r="http://schemas.openxmlformats.org/officeDocument/2006/relationships" r:blip="">
+            <dgm:adjLst/>
+          </dgm:shape>
+          <dgm:presOf/>
+          <dgm:constrLst/>
+          <dgm:ruleLst/>
+        </dgm:layoutNode>
+      </dgm:forEach>
+    </dgm:forEach>
+  </dgm:layoutNode>
+</dgm:layoutDef>
+</file>
+
+<file path=ppt/diagrams/layout3.xml><?xml version="1.0" encoding="utf-8"?>
+<dgm:layoutDef xmlns:dgm="http://schemas.openxmlformats.org/drawingml/2006/diagram" xmlns:a="http://schemas.openxmlformats.org/drawingml/2006/main" uniqueId="urn:microsoft.com/office/officeart/2005/8/layout/hList1">
+  <dgm:title val=""/>
+  <dgm:desc val=""/>
+  <dgm:catLst>
+    <dgm:cat type="list" pri="5000"/>
+    <dgm:cat type="convert" pri="5000"/>
+  </dgm:catLst>
+  <dgm:sampData>
+    <dgm:dataModel>
+      <dgm:ptLst>
+        <dgm:pt modelId="0" type="doc"/>
+        <dgm:pt modelId="1">
+          <dgm:prSet phldr="1"/>
+        </dgm:pt>
+        <dgm:pt modelId="11">
+          <dgm:prSet phldr="1"/>
+        </dgm:pt>
+        <dgm:pt modelId="12">
+          <dgm:prSet phldr="1"/>
+        </dgm:pt>
+        <dgm:pt modelId="2">
+          <dgm:prSet phldr="1"/>
+        </dgm:pt>
+        <dgm:pt modelId="21">
+          <dgm:prSet phldr="1"/>
+        </dgm:pt>
+        <dgm:pt modelId="22">
+          <dgm:prSet phldr="1"/>
+        </dgm:pt>
+        <dgm:pt modelId="3">
+          <dgm:prSet phldr="1"/>
+        </dgm:pt>
+        <dgm:pt modelId="31">
+          <dgm:prSet phldr="1"/>
+        </dgm:pt>
+        <dgm:pt modelId="32">
+          <dgm:prSet phldr="1"/>
+        </dgm:pt>
+      </dgm:ptLst>
+      <dgm:cxnLst>
+        <dgm:cxn modelId="4" srcId="0" destId="1" srcOrd="0" destOrd="0"/>
+        <dgm:cxn modelId="5" srcId="0" destId="2" srcOrd="1" destOrd="0"/>
+        <dgm:cxn modelId="6" srcId="0" destId="3" srcOrd="2" destOrd="0"/>
+        <dgm:cxn modelId="13" srcId="1" destId="11" srcOrd="0" destOrd="0"/>
+        <dgm:cxn modelId="14" srcId="1" destId="12" srcOrd="1" destOrd="0"/>
+        <dgm:cxn modelId="23" srcId="2" destId="21" srcOrd="0" destOrd="0"/>
+        <dgm:cxn modelId="24" srcId="2" destId="22" srcOrd="1" destOrd="0"/>
+        <dgm:cxn modelId="33" srcId="3" destId="31" srcOrd="0" destOrd="0"/>
+        <dgm:cxn modelId="34" srcId="3" destId="32" srcOrd="1" destOrd="0"/>
+      </dgm:cxnLst>
+      <dgm:bg/>
+      <dgm:whole/>
+    </dgm:dataModel>
+  </dgm:sampData>
+  <dgm:styleData>
+    <dgm:dataModel>
+      <dgm:ptLst>
+        <dgm:pt modelId="0" type="doc"/>
+        <dgm:pt modelId="1">
+          <dgm:prSet phldr="1"/>
+        </dgm:pt>
+        <dgm:pt modelId="2">
+          <dgm:prSet phldr="1"/>
+        </dgm:pt>
+      </dgm:ptLst>
+      <dgm:cxnLst>
+        <dgm:cxn modelId="3" srcId="0" destId="1" srcOrd="0" destOrd="0"/>
+        <dgm:cxn modelId="4" srcId="0" destId="2" srcOrd="1" destOrd="0"/>
+      </dgm:cxnLst>
+      <dgm:bg/>
+      <dgm:whole/>
+    </dgm:dataModel>
+  </dgm:styleData>
+  <dgm:clrData>
+    <dgm:dataModel>
+      <dgm:ptLst>
+        <dgm:pt modelId="0" type="doc"/>
+        <dgm:pt modelId="1">
+          <dgm:prSet phldr="1"/>
+        </dgm:pt>
+        <dgm:pt modelId="2">
+          <dgm:prSet phldr="1"/>
+        </dgm:pt>
+        <dgm:pt modelId="3">
+          <dgm:prSet phldr="1"/>
+        </dgm:pt>
+        <dgm:pt modelId="4">
+          <dgm:prSet phldr="1"/>
+        </dgm:pt>
+      </dgm:ptLst>
+      <dgm:cxnLst>
+        <dgm:cxn modelId="5" srcId="0" destId="1" srcOrd="0" destOrd="0"/>
+        <dgm:cxn modelId="6" srcId="0" destId="2" srcOrd="1" destOrd="0"/>
+        <dgm:cxn modelId="7" srcId="0" destId="3" srcOrd="2" destOrd="0"/>
+        <dgm:cxn modelId="8" srcId="0" destId="4" srcOrd="3" destOrd="0"/>
+      </dgm:cxnLst>
+      <dgm:bg/>
+      <dgm:whole/>
+    </dgm:dataModel>
+  </dgm:clrData>
+  <dgm:layoutNode name="Name0">
+    <dgm:varLst>
+      <dgm:dir/>
+      <dgm:animLvl val="lvl"/>
+      <dgm:resizeHandles val="exact"/>
+    </dgm:varLst>
+    <dgm:choose name="Name1">
+      <dgm:if name="Name2" func="var" arg="dir" op="equ" val="norm">
+        <dgm:alg type="lin"/>
+      </dgm:if>
+      <dgm:else name="Name3">
+        <dgm:alg type="lin">
+          <dgm:param type="linDir" val="fromR"/>
+        </dgm:alg>
+      </dgm:else>
+    </dgm:choose>
+    <dgm:shape xmlns:r="http://schemas.openxmlformats.org/officeDocument/2006/relationships" r:blip="">
+      <dgm:adjLst/>
+    </dgm:shape>
+    <dgm:presOf/>
+    <dgm:constrLst>
+      <dgm:constr type="h" for="ch" forName="composite" refType="h"/>
+      <dgm:constr type="w" for="ch" forName="composite" refType="w"/>
+      <dgm:constr type="w" for="des" forName="parTx"/>
+      <dgm:constr type="h" for="des" forName="parTx" op="equ"/>
+      <dgm:constr type="w" for="des" forName="desTx"/>
+      <dgm:constr type="h" for="des" forName="desTx" op="equ"/>
+      <dgm:constr type="primFontSz" for="des" forName="parTx" val="65"/>
+      <dgm:constr type="secFontSz" for="des" forName="desTx" refType="primFontSz" refFor="des" refForName="parTx" op="equ"/>
+      <dgm:constr type="h" for="des" forName="parTx" refType="primFontSz" refFor="des" refForName="parTx" fact="0.8"/>
+      <dgm:constr type="h" for="des" forName="desTx" refType="primFontSz" refFor="des" refForName="parTx" fact="1.22"/>
+      <dgm:constr type="w" for="ch" forName="space" refType="w" refFor="ch" refForName="composite" op="equ" fact="0.14"/>
+    </dgm:constrLst>
+    <dgm:ruleLst>
+      <dgm:rule type="w" for="ch" forName="composite" val="0" fact="NaN" max="NaN"/>
+      <dgm:rule type="primFontSz" for="des" forName="parTx" val="5" fact="NaN" max="NaN"/>
+    </dgm:ruleLst>
+    <dgm:forEach name="Name4" axis="ch" ptType="node">
+      <dgm:layoutNode name="composite">
+        <dgm:alg type="composite"/>
+        <dgm:shape xmlns:r="http://schemas.openxmlformats.org/officeDocument/2006/relationships" r:blip="">
+          <dgm:adjLst/>
+        </dgm:shape>
+        <dgm:presOf/>
+        <dgm:constrLst>
+          <dgm:constr type="l" for="ch" forName="parTx"/>
+          <dgm:constr type="w" for="ch" forName="parTx" refType="w"/>
+          <dgm:constr type="t" for="ch" forName="parTx"/>
+          <dgm:constr type="l" for="ch" forName="desTx"/>
+          <dgm:constr type="w" for="ch" forName="desTx" refType="w" refFor="ch" refForName="parTx"/>
+          <dgm:constr type="t" for="ch" forName="desTx" refType="h" refFor="ch" refForName="parTx"/>
+        </dgm:constrLst>
+        <dgm:ruleLst>
+          <dgm:rule type="h" val="INF" fact="NaN" max="NaN"/>
+        </dgm:ruleLst>
+        <dgm:layoutNode name="parTx" styleLbl="alignNode1">
+          <dgm:varLst>
+            <dgm:chMax val="0"/>
+            <dgm:chPref val="0"/>
+            <dgm:bulletEnabled val="1"/>
+          </dgm:varLst>
+          <dgm:alg type="tx"/>
+          <dgm:shape xmlns:r="http://schemas.openxmlformats.org/officeDocument/2006/relationships" type="rect" r:blip="">
+            <dgm:adjLst/>
+          </dgm:shape>
+          <dgm:presOf axis="self" ptType="node"/>
+          <dgm:constrLst>
+            <dgm:constr type="h" refType="w" op="lte" fact="0.4"/>
+            <dgm:constr type="h"/>
+            <dgm:constr type="tMarg" refType="primFontSz" fact="0.32"/>
+            <dgm:constr type="bMarg" refType="primFontSz" fact="0.32"/>
+          </dgm:constrLst>
+          <dgm:ruleLst>
+            <dgm:rule type="h" val="INF" fact="NaN" max="NaN"/>
+          </dgm:ruleLst>
+        </dgm:layoutNode>
+        <dgm:layoutNode name="desTx" styleLbl="alignAccFollowNode1">
+          <dgm:varLst>
+            <dgm:bulletEnabled val="1"/>
+          </dgm:varLst>
+          <dgm:alg type="tx">
+            <dgm:param type="stBulletLvl" val="1"/>
+          </dgm:alg>
+          <dgm:shape xmlns:r="http://schemas.openxmlformats.org/officeDocument/2006/relationships" type="rect" r:blip="">
+            <dgm:adjLst/>
+          </dgm:shape>
+          <dgm:presOf axis="des" ptType="node"/>
+          <dgm:constrLst>
+            <dgm:constr type="secFontSz" val="65"/>
+            <dgm:constr type="primFontSz" refType="secFontSz"/>
+            <dgm:constr type="h"/>
+            <dgm:constr type="lMarg" refType="primFontSz" fact="0.42"/>
+            <dgm:constr type="tMarg" refType="primFontSz" fact="0.42"/>
+            <dgm:constr type="bMarg" refType="primFontSz" fact="0.63"/>
+          </dgm:constrLst>
+          <dgm:ruleLst>
+            <dgm:rule type="h" val="INF" fact="NaN" max="NaN"/>
+          </dgm:ruleLst>
+        </dgm:layoutNode>
+      </dgm:layoutNode>
+      <dgm:forEach name="Name5" axis="followSib" ptType="sibTrans" cnt="1">
+        <dgm:layoutNode name="space">
+          <dgm:alg type="sp"/>
+          <dgm:shape xmlns:r="http://schemas.openxmlformats.org/officeDocument/2006/relationships" r:blip="">
+            <dgm:adjLst/>
+          </dgm:shape>
+          <dgm:presOf/>
+          <dgm:constrLst/>
+          <dgm:ruleLst/>
+        </dgm:layoutNode>
+      </dgm:forEach>
+    </dgm:forEach>
+  </dgm:layoutNode>
+</dgm:layoutDef>
+</file>
+
 <file path=ppt/diagrams/quickStyle1.xml><?xml version="1.0" encoding="utf-8"?>
+<dgm:styleDef xmlns:dgm="http://schemas.openxmlformats.org/drawingml/2006/diagram" xmlns:a="http://schemas.openxmlformats.org/drawingml/2006/main" uniqueId="urn:microsoft.com/office/officeart/2005/8/quickstyle/simple1">
+  <dgm:title val=""/>
+  <dgm:desc val=""/>
+  <dgm:catLst>
+    <dgm:cat type="simple" pri="10100"/>
+  </dgm:catLst>
+  <dgm:scene3d>
+    <a:camera prst="orthographicFront"/>
+    <a:lightRig rig="threePt" dir="t"/>
+  </dgm:scene3d>
+  <dgm:styleLbl name="node0">
+    <dgm:scene3d>
+      <a:camera prst="orthographicFront"/>
+      <a:lightRig rig="threePt" dir="t"/>
+    </dgm:scene3d>
+    <dgm:sp3d/>
+    <dgm:txPr/>
+    <dgm:style>
+      <a:lnRef idx="2">
+        <a:scrgbClr r="0" g="0" b="0"/>
+      </a:lnRef>
+      <a:fillRef idx="1">
+        <a:scrgbClr r="0" g="0" b="0"/>
+      </a:fillRef>
+      <a:effectRef idx="0">
+        <a:scrgbClr r="0" g="0" b="0"/>
+      </a:effectRef>
+      <a:fontRef idx="minor">
+        <a:schemeClr val="lt1"/>
+      </a:fontRef>
+    </dgm:style>
+  </dgm:styleLbl>
+  <dgm:styleLbl name="lnNode1">
+    <dgm:scene3d>
+      <a:camera prst="orthographicFront"/>
+      <a:lightRig rig="threePt" dir="t"/>
+    </dgm:scene3d>
+    <dgm:sp3d/>
+    <dgm:txPr/>
+    <dgm:style>
+      <a:lnRef idx="2">
+        <a:scrgbClr r="0" g="0" b="0"/>
+      </a:lnRef>
+      <a:fillRef idx="1">
+        <a:scrgbClr r="0" g="0" b="0"/>
+      </a:fillRef>
+      <a:effectRef idx="0">
+        <a:scrgbClr r="0" g="0" b="0"/>
+      </a:effectRef>
+      <a:fontRef idx="minor">
+        <a:schemeClr val="lt1"/>
+      </a:fontRef>
+    </dgm:style>
+  </dgm:styleLbl>
+  <dgm:styleLbl name="vennNode1">
+    <dgm:scene3d>
+      <a:camera prst="orthographicFront"/>
+      <a:lightRig rig="threePt" dir="t"/>
+    </dgm:scene3d>
+    <dgm:sp3d/>
+    <dgm:txPr/>
+    <dgm:style>
+      <a:lnRef idx="2">
+        <a:scrgbClr r="0" g="0" b="0"/>
+      </a:lnRef>
+      <a:fillRef idx="1">
+        <a:scrgbClr r="0" g="0" b="0"/>
+      </a:fillRef>
+      <a:effectRef idx="0">
+        <a:scrgbClr r="0" g="0" b="0"/>
+      </a:effectRef>
+      <a:fontRef idx="minor">
+        <a:schemeClr val="tx1"/>
+      </a:fontRef>
+    </dgm:style>
+  </dgm:styleLbl>
+  <dgm:styleLbl name="alignNode1">
+    <dgm:scene3d>
+      <a:camera prst="orthographicFront"/>
+      <a:lightRig rig="threePt" dir="t"/>
+    </dgm:scene3d>
+    <dgm:sp3d/>
+    <dgm:txPr/>
+    <dgm:style>
+      <a:lnRef idx="2">
+        <a:scrgbClr r="0" g="0" b="0"/>
+      </a:lnRef>
+      <a:fillRef idx="1">
+        <a:scrgbClr r="0" g="0" b="0"/>
+      </a:fillRef>
+      <a:effectRef idx="0">
+        <a:scrgbClr r="0" g="0" b="0"/>
+      </a:effectRef>
+      <a:fontRef idx="minor">
+        <a:schemeClr val="lt1"/>
+      </a:fontRef>
+    </dgm:style>
+  </dgm:styleLbl>
+  <dgm:styleLbl name="node1">
+    <dgm:scene3d>
+      <a:camera prst="orthographicFront"/>
+      <a:lightRig rig="threePt" dir="t"/>
+    </dgm:scene3d>
+    <dgm:sp3d/>
+    <dgm:txPr/>
+    <dgm:style>
+      <a:lnRef idx="2">
+        <a:scrgbClr r="0" g="0" b="0"/>
+      </a:lnRef>
+      <a:fillRef idx="1">
+        <a:scrgbClr r="0" g="0" b="0"/>
+      </a:fillRef>
+      <a:effectRef idx="0">
+        <a:scrgbClr r="0" g="0" b="0"/>
+      </a:effectRef>
+      <a:fontRef idx="minor">
+        <a:schemeClr val="lt1"/>
+      </a:fontRef>
+    </dgm:style>
+  </dgm:styleLbl>
+  <dgm:styleLbl name="node2">
+    <dgm:scene3d>
+      <a:camera prst="orthographicFront"/>
+      <a:lightRig rig="threePt" dir="t"/>
+    </dgm:scene3d>
+    <dgm:sp3d/>
+    <dgm:txPr/>
+    <dgm:style>
+      <a:lnRef idx="2">
+        <a:scrgbClr r="0" g="0" b="0"/>
+      </a:lnRef>
+      <a:fillRef idx="1">
+        <a:scrgbClr r="0" g="0" b="0"/>
+      </a:fillRef>
+      <a:effectRef idx="0">
+        <a:scrgbClr r="0" g="0" b="0"/>
+      </a:effectRef>
+      <a:fontRef idx="minor">
+        <a:schemeClr val="lt1"/>
+      </a:fontRef>
+    </dgm:style>
+  </dgm:styleLbl>
+  <dgm:styleLbl name="node3">
+    <dgm:scene3d>
+      <a:camera prst="orthographicFront"/>
+      <a:lightRig rig="threePt" dir="t"/>
+    </dgm:scene3d>
+    <dgm:sp3d/>
+    <dgm:txPr/>
+    <dgm:style>
+      <a:lnRef idx="2">
+        <a:scrgbClr r="0" g="0" b="0"/>
+      </a:lnRef>
+      <a:fillRef idx="1">
+        <a:scrgbClr r="0" g="0" b="0"/>
+      </a:fillRef>
+      <a:effectRef idx="0">
+        <a:scrgbClr r="0" g="0" b="0"/>
+      </a:effectRef>
+      <a:fontRef idx="minor">
+        <a:schemeClr val="lt1"/>
+      </a:fontRef>
+    </dgm:style>
+  </dgm:styleLbl>
+  <dgm:styleLbl name="node4">
+    <dgm:scene3d>
+      <a:camera prst="orthographicFront"/>
+      <a:lightRig rig="threePt" dir="t"/>
+    </dgm:scene3d>
+    <dgm:sp3d/>
+    <dgm:txPr/>
+    <dgm:style>
+      <a:lnRef idx="2">
+        <a:scrgbClr r="0" g="0" b="0"/>
+      </a:lnRef>
+      <a:fillRef idx="1">
+        <a:scrgbClr r="0" g="0" b="0"/>
+      </a:fillRef>
+      <a:effectRef idx="0">
+        <a:scrgbClr r="0" g="0" b="0"/>
+      </a:effectRef>
+      <a:fontRef idx="minor">
+        <a:schemeClr val="lt1"/>
+      </a:fontRef>
+    </dgm:style>
+  </dgm:styleLbl>
+  <dgm:styleLbl name="fgImgPlace1">
+    <dgm:scene3d>
+      <a:camera prst="orthographicFront"/>
+      <a:lightRig rig="threePt" dir="t"/>
+    </dgm:scene3d>
+    <dgm:sp3d/>
+    <dgm:txPr/>
+    <dgm:style>
+      <a:lnRef idx="2">
+        <a:scrgbClr r="0" g="0" b="0"/>
+      </a:lnRef>
+      <a:fillRef idx="1">
+        <a:scrgbClr r="0" g="0" b="0"/>
+      </a:fillRef>
+      <a:effectRef idx="0">
+        <a:scrgbClr r="0" g="0" b="0"/>
+      </a:effectRef>
+      <a:fontRef idx="minor"/>
+    </dgm:style>
+  </dgm:styleLbl>
+  <dgm:styleLbl name="alignImgPlace1">
+    <dgm:scene3d>
+      <a:camera prst="orthographicFront"/>
+      <a:lightRig rig="threePt" dir="t"/>
+    </dgm:scene3d>
+    <dgm:sp3d/>
+    <dgm:txPr/>
+    <dgm:style>
+      <a:lnRef idx="2">
+        <a:scrgbClr r="0" g="0" b="0"/>
+      </a:lnRef>
+      <a:fillRef idx="1">
+        <a:scrgbClr r="0" g="0" b="0"/>
+      </a:fillRef>
+      <a:effectRef idx="0">
+        <a:scrgbClr r="0" g="0" b="0"/>
+      </a:effectRef>
+      <a:fontRef idx="minor"/>
+    </dgm:style>
+  </dgm:styleLbl>
+  <dgm:styleLbl name="bgImgPlace1">
+    <dgm:scene3d>
+      <a:camera prst="orthographicFront"/>
+      <a:lightRig rig="threePt" dir="t"/>
+    </dgm:scene3d>
+    <dgm:sp3d/>
+    <dgm:txPr/>
+    <dgm:style>
+      <a:lnRef idx="2">
+        <a:scrgbClr r="0" g="0" b="0"/>
+      </a:lnRef>
+      <a:fillRef idx="1">
+        <a:scrgbClr r="0" g="0" b="0"/>
+      </a:fillRef>
+      <a:effectRef idx="0">
+        <a:scrgbClr r="0" g="0" b="0"/>
+      </a:effectRef>
+      <a:fontRef idx="minor"/>
+    </dgm:style>
+  </dgm:styleLbl>
+  <dgm:styleLbl name="sibTrans2D1">
+    <dgm:scene3d>
+      <a:camera prst="orthographicFront"/>
+      <a:lightRig rig="threePt" dir="t"/>
+    </dgm:scene3d>
+    <dgm:sp3d/>
+    <dgm:txPr/>
+    <dgm:style>
+      <a:lnRef idx="0">
+        <a:scrgbClr r="0" g="0" b="0"/>
+      </a:lnRef>
+      <a:fillRef idx="1">
+        <a:scrgbClr r="0" g="0" b="0"/>
+      </a:fillRef>
+      <a:effectRef idx="0">
+        <a:scrgbClr r="0" g="0" b="0"/>
+      </a:effectRef>
+      <a:fontRef idx="minor">
+        <a:schemeClr val="lt1"/>
+      </a:fontRef>
+    </dgm:style>
+  </dgm:styleLbl>
+  <dgm:styleLbl name="fgSibTrans2D1">
+    <dgm:scene3d>
+      <a:camera prst="orthographicFront"/>
+      <a:lightRig rig="threePt" dir="t"/>
+    </dgm:scene3d>
+    <dgm:sp3d/>
+    <dgm:txPr/>
+    <dgm:style>
+      <a:lnRef idx="0">
+        <a:scrgbClr r="0" g="0" b="0"/>
+      </a:lnRef>
+      <a:fillRef idx="1">
+        <a:scrgbClr r="0" g="0" b="0"/>
+      </a:fillRef>
+      <a:effectRef idx="0">
+        <a:scrgbClr r="0" g="0" b="0"/>
+      </a:effectRef>
+      <a:fontRef idx="minor">
+        <a:schemeClr val="lt1"/>
+      </a:fontRef>
+    </dgm:style>
+  </dgm:styleLbl>
+  <dgm:styleLbl name="bgSibTrans2D1">
+    <dgm:scene3d>
+      <a:camera prst="orthographicFront"/>
+      <a:lightRig rig="threePt" dir="t"/>
+    </dgm:scene3d>
+    <dgm:sp3d/>
+    <dgm:txPr/>
+    <dgm:style>
+      <a:lnRef idx="0">
+        <a:scrgbClr r="0" g="0" b="0"/>
+      </a:lnRef>
+      <a:fillRef idx="1">
+        <a:scrgbClr r="0" g="0" b="0"/>
+      </a:fillRef>
+      <a:effectRef idx="0">
+        <a:scrgbClr r="0" g="0" b="0"/>
+      </a:effectRef>
+      <a:fontRef idx="minor">
+        <a:schemeClr val="lt1"/>
+      </a:fontRef>
+    </dgm:style>
+  </dgm:styleLbl>
+  <dgm:styleLbl name="sibTrans1D1">
+    <dgm:scene3d>
+      <a:camera prst="orthographicFront"/>
+      <a:lightRig rig="threePt" dir="t"/>
+    </dgm:scene3d>
+    <dgm:sp3d/>
+    <dgm:txPr/>
+    <dgm:style>
+      <a:lnRef idx="1">
+        <a:scrgbClr r="0" g="0" b="0"/>
+      </a:lnRef>
+      <a:fillRef idx="0">
+        <a:scrgbClr r="0" g="0" b="0"/>
+      </a:fillRef>
+      <a:effectRef idx="0">
+        <a:scrgbClr r="0" g="0" b="0"/>
+      </a:effectRef>
+      <a:fontRef idx="minor"/>
+    </dgm:style>
+  </dgm:styleLbl>
+  <dgm:styleLbl name="callout">
+    <dgm:scene3d>
+      <a:camera prst="orthographicFront"/>
+      <a:lightRig rig="threePt" dir="t"/>
+    </dgm:scene3d>
+    <dgm:sp3d/>
+    <dgm:txPr/>
+    <dgm:style>
+      <a:lnRef idx="2">
+        <a:scrgbClr r="0" g="0" b="0"/>
+      </a:lnRef>
+      <a:fillRef idx="1">
+        <a:scrgbClr r="0" g="0" b="0"/>
+      </a:fillRef>
+      <a:effectRef idx="0">
+        <a:scrgbClr r="0" g="0" b="0"/>
+      </a:effectRef>
+      <a:fontRef idx="minor"/>
+    </dgm:style>
+  </dgm:styleLbl>
+  <dgm:styleLbl name="asst0">
+    <dgm:scene3d>
+      <a:camera prst="orthographicFront"/>
+      <a:lightRig rig="threePt" dir="t"/>
+    </dgm:scene3d>
+    <dgm:sp3d/>
+    <dgm:txPr/>
+    <dgm:style>
+      <a:lnRef idx="2">
+        <a:scrgbClr r="0" g="0" b="0"/>
+      </a:lnRef>
+      <a:fillRef idx="1">
+        <a:scrgbClr r="0" g="0" b="0"/>
+      </a:fillRef>
+      <a:effectRef idx="0">
+        <a:scrgbClr r="0" g="0" b="0"/>
+      </a:effectRef>
+      <a:fontRef idx="minor">
+        <a:schemeClr val="lt1"/>
+      </a:fontRef>
+    </dgm:style>
+  </dgm:styleLbl>
+  <dgm:styleLbl name="asst1">
+    <dgm:scene3d>
+      <a:camera prst="orthographicFront"/>
+      <a:lightRig rig="threePt" dir="t"/>
+    </dgm:scene3d>
+    <dgm:sp3d/>
+    <dgm:txPr/>
+    <dgm:style>
+      <a:lnRef idx="2">
+        <a:scrgbClr r="0" g="0" b="0"/>
+      </a:lnRef>
+      <a:fillRef idx="1">
+        <a:scrgbClr r="0" g="0" b="0"/>
+      </a:fillRef>
+      <a:effectRef idx="0">
+        <a:scrgbClr r="0" g="0" b="0"/>
+      </a:effectRef>
+      <a:fontRef idx="minor">
+        <a:schemeClr val="lt1"/>
+      </a:fontRef>
+    </dgm:style>
+  </dgm:styleLbl>
+  <dgm:styleLbl name="asst2">
+    <dgm:scene3d>
+      <a:camera prst="orthographicFront"/>
+      <a:lightRig rig="threePt" dir="t"/>
+    </dgm:scene3d>
+    <dgm:sp3d/>
+    <dgm:txPr/>
+    <dgm:style>
+      <a:lnRef idx="2">
+        <a:scrgbClr r="0" g="0" b="0"/>
+      </a:lnRef>
+      <a:fillRef idx="1">
+        <a:scrgbClr r="0" g="0" b="0"/>
+      </a:fillRef>
+      <a:effectRef idx="0">
+        <a:scrgbClr r="0" g="0" b="0"/>
+      </a:effectRef>
+      <a:fontRef idx="minor">
+        <a:schemeClr val="lt1"/>
+      </a:fontRef>
+    </dgm:style>
+  </dgm:styleLbl>
+  <dgm:styleLbl name="asst3">
+    <dgm:scene3d>
+      <a:camera prst="orthographicFront"/>
+      <a:lightRig rig="threePt" dir="t"/>
+    </dgm:scene3d>
+    <dgm:sp3d/>
+    <dgm:txPr/>
+    <dgm:style>
+      <a:lnRef idx="2">
+        <a:scrgbClr r="0" g="0" b="0"/>
+      </a:lnRef>
+      <a:fillRef idx="1">
+        <a:scrgbClr r="0" g="0" b="0"/>
+      </a:fillRef>
+      <a:effectRef idx="0">
+        <a:scrgbClr r="0" g="0" b="0"/>
+      </a:effectRef>
+      <a:fontRef idx="minor">
+        <a:schemeClr val="lt1"/>
+      </a:fontRef>
+    </dgm:style>
+  </dgm:styleLbl>
+  <dgm:styleLbl name="asst4">
+    <dgm:scene3d>
+      <a:camera prst="orthographicFront"/>
+      <a:lightRig rig="threePt" dir="t"/>
+    </dgm:scene3d>
+    <dgm:sp3d/>
+    <dgm:txPr/>
+    <dgm:style>
+      <a:lnRef idx="2">
+        <a:scrgbClr r="0" g="0" b="0"/>
+      </a:lnRef>
+      <a:fillRef idx="1">
+        <a:scrgbClr r="0" g="0" b="0"/>
+      </a:fillRef>
+      <a:effectRef idx="0">
+        <a:scrgbClr r="0" g="0" b="0"/>
+      </a:effectRef>
+      <a:fontRef idx="minor">
+        <a:schemeClr val="lt1"/>
+      </a:fontRef>
+    </dgm:style>
+  </dgm:styleLbl>
+  <dgm:styleLbl name="parChTrans2D1">
+    <dgm:scene3d>
+      <a:camera prst="orthographicFront"/>
+      <a:lightRig rig="threePt" dir="t"/>
+    </dgm:scene3d>
+    <dgm:sp3d/>
+    <dgm:txPr/>
+    <dgm:style>
+      <a:lnRef idx="2">
+        <a:scrgbClr r="0" g="0" b="0"/>
+      </a:lnRef>
+      <a:fillRef idx="1">
+        <a:scrgbClr r="0" g="0" b="0"/>
+      </a:fillRef>
+      <a:effectRef idx="0">
+        <a:scrgbClr r="0" g="0" b="0"/>
+      </a:effectRef>
+      <a:fontRef idx="minor">
+        <a:schemeClr val="lt1"/>
+      </a:fontRef>
+    </dgm:style>
+  </dgm:styleLbl>
+  <dgm:styleLbl name="parChTrans2D2">
+    <dgm:scene3d>
+      <a:camera prst="orthographicFront"/>
+      <a:lightRig rig="threePt" dir="t"/>
+    </dgm:scene3d>
+    <dgm:sp3d/>
+    <dgm:txPr/>
+    <dgm:style>
+      <a:lnRef idx="2">
+        <a:scrgbClr r="0" g="0" b="0"/>
+      </a:lnRef>
+      <a:fillRef idx="1">
+        <a:scrgbClr r="0" g="0" b="0"/>
+      </a:fillRef>
+      <a:effectRef idx="0">
+        <a:scrgbClr r="0" g="0" b="0"/>
+      </a:effectRef>
+      <a:fontRef idx="minor">
+        <a:schemeClr val="lt1"/>
+      </a:fontRef>
+    </dgm:style>
+  </dgm:styleLbl>
+  <dgm:styleLbl name="parChTrans2D3">
+    <dgm:scene3d>
+      <a:camera prst="orthographicFront"/>
+      <a:lightRig rig="threePt" dir="t"/>
+    </dgm:scene3d>
+    <dgm:sp3d/>
+    <dgm:txPr/>
+    <dgm:style>
+      <a:lnRef idx="2">
+        <a:scrgbClr r="0" g="0" b="0"/>
+      </a:lnRef>
+      <a:fillRef idx="1">
+        <a:scrgbClr r="0" g="0" b="0"/>
+      </a:fillRef>
+      <a:effectRef idx="0">
+        <a:scrgbClr r="0" g="0" b="0"/>
+      </a:effectRef>
+      <a:fontRef idx="minor">
+        <a:schemeClr val="lt1"/>
+      </a:fontRef>
+    </dgm:style>
+  </dgm:styleLbl>
+  <dgm:styleLbl name="parChTrans2D4">
+    <dgm:scene3d>
+      <a:camera prst="orthographicFront"/>
+      <a:lightRig rig="threePt" dir="t"/>
+    </dgm:scene3d>
+    <dgm:sp3d/>
+    <dgm:txPr/>
+    <dgm:style>
+      <a:lnRef idx="2">
+        <a:scrgbClr r="0" g="0" b="0"/>
+      </a:lnRef>
+      <a:fillRef idx="1">
+        <a:scrgbClr r="0" g="0" b="0"/>
+      </a:fillRef>
+      <a:effectRef idx="0">
+        <a:scrgbClr r="0" g="0" b="0"/>
+      </a:effectRef>
+      <a:fontRef idx="minor">
+        <a:schemeClr val="lt1"/>
+      </a:fontRef>
+    </dgm:style>
+  </dgm:styleLbl>
+  <dgm:styleLbl name="parChTrans1D1">
+    <dgm:scene3d>
+      <a:camera prst="orthographicFront"/>
+      <a:lightRig rig="threePt" dir="t"/>
+    </dgm:scene3d>
+    <dgm:sp3d/>
+    <dgm:txPr/>
+    <dgm:style>
+      <a:lnRef idx="2">
+        <a:scrgbClr r="0" g="0" b="0"/>
+      </a:lnRef>
+      <a:fillRef idx="0">
+        <a:scrgbClr r="0" g="0" b="0"/>
+      </a:fillRef>
+      <a:effectRef idx="0">
+        <a:scrgbClr r="0" g="0" b="0"/>
+      </a:effectRef>
+      <a:fontRef idx="minor"/>
+    </dgm:style>
+  </dgm:styleLbl>
+  <dgm:styleLbl name="parChTrans1D2">
+    <dgm:scene3d>
+      <a:camera prst="orthographicFront"/>
+      <a:lightRig rig="threePt" dir="t"/>
+    </dgm:scene3d>
+    <dgm:sp3d/>
+    <dgm:txPr/>
+    <dgm:style>
+      <a:lnRef idx="2">
+        <a:scrgbClr r="0" g="0" b="0"/>
+      </a:lnRef>
+      <a:fillRef idx="0">
+        <a:scrgbClr r="0" g="0" b="0"/>
+      </a:fillRef>
+      <a:effectRef idx="0">
+        <a:scrgbClr r="0" g="0" b="0"/>
+      </a:effectRef>
+      <a:fontRef idx="minor"/>
+    </dgm:style>
+  </dgm:styleLbl>
+  <dgm:styleLbl name="parChTrans1D3">
+    <dgm:scene3d>
+      <a:camera prst="orthographicFront"/>
+      <a:lightRig rig="threePt" dir="t"/>
+    </dgm:scene3d>
+    <dgm:sp3d/>
+    <dgm:txPr/>
+    <dgm:style>
+      <a:lnRef idx="2">
+        <a:scrgbClr r="0" g="0" b="0"/>
+      </a:lnRef>
+      <a:fillRef idx="0">
+        <a:scrgbClr r="0" g="0" b="0"/>
+      </a:fillRef>
+      <a:effectRef idx="0">
+        <a:scrgbClr r="0" g="0" b="0"/>
+      </a:effectRef>
+      <a:fontRef idx="minor"/>
+    </dgm:style>
+  </dgm:styleLbl>
+  <dgm:styleLbl name="parChTrans1D4">
+    <dgm:scene3d>
+      <a:camera prst="orthographicFront"/>
+      <a:lightRig rig="threePt" dir="t"/>
+    </dgm:scene3d>
+    <dgm:sp3d/>
+    <dgm:txPr/>
+    <dgm:style>
+      <a:lnRef idx="2">
+        <a:scrgbClr r="0" g="0" b="0"/>
+      </a:lnRef>
+      <a:fillRef idx="0">
+        <a:scrgbClr r="0" g="0" b="0"/>
+      </a:fillRef>
+      <a:effectRef idx="0">
+        <a:scrgbClr r="0" g="0" b="0"/>
+      </a:effectRef>
+      <a:fontRef idx="minor"/>
+    </dgm:style>
+  </dgm:styleLbl>
+  <dgm:styleLbl name="fgAcc1">
+    <dgm:scene3d>
+      <a:camera prst="orthographicFront"/>
+      <a:lightRig rig="threePt" dir="t"/>
+    </dgm:scene3d>
+    <dgm:sp3d/>
+    <dgm:txPr/>
+    <dgm:style>
+      <a:lnRef idx="2">
+        <a:scrgbClr r="0" g="0" b="0"/>
+      </a:lnRef>
+      <a:fillRef idx="1">
+        <a:scrgbClr r="0" g="0" b="0"/>
+      </a:fillRef>
+      <a:effectRef idx="0">
+        <a:scrgbClr r="0" g="0" b="0"/>
+      </a:effectRef>
+      <a:fontRef idx="minor"/>
+    </dgm:style>
+  </dgm:styleLbl>
+  <dgm:styleLbl name="conFgAcc1">
+    <dgm:scene3d>
+      <a:camera prst="orthographicFront"/>
+      <a:lightRig rig="threePt" dir="t"/>
+    </dgm:scene3d>
+    <dgm:sp3d/>
+    <dgm:txPr/>
+    <dgm:style>
+      <a:lnRef idx="2">
+        <a:scrgbClr r="0" g="0" b="0"/>
+      </a:lnRef>
+      <a:fillRef idx="1">
+        <a:scrgbClr r="0" g="0" b="0"/>
+      </a:fillRef>
+      <a:effectRef idx="0">
+        <a:scrgbClr r="0" g="0" b="0"/>
+      </a:effectRef>
+      <a:fontRef idx="minor"/>
+    </dgm:style>
+  </dgm:styleLbl>
+  <dgm:styleLbl name="alignAcc1">
+    <dgm:scene3d>
+      <a:camera prst="orthographicFront"/>
+      <a:lightRig rig="threePt" dir="t"/>
+    </dgm:scene3d>
+    <dgm:sp3d/>
+    <dgm:txPr/>
+    <dgm:style>
+      <a:lnRef idx="2">
+        <a:scrgbClr r="0" g="0" b="0"/>
+      </a:lnRef>
+      <a:fillRef idx="1">
+        <a:scrgbClr r="0" g="0" b="0"/>
+      </a:fillRef>
+      <a:effectRef idx="0">
+        <a:scrgbClr r="0" g="0" b="0"/>
+      </a:effectRef>
+      <a:fontRef idx="minor"/>
+    </dgm:style>
+  </dgm:styleLbl>
+  <dgm:styleLbl name="trAlignAcc1">
+    <dgm:scene3d>
+      <a:camera prst="orthographicFront"/>
+      <a:lightRig rig="threePt" dir="t"/>
+    </dgm:scene3d>
+    <dgm:sp3d/>
+    <dgm:txPr/>
+    <dgm:style>
+      <a:lnRef idx="1">
+        <a:scrgbClr r="0" g="0" b="0"/>
+      </a:lnRef>
+      <a:fillRef idx="1">
+        <a:scrgbClr r="0" g="0" b="0"/>
+      </a:fillRef>
+      <a:effectRef idx="0">
+        <a:scrgbClr r="0" g="0" b="0"/>
+      </a:effectRef>
+      <a:fontRef idx="minor"/>
+    </dgm:style>
+  </dgm:styleLbl>
+  <dgm:styleLbl name="bgAcc1">
+    <dgm:scene3d>
+      <a:camera prst="orthographicFront"/>
+      <a:lightRig rig="threePt" dir="t"/>
+    </dgm:scene3d>
+    <dgm:sp3d/>
+    <dgm:txPr/>
+    <dgm:style>
+      <a:lnRef idx="2">
+        <a:scrgbClr r="0" g="0" b="0"/>
+      </a:lnRef>
+      <a:fillRef idx="1">
+        <a:scrgbClr r="0" g="0" b="0"/>
+      </a:fillRef>
+      <a:effectRef idx="0">
+        <a:scrgbClr r="0" g="0" b="0"/>
+      </a:effectRef>
+      <a:fontRef idx="minor"/>
+    </dgm:style>
+  </dgm:styleLbl>
+  <dgm:styleLbl name="solidFgAcc1">
+    <dgm:scene3d>
+      <a:camera prst="orthographicFront"/>
+      <a:lightRig rig="threePt" dir="t"/>
+    </dgm:scene3d>
+    <dgm:sp3d/>
+    <dgm:txPr/>
+    <dgm:style>
+      <a:lnRef idx="2">
+        <a:scrgbClr r="0" g="0" b="0"/>
+      </a:lnRef>
+      <a:fillRef idx="1">
+        <a:scrgbClr r="0" g="0" b="0"/>
+      </a:fillRef>
+      <a:effectRef idx="0">
+        <a:scrgbClr r="0" g="0" b="0"/>
+      </a:effectRef>
+      <a:fontRef idx="minor"/>
+    </dgm:style>
+  </dgm:styleLbl>
+  <dgm:styleLbl name="solidAlignAcc1">
+    <dgm:scene3d>
+      <a:camera prst="orthographicFront"/>
+      <a:lightRig rig="threePt" dir="t"/>
+    </dgm:scene3d>
+    <dgm:sp3d/>
+    <dgm:txPr/>
+    <dgm:style>
+      <a:lnRef idx="2">
+        <a:scrgbClr r="0" g="0" b="0"/>
+      </a:lnRef>
+      <a:fillRef idx="1">
+        <a:scrgbClr r="0" g="0" b="0"/>
+      </a:fillRef>
+      <a:effectRef idx="0">
+        <a:scrgbClr r="0" g="0" b="0"/>
+      </a:effectRef>
+      <a:fontRef idx="minor"/>
+    </dgm:style>
+  </dgm:styleLbl>
+  <dgm:styleLbl name="solidBgAcc1">
+    <dgm:scene3d>
+      <a:camera prst="orthographicFront"/>
+      <a:lightRig rig="threePt" dir="t"/>
+    </dgm:scene3d>
+    <dgm:sp3d/>
+    <dgm:txPr/>
+    <dgm:style>
+      <a:lnRef idx="2">
+        <a:scrgbClr r="0" g="0" b="0"/>
+      </a:lnRef>
+      <a:fillRef idx="1">
+        <a:scrgbClr r="0" g="0" b="0"/>
+      </a:fillRef>
+      <a:effectRef idx="0">
+        <a:scrgbClr r="0" g="0" b="0"/>
+      </a:effectRef>
+      <a:fontRef idx="minor"/>
+    </dgm:style>
+  </dgm:styleLbl>
+  <dgm:styleLbl name="fgAccFollowNode1">
+    <dgm:scene3d>
+      <a:camera prst="orthographicFront"/>
+      <a:lightRig rig="threePt" dir="t"/>
+    </dgm:scene3d>
+    <dgm:sp3d/>
+    <dgm:txPr/>
+    <dgm:style>
+      <a:lnRef idx="2">
+        <a:scrgbClr r="0" g="0" b="0"/>
+      </a:lnRef>
+      <a:fillRef idx="1">
+        <a:scrgbClr r="0" g="0" b="0"/>
+      </a:fillRef>
+      <a:effectRef idx="0">
+        <a:scrgbClr r="0" g="0" b="0"/>
+      </a:effectRef>
+      <a:fontRef idx="minor"/>
+    </dgm:style>
+  </dgm:styleLbl>
+  <dgm:styleLbl name="alignAccFollowNode1">
+    <dgm:scene3d>
+      <a:camera prst="orthographicFront"/>
+      <a:lightRig rig="threePt" dir="t"/>
+    </dgm:scene3d>
+    <dgm:sp3d/>
+    <dgm:txPr/>
+    <dgm:style>
+      <a:lnRef idx="2">
+        <a:scrgbClr r="0" g="0" b="0"/>
+      </a:lnRef>
+      <a:fillRef idx="1">
+        <a:scrgbClr r="0" g="0" b="0"/>
+      </a:fillRef>
+      <a:effectRef idx="0">
+        <a:scrgbClr r="0" g="0" b="0"/>
+      </a:effectRef>
+      <a:fontRef idx="minor"/>
+    </dgm:style>
+  </dgm:styleLbl>
+  <dgm:styleLbl name="bgAccFollowNode1">
+    <dgm:scene3d>
+      <a:camera prst="orthographicFront"/>
+      <a:lightRig rig="threePt" dir="t"/>
+    </dgm:scene3d>
+    <dgm:sp3d/>
+    <dgm:txPr/>
+    <dgm:style>
+      <a:lnRef idx="2">
+        <a:scrgbClr r="0" g="0" b="0"/>
+      </a:lnRef>
+      <a:fillRef idx="1">
+        <a:scrgbClr r="0" g="0" b="0"/>
+      </a:fillRef>
+      <a:effectRef idx="0">
+        <a:scrgbClr r="0" g="0" b="0"/>
+      </a:effectRef>
+      <a:fontRef idx="minor"/>
+    </dgm:style>
+  </dgm:styleLbl>
+  <dgm:styleLbl name="fgAcc0">
+    <dgm:scene3d>
+      <a:camera prst="orthographicFront"/>
+      <a:lightRig rig="threePt" dir="t"/>
+    </dgm:scene3d>
+    <dgm:sp3d/>
+    <dgm:txPr/>
+    <dgm:style>
+      <a:lnRef idx="2">
+        <a:scrgbClr r="0" g="0" b="0"/>
+      </a:lnRef>
+      <a:fillRef idx="1">
+        <a:scrgbClr r="0" g="0" b="0"/>
+      </a:fillRef>
+      <a:effectRef idx="0">
+        <a:scrgbClr r="0" g="0" b="0"/>
+      </a:effectRef>
+      <a:fontRef idx="minor"/>
+    </dgm:style>
+  </dgm:styleLbl>
+  <dgm:styleLbl name="fgAcc2">
+    <dgm:scene3d>
+      <a:camera prst="orthographicFront"/>
+      <a:lightRig rig="threePt" dir="t"/>
+    </dgm:scene3d>
+    <dgm:sp3d/>
+    <dgm:txPr/>
+    <dgm:style>
+      <a:lnRef idx="2">
+        <a:scrgbClr r="0" g="0" b="0"/>
+      </a:lnRef>
+      <a:fillRef idx="1">
+        <a:scrgbClr r="0" g="0" b="0"/>
+      </a:fillRef>
+      <a:effectRef idx="0">
+        <a:scrgbClr r="0" g="0" b="0"/>
+      </a:effectRef>
+      <a:fontRef idx="minor"/>
+    </dgm:style>
+  </dgm:styleLbl>
+  <dgm:styleLbl name="fgAcc3">
+    <dgm:scene3d>
+      <a:camera prst="orthographicFront"/>
+      <a:lightRig rig="threePt" dir="t"/>
+    </dgm:scene3d>
+    <dgm:sp3d/>
+    <dgm:txPr/>
+    <dgm:style>
+      <a:lnRef idx="2">
+        <a:scrgbClr r="0" g="0" b="0"/>
+      </a:lnRef>
+      <a:fillRef idx="1">
+        <a:scrgbClr r="0" g="0" b="0"/>
+      </a:fillRef>
+      <a:effectRef idx="0">
+        <a:scrgbClr r="0" g="0" b="0"/>
+      </a:effectRef>
+      <a:fontRef idx="minor"/>
+    </dgm:style>
+  </dgm:styleLbl>
+  <dgm:styleLbl name="fgAcc4">
+    <dgm:scene3d>
+      <a:camera prst="orthographicFront"/>
+      <a:lightRig rig="threePt" dir="t"/>
+    </dgm:scene3d>
+    <dgm:sp3d/>
+    <dgm:txPr/>
+    <dgm:style>
+      <a:lnRef idx="2">
+        <a:scrgbClr r="0" g="0" b="0"/>
+      </a:lnRef>
+      <a:fillRef idx="1">
+        <a:scrgbClr r="0" g="0" b="0"/>
+      </a:fillRef>
+      <a:effectRef idx="0">
+        <a:scrgbClr r="0" g="0" b="0"/>
+      </a:effectRef>
+      <a:fontRef idx="minor"/>
+    </dgm:style>
+  </dgm:styleLbl>
+  <dgm:styleLbl name="bgShp">
+    <dgm:scene3d>
+      <a:camera prst="orthographicFront"/>
+      <a:lightRig rig="threePt" dir="t"/>
+    </dgm:scene3d>
+    <dgm:sp3d/>
+    <dgm:txPr/>
+    <dgm:style>
+      <a:lnRef idx="0">
+        <a:scrgbClr r="0" g="0" b="0"/>
+      </a:lnRef>
+      <a:fillRef idx="1">
+        <a:scrgbClr r="0" g="0" b="0"/>
+      </a:fillRef>
+      <a:effectRef idx="0">
+        <a:scrgbClr r="0" g="0" b="0"/>
+      </a:effectRef>
+      <a:fontRef idx="minor"/>
+    </dgm:style>
+  </dgm:styleLbl>
+  <dgm:styleLbl name="dkBgShp">
+    <dgm:scene3d>
+      <a:camera prst="orthographicFront"/>
+      <a:lightRig rig="threePt" dir="t"/>
+    </dgm:scene3d>
+    <dgm:sp3d/>
+    <dgm:txPr/>
+    <dgm:style>
+      <a:lnRef idx="0">
+        <a:scrgbClr r="0" g="0" b="0"/>
+      </a:lnRef>
+      <a:fillRef idx="1">
+        <a:scrgbClr r="0" g="0" b="0"/>
+      </a:fillRef>
+      <a:effectRef idx="0">
+        <a:scrgbClr r="0" g="0" b="0"/>
+      </a:effectRef>
+      <a:fontRef idx="minor"/>
+    </dgm:style>
+  </dgm:styleLbl>
+  <dgm:styleLbl name="trBgShp">
+    <dgm:scene3d>
+      <a:camera prst="orthographicFront"/>
+      <a:lightRig rig="threePt" dir="t"/>
+    </dgm:scene3d>
+    <dgm:sp3d/>
+    <dgm:txPr/>
+    <dgm:style>
+      <a:lnRef idx="0">
+        <a:scrgbClr r="0" g="0" b="0"/>
+      </a:lnRef>
+      <a:fillRef idx="1">
+        <a:scrgbClr r="0" g="0" b="0"/>
+      </a:fillRef>
+      <a:effectRef idx="0">
+        <a:scrgbClr r="0" g="0" b="0"/>
+      </a:effectRef>
+      <a:fontRef idx="minor"/>
+    </dgm:style>
+  </dgm:styleLbl>
+  <dgm:styleLbl name="fgShp">
+    <dgm:scene3d>
+      <a:camera prst="orthographicFront"/>
+      <a:lightRig rig="threePt" dir="t"/>
+    </dgm:scene3d>
+    <dgm:sp3d/>
+    <dgm:txPr/>
+    <dgm:style>
+      <a:lnRef idx="2">
+        <a:scrgbClr r="0" g="0" b="0"/>
+      </a:lnRef>
+      <a:fillRef idx="1">
+        <a:scrgbClr r="0" g="0" b="0"/>
+      </a:fillRef>
+      <a:effectRef idx="0">
+        <a:scrgbClr r="0" g="0" b="0"/>
+      </a:effectRef>
+      <a:fontRef idx="minor"/>
+    </dgm:style>
+  </dgm:styleLbl>
+  <dgm:styleLbl name="revTx">
+    <dgm:scene3d>
+      <a:camera prst="orthographicFront"/>
+      <a:lightRig rig="threePt" dir="t"/>
+    </dgm:scene3d>
+    <dgm:sp3d/>
+    <dgm:txPr/>
+    <dgm:style>
+      <a:lnRef idx="0">
+        <a:scrgbClr r="0" g="0" b="0"/>
+      </a:lnRef>
+      <a:fillRef idx="0">
+        <a:scrgbClr r="0" g="0" b="0"/>
+      </a:fillRef>
+      <a:effectRef idx="0">
+        <a:scrgbClr r="0" g="0" b="0"/>
+      </a:effectRef>
+      <a:fontRef idx="minor"/>
+    </dgm:style>
+  </dgm:styleLbl>
+</dgm:styleDef>
+</file>
+
+<file path=ppt/diagrams/quickStyle2.xml><?xml version="1.0" encoding="utf-8"?>
+<dgm:styleDef xmlns:dgm="http://schemas.openxmlformats.org/drawingml/2006/diagram" xmlns:a="http://schemas.openxmlformats.org/drawingml/2006/main" uniqueId="urn:microsoft.com/office/officeart/2005/8/quickstyle/simple1">
+  <dgm:title val=""/>
+  <dgm:desc val=""/>
+  <dgm:catLst>
+    <dgm:cat type="simple" pri="10100"/>
+  </dgm:catLst>
+  <dgm:scene3d>
+    <a:camera prst="orthographicFront"/>
+    <a:lightRig rig="threePt" dir="t"/>
+  </dgm:scene3d>
+  <dgm:styleLbl name="node0">
+    <dgm:scene3d>
+      <a:camera prst="orthographicFront"/>
+      <a:lightRig rig="threePt" dir="t"/>
+    </dgm:scene3d>
+    <dgm:sp3d/>
+    <dgm:txPr/>
+    <dgm:style>
+      <a:lnRef idx="2">
+        <a:scrgbClr r="0" g="0" b="0"/>
+      </a:lnRef>
+      <a:fillRef idx="1">
+        <a:scrgbClr r="0" g="0" b="0"/>
+      </a:fillRef>
+      <a:effectRef idx="0">
+        <a:scrgbClr r="0" g="0" b="0"/>
+      </a:effectRef>
+      <a:fontRef idx="minor">
+        <a:schemeClr val="lt1"/>
+      </a:fontRef>
+    </dgm:style>
+  </dgm:styleLbl>
+  <dgm:styleLbl name="lnNode1">
+    <dgm:scene3d>
+      <a:camera prst="orthographicFront"/>
+      <a:lightRig rig="threePt" dir="t"/>
+    </dgm:scene3d>
+    <dgm:sp3d/>
+    <dgm:txPr/>
+    <dgm:style>
+      <a:lnRef idx="2">
+        <a:scrgbClr r="0" g="0" b="0"/>
+      </a:lnRef>
+      <a:fillRef idx="1">
+        <a:scrgbClr r="0" g="0" b="0"/>
+      </a:fillRef>
+      <a:effectRef idx="0">
+        <a:scrgbClr r="0" g="0" b="0"/>
+      </a:effectRef>
+      <a:fontRef idx="minor">
+        <a:schemeClr val="lt1"/>
+      </a:fontRef>
+    </dgm:style>
+  </dgm:styleLbl>
+  <dgm:styleLbl name="vennNode1">
+    <dgm:scene3d>
+      <a:camera prst="orthographicFront"/>
+      <a:lightRig rig="threePt" dir="t"/>
+    </dgm:scene3d>
+    <dgm:sp3d/>
+    <dgm:txPr/>
+    <dgm:style>
+      <a:lnRef idx="2">
+        <a:scrgbClr r="0" g="0" b="0"/>
+      </a:lnRef>
+      <a:fillRef idx="1">
+        <a:scrgbClr r="0" g="0" b="0"/>
+      </a:fillRef>
+      <a:effectRef idx="0">
+        <a:scrgbClr r="0" g="0" b="0"/>
+      </a:effectRef>
+      <a:fontRef idx="minor">
+        <a:schemeClr val="tx1"/>
+      </a:fontRef>
+    </dgm:style>
+  </dgm:styleLbl>
+  <dgm:styleLbl name="alignNode1">
+    <dgm:scene3d>
+      <a:camera prst="orthographicFront"/>
+      <a:lightRig rig="threePt" dir="t"/>
+    </dgm:scene3d>
+    <dgm:sp3d/>
+    <dgm:txPr/>
+    <dgm:style>
+      <a:lnRef idx="2">
+        <a:scrgbClr r="0" g="0" b="0"/>
+      </a:lnRef>
+      <a:fillRef idx="1">
+        <a:scrgbClr r="0" g="0" b="0"/>
+      </a:fillRef>
+      <a:effectRef idx="0">
+        <a:scrgbClr r="0" g="0" b="0"/>
+      </a:effectRef>
+      <a:fontRef idx="minor">
+        <a:schemeClr val="lt1"/>
+      </a:fontRef>
+    </dgm:style>
+  </dgm:styleLbl>
+  <dgm:styleLbl name="node1">
+    <dgm:scene3d>
+      <a:camera prst="orthographicFront"/>
+      <a:lightRig rig="threePt" dir="t"/>
+    </dgm:scene3d>
+    <dgm:sp3d/>
+    <dgm:txPr/>
+    <dgm:style>
+      <a:lnRef idx="2">
+        <a:scrgbClr r="0" g="0" b="0"/>
+      </a:lnRef>
+      <a:fillRef idx="1">
+        <a:scrgbClr r="0" g="0" b="0"/>
+      </a:fillRef>
+      <a:effectRef idx="0">
+        <a:scrgbClr r="0" g="0" b="0"/>
+      </a:effectRef>
+      <a:fontRef idx="minor">
+        <a:schemeClr val="lt1"/>
+      </a:fontRef>
+    </dgm:style>
+  </dgm:styleLbl>
+  <dgm:styleLbl name="node2">
+    <dgm:scene3d>
+      <a:camera prst="orthographicFront"/>
+      <a:lightRig rig="threePt" dir="t"/>
+    </dgm:scene3d>
+    <dgm:sp3d/>
+    <dgm:txPr/>
+    <dgm:style>
+      <a:lnRef idx="2">
+        <a:scrgbClr r="0" g="0" b="0"/>
+      </a:lnRef>
+      <a:fillRef idx="1">
+        <a:scrgbClr r="0" g="0" b="0"/>
+      </a:fillRef>
+      <a:effectRef idx="0">
+        <a:scrgbClr r="0" g="0" b="0"/>
+      </a:effectRef>
+      <a:fontRef idx="minor">
+        <a:schemeClr val="lt1"/>
+      </a:fontRef>
+    </dgm:style>
+  </dgm:styleLbl>
+  <dgm:styleLbl name="node3">
+    <dgm:scene3d>
+      <a:camera prst="orthographicFront"/>
+      <a:lightRig rig="threePt" dir="t"/>
+    </dgm:scene3d>
+    <dgm:sp3d/>
+    <dgm:txPr/>
+    <dgm:style>
+      <a:lnRef idx="2">
+        <a:scrgbClr r="0" g="0" b="0"/>
+      </a:lnRef>
+      <a:fillRef idx="1">
+        <a:scrgbClr r="0" g="0" b="0"/>
+      </a:fillRef>
+      <a:effectRef idx="0">
+        <a:scrgbClr r="0" g="0" b="0"/>
+      </a:effectRef>
+      <a:fontRef idx="minor">
+        <a:schemeClr val="lt1"/>
+      </a:fontRef>
+    </dgm:style>
+  </dgm:styleLbl>
+  <dgm:styleLbl name="node4">
+    <dgm:scene3d>
+      <a:camera prst="orthographicFront"/>
+      <a:lightRig rig="threePt" dir="t"/>
+    </dgm:scene3d>
+    <dgm:sp3d/>
+    <dgm:txPr/>
+    <dgm:style>
+      <a:lnRef idx="2">
+        <a:scrgbClr r="0" g="0" b="0"/>
+      </a:lnRef>
+      <a:fillRef idx="1">
+        <a:scrgbClr r="0" g="0" b="0"/>
+      </a:fillRef>
+      <a:effectRef idx="0">
+        <a:scrgbClr r="0" g="0" b="0"/>
+      </a:effectRef>
+      <a:fontRef idx="minor">
+        <a:schemeClr val="lt1"/>
+      </a:fontRef>
+    </dgm:style>
+  </dgm:styleLbl>
+  <dgm:styleLbl name="fgImgPlace1">
+    <dgm:scene3d>
+      <a:camera prst="orthographicFront"/>
+      <a:lightRig rig="threePt" dir="t"/>
+    </dgm:scene3d>
+    <dgm:sp3d/>
+    <dgm:txPr/>
+    <dgm:style>
+      <a:lnRef idx="2">
+        <a:scrgbClr r="0" g="0" b="0"/>
+      </a:lnRef>
+      <a:fillRef idx="1">
+        <a:scrgbClr r="0" g="0" b="0"/>
+      </a:fillRef>
+      <a:effectRef idx="0">
+        <a:scrgbClr r="0" g="0" b="0"/>
+      </a:effectRef>
+      <a:fontRef idx="minor"/>
+    </dgm:style>
+  </dgm:styleLbl>
+  <dgm:styleLbl name="alignImgPlace1">
+    <dgm:scene3d>
+      <a:camera prst="orthographicFront"/>
+      <a:lightRig rig="threePt" dir="t"/>
+    </dgm:scene3d>
+    <dgm:sp3d/>
+    <dgm:txPr/>
+    <dgm:style>
+      <a:lnRef idx="2">
+        <a:scrgbClr r="0" g="0" b="0"/>
+      </a:lnRef>
+      <a:fillRef idx="1">
+        <a:scrgbClr r="0" g="0" b="0"/>
+      </a:fillRef>
+      <a:effectRef idx="0">
+        <a:scrgbClr r="0" g="0" b="0"/>
+      </a:effectRef>
+      <a:fontRef idx="minor"/>
+    </dgm:style>
+  </dgm:styleLbl>
+  <dgm:styleLbl name="bgImgPlace1">
+    <dgm:scene3d>
+      <a:camera prst="orthographicFront"/>
+      <a:lightRig rig="threePt" dir="t"/>
+    </dgm:scene3d>
+    <dgm:sp3d/>
+    <dgm:txPr/>
+    <dgm:style>
+      <a:lnRef idx="2">
+        <a:scrgbClr r="0" g="0" b="0"/>
+      </a:lnRef>
+      <a:fillRef idx="1">
+        <a:scrgbClr r="0" g="0" b="0"/>
+      </a:fillRef>
+      <a:effectRef idx="0">
+        <a:scrgbClr r="0" g="0" b="0"/>
+      </a:effectRef>
+      <a:fontRef idx="minor"/>
+    </dgm:style>
+  </dgm:styleLbl>
+  <dgm:styleLbl name="sibTrans2D1">
+    <dgm:scene3d>
+      <a:camera prst="orthographicFront"/>
+      <a:lightRig rig="threePt" dir="t"/>
+    </dgm:scene3d>
+    <dgm:sp3d/>
+    <dgm:txPr/>
+    <dgm:style>
+      <a:lnRef idx="0">
+        <a:scrgbClr r="0" g="0" b="0"/>
+      </a:lnRef>
+      <a:fillRef idx="1">
+        <a:scrgbClr r="0" g="0" b="0"/>
+      </a:fillRef>
+      <a:effectRef idx="0">
+        <a:scrgbClr r="0" g="0" b="0"/>
+      </a:effectRef>
+      <a:fontRef idx="minor">
+        <a:schemeClr val="lt1"/>
+      </a:fontRef>
+    </dgm:style>
+  </dgm:styleLbl>
+  <dgm:styleLbl name="fgSibTrans2D1">
+    <dgm:scene3d>
+      <a:camera prst="orthographicFront"/>
+      <a:lightRig rig="threePt" dir="t"/>
+    </dgm:scene3d>
+    <dgm:sp3d/>
+    <dgm:txPr/>
+    <dgm:style>
+      <a:lnRef idx="0">
+        <a:scrgbClr r="0" g="0" b="0"/>
+      </a:lnRef>
+      <a:fillRef idx="1">
+        <a:scrgbClr r="0" g="0" b="0"/>
+      </a:fillRef>
+      <a:effectRef idx="0">
+        <a:scrgbClr r="0" g="0" b="0"/>
+      </a:effectRef>
+      <a:fontRef idx="minor">
+        <a:schemeClr val="lt1"/>
+      </a:fontRef>
+    </dgm:style>
+  </dgm:styleLbl>
+  <dgm:styleLbl name="bgSibTrans2D1">
+    <dgm:scene3d>
+      <a:camera prst="orthographicFront"/>
+      <a:lightRig rig="threePt" dir="t"/>
+    </dgm:scene3d>
+    <dgm:sp3d/>
+    <dgm:txPr/>
+    <dgm:style>
+      <a:lnRef idx="0">
+        <a:scrgbClr r="0" g="0" b="0"/>
+      </a:lnRef>
+      <a:fillRef idx="1">
+        <a:scrgbClr r="0" g="0" b="0"/>
+      </a:fillRef>
+      <a:effectRef idx="0">
+        <a:scrgbClr r="0" g="0" b="0"/>
+      </a:effectRef>
+      <a:fontRef idx="minor">
+        <a:schemeClr val="lt1"/>
+      </a:fontRef>
+    </dgm:style>
+  </dgm:styleLbl>
+  <dgm:styleLbl name="sibTrans1D1">
+    <dgm:scene3d>
+      <a:camera prst="orthographicFront"/>
+      <a:lightRig rig="threePt" dir="t"/>
+    </dgm:scene3d>
+    <dgm:sp3d/>
+    <dgm:txPr/>
+    <dgm:style>
+      <a:lnRef idx="1">
+        <a:scrgbClr r="0" g="0" b="0"/>
+      </a:lnRef>
+      <a:fillRef idx="0">
+        <a:scrgbClr r="0" g="0" b="0"/>
+      </a:fillRef>
+      <a:effectRef idx="0">
+        <a:scrgbClr r="0" g="0" b="0"/>
+      </a:effectRef>
+      <a:fontRef idx="minor"/>
+    </dgm:style>
+  </dgm:styleLbl>
+  <dgm:styleLbl name="callout">
+    <dgm:scene3d>
+      <a:camera prst="orthographicFront"/>
+      <a:lightRig rig="threePt" dir="t"/>
+    </dgm:scene3d>
+    <dgm:sp3d/>
+    <dgm:txPr/>
+    <dgm:style>
+      <a:lnRef idx="2">
+        <a:scrgbClr r="0" g="0" b="0"/>
+      </a:lnRef>
+      <a:fillRef idx="1">
+        <a:scrgbClr r="0" g="0" b="0"/>
+      </a:fillRef>
+      <a:effectRef idx="0">
+        <a:scrgbClr r="0" g="0" b="0"/>
+      </a:effectRef>
+      <a:fontRef idx="minor"/>
+    </dgm:style>
+  </dgm:styleLbl>
+  <dgm:styleLbl name="asst0">
+    <dgm:scene3d>
+      <a:camera prst="orthographicFront"/>
+      <a:lightRig rig="threePt" dir="t"/>
+    </dgm:scene3d>
+    <dgm:sp3d/>
+    <dgm:txPr/>
+    <dgm:style>
+      <a:lnRef idx="2">
+        <a:scrgbClr r="0" g="0" b="0"/>
+      </a:lnRef>
+      <a:fillRef idx="1">
+        <a:scrgbClr r="0" g="0" b="0"/>
+      </a:fillRef>
+      <a:effectRef idx="0">
+        <a:scrgbClr r="0" g="0" b="0"/>
+      </a:effectRef>
+      <a:fontRef idx="minor">
+        <a:schemeClr val="lt1"/>
+      </a:fontRef>
+    </dgm:style>
+  </dgm:styleLbl>
+  <dgm:styleLbl name="asst1">
+    <dgm:scene3d>
+      <a:camera prst="orthographicFront"/>
+      <a:lightRig rig="threePt" dir="t"/>
+    </dgm:scene3d>
+    <dgm:sp3d/>
+    <dgm:txPr/>
+    <dgm:style>
+      <a:lnRef idx="2">
+        <a:scrgbClr r="0" g="0" b="0"/>
+      </a:lnRef>
+      <a:fillRef idx="1">
+        <a:scrgbClr r="0" g="0" b="0"/>
+      </a:fillRef>
+      <a:effectRef idx="0">
+        <a:scrgbClr r="0" g="0" b="0"/>
+      </a:effectRef>
+      <a:fontRef idx="minor">
+        <a:schemeClr val="lt1"/>
+      </a:fontRef>
+    </dgm:style>
+  </dgm:styleLbl>
+  <dgm:styleLbl name="asst2">
+    <dgm:scene3d>
+      <a:camera prst="orthographicFront"/>
+      <a:lightRig rig="threePt" dir="t"/>
+    </dgm:scene3d>
+    <dgm:sp3d/>
+    <dgm:txPr/>
+    <dgm:style>
+      <a:lnRef idx="2">
+        <a:scrgbClr r="0" g="0" b="0"/>
+      </a:lnRef>
+      <a:fillRef idx="1">
+        <a:scrgbClr r="0" g="0" b="0"/>
+      </a:fillRef>
+      <a:effectRef idx="0">
+        <a:scrgbClr r="0" g="0" b="0"/>
+      </a:effectRef>
+      <a:fontRef idx="minor">
+        <a:schemeClr val="lt1"/>
+      </a:fontRef>
+    </dgm:style>
+  </dgm:styleLbl>
+  <dgm:styleLbl name="asst3">
+    <dgm:scene3d>
+      <a:camera prst="orthographicFront"/>
+      <a:lightRig rig="threePt" dir="t"/>
+    </dgm:scene3d>
+    <dgm:sp3d/>
+    <dgm:txPr/>
+    <dgm:style>
+      <a:lnRef idx="2">
+        <a:scrgbClr r="0" g="0" b="0"/>
+      </a:lnRef>
+      <a:fillRef idx="1">
+        <a:scrgbClr r="0" g="0" b="0"/>
+      </a:fillRef>
+      <a:effectRef idx="0">
+        <a:scrgbClr r="0" g="0" b="0"/>
+      </a:effectRef>
+      <a:fontRef idx="minor">
+        <a:schemeClr val="lt1"/>
+      </a:fontRef>
+    </dgm:style>
+  </dgm:styleLbl>
+  <dgm:styleLbl name="asst4">
+    <dgm:scene3d>
+      <a:camera prst="orthographicFront"/>
+      <a:lightRig rig="threePt" dir="t"/>
+    </dgm:scene3d>
+    <dgm:sp3d/>
+    <dgm:txPr/>
+    <dgm:style>
+      <a:lnRef idx="2">
+        <a:scrgbClr r="0" g="0" b="0"/>
+      </a:lnRef>
+      <a:fillRef idx="1">
+        <a:scrgbClr r="0" g="0" b="0"/>
+      </a:fillRef>
+      <a:effectRef idx="0">
+        <a:scrgbClr r="0" g="0" b="0"/>
+      </a:effectRef>
+      <a:fontRef idx="minor">
+        <a:schemeClr val="lt1"/>
+      </a:fontRef>
+    </dgm:style>
+  </dgm:styleLbl>
+  <dgm:styleLbl name="parChTrans2D1">
+    <dgm:scene3d>
+      <a:camera prst="orthographicFront"/>
+      <a:lightRig rig="threePt" dir="t"/>
+    </dgm:scene3d>
+    <dgm:sp3d/>
+    <dgm:txPr/>
+    <dgm:style>
+      <a:lnRef idx="2">
+        <a:scrgbClr r="0" g="0" b="0"/>
+      </a:lnRef>
+      <a:fillRef idx="1">
+        <a:scrgbClr r="0" g="0" b="0"/>
+      </a:fillRef>
+      <a:effectRef idx="0">
+        <a:scrgbClr r="0" g="0" b="0"/>
+      </a:effectRef>
+      <a:fontRef idx="minor">
+        <a:schemeClr val="lt1"/>
+      </a:fontRef>
+    </dgm:style>
+  </dgm:styleLbl>
+  <dgm:styleLbl name="parChTrans2D2">
+    <dgm:scene3d>
+      <a:camera prst="orthographicFront"/>
+      <a:lightRig rig="threePt" dir="t"/>
+    </dgm:scene3d>
+    <dgm:sp3d/>
+    <dgm:txPr/>
+    <dgm:style>
+      <a:lnRef idx="2">
+        <a:scrgbClr r="0" g="0" b="0"/>
+      </a:lnRef>
+      <a:fillRef idx="1">
+        <a:scrgbClr r="0" g="0" b="0"/>
+      </a:fillRef>
+      <a:effectRef idx="0">
+        <a:scrgbClr r="0" g="0" b="0"/>
+      </a:effectRef>
+      <a:fontRef idx="minor">
+        <a:schemeClr val="lt1"/>
+      </a:fontRef>
+    </dgm:style>
+  </dgm:styleLbl>
+  <dgm:styleLbl name="parChTrans2D3">
+    <dgm:scene3d>
+      <a:camera prst="orthographicFront"/>
+      <a:lightRig rig="threePt" dir="t"/>
+    </dgm:scene3d>
+    <dgm:sp3d/>
+    <dgm:txPr/>
+    <dgm:style>
+      <a:lnRef idx="2">
+        <a:scrgbClr r="0" g="0" b="0"/>
+      </a:lnRef>
+      <a:fillRef idx="1">
+        <a:scrgbClr r="0" g="0" b="0"/>
+      </a:fillRef>
+      <a:effectRef idx="0">
+        <a:scrgbClr r="0" g="0" b="0"/>
+      </a:effectRef>
+      <a:fontRef idx="minor">
+        <a:schemeClr val="lt1"/>
+      </a:fontRef>
+    </dgm:style>
+  </dgm:styleLbl>
+  <dgm:styleLbl name="parChTrans2D4">
+    <dgm:scene3d>
+      <a:camera prst="orthographicFront"/>
+      <a:lightRig rig="threePt" dir="t"/>
+    </dgm:scene3d>
+    <dgm:sp3d/>
+    <dgm:txPr/>
+    <dgm:style>
+      <a:lnRef idx="2">
+        <a:scrgbClr r="0" g="0" b="0"/>
+      </a:lnRef>
+      <a:fillRef idx="1">
+        <a:scrgbClr r="0" g="0" b="0"/>
+      </a:fillRef>
+      <a:effectRef idx="0">
+        <a:scrgbClr r="0" g="0" b="0"/>
+      </a:effectRef>
+      <a:fontRef idx="minor">
+        <a:schemeClr val="lt1"/>
+      </a:fontRef>
+    </dgm:style>
+  </dgm:styleLbl>
+  <dgm:styleLbl name="parChTrans1D1">
+    <dgm:scene3d>
+      <a:camera prst="orthographicFront"/>
+      <a:lightRig rig="threePt" dir="t"/>
+    </dgm:scene3d>
+    <dgm:sp3d/>
+    <dgm:txPr/>
+    <dgm:style>
+      <a:lnRef idx="2">
+        <a:scrgbClr r="0" g="0" b="0"/>
+      </a:lnRef>
+      <a:fillRef idx="0">
+        <a:scrgbClr r="0" g="0" b="0"/>
+      </a:fillRef>
+      <a:effectRef idx="0">
+        <a:scrgbClr r="0" g="0" b="0"/>
+      </a:effectRef>
+      <a:fontRef idx="minor"/>
+    </dgm:style>
+  </dgm:styleLbl>
+  <dgm:styleLbl name="parChTrans1D2">
+    <dgm:scene3d>
+      <a:camera prst="orthographicFront"/>
+      <a:lightRig rig="threePt" dir="t"/>
+    </dgm:scene3d>
+    <dgm:sp3d/>
+    <dgm:txPr/>
+    <dgm:style>
+      <a:lnRef idx="2">
+        <a:scrgbClr r="0" g="0" b="0"/>
+      </a:lnRef>
+      <a:fillRef idx="0">
+        <a:scrgbClr r="0" g="0" b="0"/>
+      </a:fillRef>
+      <a:effectRef idx="0">
+        <a:scrgbClr r="0" g="0" b="0"/>
+      </a:effectRef>
+      <a:fontRef idx="minor"/>
+    </dgm:style>
+  </dgm:styleLbl>
+  <dgm:styleLbl name="parChTrans1D3">
+    <dgm:scene3d>
+      <a:camera prst="orthographicFront"/>
+      <a:lightRig rig="threePt" dir="t"/>
+    </dgm:scene3d>
+    <dgm:sp3d/>
+    <dgm:txPr/>
+    <dgm:style>
+      <a:lnRef idx="2">
+        <a:scrgbClr r="0" g="0" b="0"/>
+      </a:lnRef>
+      <a:fillRef idx="0">
+        <a:scrgbClr r="0" g="0" b="0"/>
+      </a:fillRef>
+      <a:effectRef idx="0">
+        <a:scrgbClr r="0" g="0" b="0"/>
+      </a:effectRef>
+      <a:fontRef idx="minor"/>
+    </dgm:style>
+  </dgm:styleLbl>
+  <dgm:styleLbl name="parChTrans1D4">
+    <dgm:scene3d>
+      <a:camera prst="orthographicFront"/>
+      <a:lightRig rig="threePt" dir="t"/>
+    </dgm:scene3d>
+    <dgm:sp3d/>
+    <dgm:txPr/>
+    <dgm:style>
+      <a:lnRef idx="2">
+        <a:scrgbClr r="0" g="0" b="0"/>
+      </a:lnRef>
+      <a:fillRef idx="0">
+        <a:scrgbClr r="0" g="0" b="0"/>
+      </a:fillRef>
+      <a:effectRef idx="0">
+        <a:scrgbClr r="0" g="0" b="0"/>
+      </a:effectRef>
+      <a:fontRef idx="minor"/>
+    </dgm:style>
+  </dgm:styleLbl>
+  <dgm:styleLbl name="fgAcc1">
+    <dgm:scene3d>
+      <a:camera prst="orthographicFront"/>
+      <a:lightRig rig="threePt" dir="t"/>
+    </dgm:scene3d>
+    <dgm:sp3d/>
+    <dgm:txPr/>
+    <dgm:style>
+      <a:lnRef idx="2">
+        <a:scrgbClr r="0" g="0" b="0"/>
+      </a:lnRef>
+      <a:fillRef idx="1">
+        <a:scrgbClr r="0" g="0" b="0"/>
+      </a:fillRef>
+      <a:effectRef idx="0">
+        <a:scrgbClr r="0" g="0" b="0"/>
+      </a:effectRef>
+      <a:fontRef idx="minor"/>
+    </dgm:style>
+  </dgm:styleLbl>
+  <dgm:styleLbl name="conFgAcc1">
+    <dgm:scene3d>
+      <a:camera prst="orthographicFront"/>
+      <a:lightRig rig="threePt" dir="t"/>
+    </dgm:scene3d>
+    <dgm:sp3d/>
+    <dgm:txPr/>
+    <dgm:style>
+      <a:lnRef idx="2">
+        <a:scrgbClr r="0" g="0" b="0"/>
+      </a:lnRef>
+      <a:fillRef idx="1">
+        <a:scrgbClr r="0" g="0" b="0"/>
+      </a:fillRef>
+      <a:effectRef idx="0">
+        <a:scrgbClr r="0" g="0" b="0"/>
+      </a:effectRef>
+      <a:fontRef idx="minor"/>
+    </dgm:style>
+  </dgm:styleLbl>
+  <dgm:styleLbl name="alignAcc1">
+    <dgm:scene3d>
+      <a:camera prst="orthographicFront"/>
+      <a:lightRig rig="threePt" dir="t"/>
+    </dgm:scene3d>
+    <dgm:sp3d/>
+    <dgm:txPr/>
+    <dgm:style>
+      <a:lnRef idx="2">
+        <a:scrgbClr r="0" g="0" b="0"/>
+      </a:lnRef>
+      <a:fillRef idx="1">
+        <a:scrgbClr r="0" g="0" b="0"/>
+      </a:fillRef>
+      <a:effectRef idx="0">
+        <a:scrgbClr r="0" g="0" b="0"/>
+      </a:effectRef>
+      <a:fontRef idx="minor"/>
+    </dgm:style>
+  </dgm:styleLbl>
+  <dgm:styleLbl name="trAlignAcc1">
+    <dgm:scene3d>
+      <a:camera prst="orthographicFront"/>
+      <a:lightRig rig="threePt" dir="t"/>
+    </dgm:scene3d>
+    <dgm:sp3d/>
+    <dgm:txPr/>
+    <dgm:style>
+      <a:lnRef idx="1">
+        <a:scrgbClr r="0" g="0" b="0"/>
+      </a:lnRef>
+      <a:fillRef idx="1">
+        <a:scrgbClr r="0" g="0" b="0"/>
+      </a:fillRef>
+      <a:effectRef idx="0">
+        <a:scrgbClr r="0" g="0" b="0"/>
+      </a:effectRef>
+      <a:fontRef idx="minor"/>
+    </dgm:style>
+  </dgm:styleLbl>
+  <dgm:styleLbl name="bgAcc1">
+    <dgm:scene3d>
+      <a:camera prst="orthographicFront"/>
+      <a:lightRig rig="threePt" dir="t"/>
+    </dgm:scene3d>
+    <dgm:sp3d/>
+    <dgm:txPr/>
+    <dgm:style>
+      <a:lnRef idx="2">
+        <a:scrgbClr r="0" g="0" b="0"/>
+      </a:lnRef>
+      <a:fillRef idx="1">
+        <a:scrgbClr r="0" g="0" b="0"/>
+      </a:fillRef>
+      <a:effectRef idx="0">
+        <a:scrgbClr r="0" g="0" b="0"/>
+      </a:effectRef>
+      <a:fontRef idx="minor"/>
+    </dgm:style>
+  </dgm:styleLbl>
+  <dgm:styleLbl name="solidFgAcc1">
+    <dgm:scene3d>
+      <a:camera prst="orthographicFront"/>
+      <a:lightRig rig="threePt" dir="t"/>
+    </dgm:scene3d>
+    <dgm:sp3d/>
+    <dgm:txPr/>
+    <dgm:style>
+      <a:lnRef idx="2">
+        <a:scrgbClr r="0" g="0" b="0"/>
+      </a:lnRef>
+      <a:fillRef idx="1">
+        <a:scrgbClr r="0" g="0" b="0"/>
+      </a:fillRef>
+      <a:effectRef idx="0">
+        <a:scrgbClr r="0" g="0" b="0"/>
+      </a:effectRef>
+      <a:fontRef idx="minor"/>
+    </dgm:style>
+  </dgm:styleLbl>
+  <dgm:styleLbl name="solidAlignAcc1">
+    <dgm:scene3d>
+      <a:camera prst="orthographicFront"/>
+      <a:lightRig rig="threePt" dir="t"/>
+    </dgm:scene3d>
+    <dgm:sp3d/>
+    <dgm:txPr/>
+    <dgm:style>
+      <a:lnRef idx="2">
+        <a:scrgbClr r="0" g="0" b="0"/>
+      </a:lnRef>
+      <a:fillRef idx="1">
+        <a:scrgbClr r="0" g="0" b="0"/>
+      </a:fillRef>
+      <a:effectRef idx="0">
+        <a:scrgbClr r="0" g="0" b="0"/>
+      </a:effectRef>
+      <a:fontRef idx="minor"/>
+    </dgm:style>
+  </dgm:styleLbl>
+  <dgm:styleLbl name="solidBgAcc1">
+    <dgm:scene3d>
+      <a:camera prst="orthographicFront"/>
+      <a:lightRig rig="threePt" dir="t"/>
+    </dgm:scene3d>
+    <dgm:sp3d/>
+    <dgm:txPr/>
+    <dgm:style>
+      <a:lnRef idx="2">
+        <a:scrgbClr r="0" g="0" b="0"/>
+      </a:lnRef>
+      <a:fillRef idx="1">
+        <a:scrgbClr r="0" g="0" b="0"/>
+      </a:fillRef>
+      <a:effectRef idx="0">
+        <a:scrgbClr r="0" g="0" b="0"/>
+      </a:effectRef>
+      <a:fontRef idx="minor"/>
+    </dgm:style>
+  </dgm:styleLbl>
+  <dgm:styleLbl name="fgAccFollowNode1">
+    <dgm:scene3d>
+      <a:camera prst="orthographicFront"/>
+      <a:lightRig rig="threePt" dir="t"/>
+    </dgm:scene3d>
+    <dgm:sp3d/>
+    <dgm:txPr/>
+    <dgm:style>
+      <a:lnRef idx="2">
+        <a:scrgbClr r="0" g="0" b="0"/>
+      </a:lnRef>
+      <a:fillRef idx="1">
+        <a:scrgbClr r="0" g="0" b="0"/>
+      </a:fillRef>
+      <a:effectRef idx="0">
+        <a:scrgbClr r="0" g="0" b="0"/>
+      </a:effectRef>
+      <a:fontRef idx="minor"/>
+    </dgm:style>
+  </dgm:styleLbl>
+  <dgm:styleLbl name="alignAccFollowNode1">
+    <dgm:scene3d>
+      <a:camera prst="orthographicFront"/>
+      <a:lightRig rig="threePt" dir="t"/>
+    </dgm:scene3d>
+    <dgm:sp3d/>
+    <dgm:txPr/>
+    <dgm:style>
+      <a:lnRef idx="2">
+        <a:scrgbClr r="0" g="0" b="0"/>
+      </a:lnRef>
+      <a:fillRef idx="1">
+        <a:scrgbClr r="0" g="0" b="0"/>
+      </a:fillRef>
+      <a:effectRef idx="0">
+        <a:scrgbClr r="0" g="0" b="0"/>
+      </a:effectRef>
+      <a:fontRef idx="minor"/>
+    </dgm:style>
+  </dgm:styleLbl>
+  <dgm:styleLbl name="bgAccFollowNode1">
+    <dgm:scene3d>
+      <a:camera prst="orthographicFront"/>
+      <a:lightRig rig="threePt" dir="t"/>
+    </dgm:scene3d>
+    <dgm:sp3d/>
+    <dgm:txPr/>
+    <dgm:style>
+      <a:lnRef idx="2">
+        <a:scrgbClr r="0" g="0" b="0"/>
+      </a:lnRef>
+      <a:fillRef idx="1">
+        <a:scrgbClr r="0" g="0" b="0"/>
+      </a:fillRef>
+      <a:effectRef idx="0">
+        <a:scrgbClr r="0" g="0" b="0"/>
+      </a:effectRef>
+      <a:fontRef idx="minor"/>
+    </dgm:style>
+  </dgm:styleLbl>
+  <dgm:styleLbl name="fgAcc0">
+    <dgm:scene3d>
+      <a:camera prst="orthographicFront"/>
+      <a:lightRig rig="threePt" dir="t"/>
+    </dgm:scene3d>
+    <dgm:sp3d/>
+    <dgm:txPr/>
+    <dgm:style>
+      <a:lnRef idx="2">
+        <a:scrgbClr r="0" g="0" b="0"/>
+      </a:lnRef>
+      <a:fillRef idx="1">
+        <a:scrgbClr r="0" g="0" b="0"/>
+      </a:fillRef>
+      <a:effectRef idx="0">
+        <a:scrgbClr r="0" g="0" b="0"/>
+      </a:effectRef>
+      <a:fontRef idx="minor"/>
+    </dgm:style>
+  </dgm:styleLbl>
+  <dgm:styleLbl name="fgAcc2">
+    <dgm:scene3d>
+      <a:camera prst="orthographicFront"/>
+      <a:lightRig rig="threePt" dir="t"/>
+    </dgm:scene3d>
+    <dgm:sp3d/>
+    <dgm:txPr/>
+    <dgm:style>
+      <a:lnRef idx="2">
+        <a:scrgbClr r="0" g="0" b="0"/>
+      </a:lnRef>
+      <a:fillRef idx="1">
+        <a:scrgbClr r="0" g="0" b="0"/>
+      </a:fillRef>
+      <a:effectRef idx="0">
+        <a:scrgbClr r="0" g="0" b="0"/>
+      </a:effectRef>
+      <a:fontRef idx="minor"/>
+    </dgm:style>
+  </dgm:styleLbl>
+  <dgm:styleLbl name="fgAcc3">
+    <dgm:scene3d>
+      <a:camera prst="orthographicFront"/>
+      <a:lightRig rig="threePt" dir="t"/>
+    </dgm:scene3d>
+    <dgm:sp3d/>
+    <dgm:txPr/>
+    <dgm:style>
+      <a:lnRef idx="2">
+        <a:scrgbClr r="0" g="0" b="0"/>
+      </a:lnRef>
+      <a:fillRef idx="1">
+        <a:scrgbClr r="0" g="0" b="0"/>
+      </a:fillRef>
+      <a:effectRef idx="0">
+        <a:scrgbClr r="0" g="0" b="0"/>
+      </a:effectRef>
+      <a:fontRef idx="minor"/>
+    </dgm:style>
+  </dgm:styleLbl>
+  <dgm:styleLbl name="fgAcc4">
+    <dgm:scene3d>
+      <a:camera prst="orthographicFront"/>
+      <a:lightRig rig="threePt" dir="t"/>
+    </dgm:scene3d>
+    <dgm:sp3d/>
+    <dgm:txPr/>
+    <dgm:style>
+      <a:lnRef idx="2">
+        <a:scrgbClr r="0" g="0" b="0"/>
+      </a:lnRef>
+      <a:fillRef idx="1">
+        <a:scrgbClr r="0" g="0" b="0"/>
+      </a:fillRef>
+      <a:effectRef idx="0">
+        <a:scrgbClr r="0" g="0" b="0"/>
+      </a:effectRef>
+      <a:fontRef idx="minor"/>
+    </dgm:style>
+  </dgm:styleLbl>
+  <dgm:styleLbl name="bgShp">
+    <dgm:scene3d>
+      <a:camera prst="orthographicFront"/>
+      <a:lightRig rig="threePt" dir="t"/>
+    </dgm:scene3d>
+    <dgm:sp3d/>
+    <dgm:txPr/>
+    <dgm:style>
+      <a:lnRef idx="0">
+        <a:scrgbClr r="0" g="0" b="0"/>
+      </a:lnRef>
+      <a:fillRef idx="1">
+        <a:scrgbClr r="0" g="0" b="0"/>
+      </a:fillRef>
+      <a:effectRef idx="0">
+        <a:scrgbClr r="0" g="0" b="0"/>
+      </a:effectRef>
+      <a:fontRef idx="minor"/>
+    </dgm:style>
+  </dgm:styleLbl>
+  <dgm:styleLbl name="dkBgShp">
+    <dgm:scene3d>
+      <a:camera prst="orthographicFront"/>
+      <a:lightRig rig="threePt" dir="t"/>
+    </dgm:scene3d>
+    <dgm:sp3d/>
+    <dgm:txPr/>
+    <dgm:style>
+      <a:lnRef idx="0">
+        <a:scrgbClr r="0" g="0" b="0"/>
+      </a:lnRef>
+      <a:fillRef idx="1">
+        <a:scrgbClr r="0" g="0" b="0"/>
+      </a:fillRef>
+      <a:effectRef idx="0">
+        <a:scrgbClr r="0" g="0" b="0"/>
+      </a:effectRef>
+      <a:fontRef idx="minor"/>
+    </dgm:style>
+  </dgm:styleLbl>
+  <dgm:styleLbl name="trBgShp">
+    <dgm:scene3d>
+      <a:camera prst="orthographicFront"/>
+      <a:lightRig rig="threePt" dir="t"/>
+    </dgm:scene3d>
+    <dgm:sp3d/>
+    <dgm:txPr/>
+    <dgm:style>
+      <a:lnRef idx="0">
+        <a:scrgbClr r="0" g="0" b="0"/>
+      </a:lnRef>
+      <a:fillRef idx="1">
+        <a:scrgbClr r="0" g="0" b="0"/>
+      </a:fillRef>
+      <a:effectRef idx="0">
+        <a:scrgbClr r="0" g="0" b="0"/>
+      </a:effectRef>
+      <a:fontRef idx="minor"/>
+    </dgm:style>
+  </dgm:styleLbl>
+  <dgm:styleLbl name="fgShp">
+    <dgm:scene3d>
+      <a:camera prst="orthographicFront"/>
+      <a:lightRig rig="threePt" dir="t"/>
+    </dgm:scene3d>
+    <dgm:sp3d/>
+    <dgm:txPr/>
+    <dgm:style>
+      <a:lnRef idx="2">
+        <a:scrgbClr r="0" g="0" b="0"/>
+      </a:lnRef>
+      <a:fillRef idx="1">
+        <a:scrgbClr r="0" g="0" b="0"/>
+      </a:fillRef>
+      <a:effectRef idx="0">
+        <a:scrgbClr r="0" g="0" b="0"/>
+      </a:effectRef>
+      <a:fontRef idx="minor"/>
+    </dgm:style>
+  </dgm:styleLbl>
+  <dgm:styleLbl name="revTx">
+    <dgm:scene3d>
+      <a:camera prst="orthographicFront"/>
+      <a:lightRig rig="threePt" dir="t"/>
+    </dgm:scene3d>
+    <dgm:sp3d/>
+    <dgm:txPr/>
+    <dgm:style>
+      <a:lnRef idx="0">
+        <a:scrgbClr r="0" g="0" b="0"/>
+      </a:lnRef>
+      <a:fillRef idx="0">
+        <a:scrgbClr r="0" g="0" b="0"/>
+      </a:fillRef>
+      <a:effectRef idx="0">
+        <a:scrgbClr r="0" g="0" b="0"/>
+      </a:effectRef>
+      <a:fontRef idx="minor"/>
+    </dgm:style>
+  </dgm:styleLbl>
+</dgm:styleDef>
+</file>
+
+<file path=ppt/diagrams/quickStyle3.xml><?xml version="1.0" encoding="utf-8"?>
 <dgm:styleDef xmlns:dgm="http://schemas.openxmlformats.org/drawingml/2006/diagram" xmlns:a="http://schemas.openxmlformats.org/drawingml/2006/main" uniqueId="urn:microsoft.com/office/officeart/2005/8/quickstyle/simple1">
   <dgm:title val=""/>
   <dgm:desc val=""/>
@@ -5941,7 +12221,7 @@
           <a:p>
             <a:fld id="{E14EA6B6-151A-41D7-9AC0-C8BE771B4DF6}" type="datetimeFigureOut">
               <a:rPr lang="it-IT" smtClean="0"/>
-              <a:t>06/04/2024</a:t>
+              <a:t>07/04/2024</a:t>
             </a:fld>
             <a:endParaRPr lang="it-IT"/>
           </a:p>
@@ -6450,6 +12730,120 @@
 </p:notes>
 </file>
 
+<file path=ppt/notesSlides/notesSlide3.xml><?xml version="1.0" encoding="utf-8"?>
+<p:notes xmlns:a="http://schemas.openxmlformats.org/drawingml/2006/main" xmlns:r="http://schemas.openxmlformats.org/officeDocument/2006/relationships" xmlns:p="http://schemas.openxmlformats.org/presentationml/2006/main">
+  <p:cSld>
+    <p:spTree>
+      <p:nvGrpSpPr>
+        <p:cNvPr id="1" name=""/>
+        <p:cNvGrpSpPr/>
+        <p:nvPr/>
+      </p:nvGrpSpPr>
+      <p:grpSpPr>
+        <a:xfrm>
+          <a:off x="0" y="0"/>
+          <a:ext cx="0" cy="0"/>
+          <a:chOff x="0" y="0"/>
+          <a:chExt cx="0" cy="0"/>
+        </a:xfrm>
+      </p:grpSpPr>
+      <p:sp>
+        <p:nvSpPr>
+          <p:cNvPr id="2" name="Slide Image Placeholder 1"/>
+          <p:cNvSpPr>
+            <a:spLocks noGrp="1" noRot="1" noChangeAspect="1"/>
+          </p:cNvSpPr>
+          <p:nvPr>
+            <p:ph type="sldImg"/>
+          </p:nvPr>
+        </p:nvSpPr>
+        <p:spPr/>
+      </p:sp>
+      <p:sp>
+        <p:nvSpPr>
+          <p:cNvPr id="3" name="Notes Placeholder 2"/>
+          <p:cNvSpPr>
+            <a:spLocks noGrp="1"/>
+          </p:cNvSpPr>
+          <p:nvPr>
+            <p:ph type="body" idx="1"/>
+          </p:nvPr>
+        </p:nvSpPr>
+        <p:spPr/>
+        <p:txBody>
+          <a:bodyPr/>
+          <a:lstStyle/>
+          <a:p>
+            <a:r>
+              <a:rPr lang="en-US" dirty="0"/>
+              <a:t>Checklist:</a:t>
+            </a:r>
+          </a:p>
+          <a:p>
+            <a:pPr marL="171450" indent="-171450">
+              <a:buFontTx/>
+              <a:buChar char="-"/>
+            </a:pPr>
+            <a:r>
+              <a:rPr lang="en-US" dirty="0"/>
+              <a:t>K8s Connection</a:t>
+            </a:r>
+          </a:p>
+          <a:p>
+            <a:pPr marL="171450" indent="-171450">
+              <a:buFontTx/>
+              <a:buChar char="-"/>
+            </a:pPr>
+            <a:r>
+              <a:rPr lang="en-US" dirty="0"/>
+              <a:t>Mongo + OAI connections</a:t>
+            </a:r>
+          </a:p>
+          <a:p>
+            <a:pPr marL="171450" indent="-171450">
+              <a:buFontTx/>
+              <a:buChar char="-"/>
+            </a:pPr>
+            <a:endParaRPr lang="it-IT" dirty="0"/>
+          </a:p>
+        </p:txBody>
+      </p:sp>
+      <p:sp>
+        <p:nvSpPr>
+          <p:cNvPr id="4" name="Slide Number Placeholder 3"/>
+          <p:cNvSpPr>
+            <a:spLocks noGrp="1"/>
+          </p:cNvSpPr>
+          <p:nvPr>
+            <p:ph type="sldNum" sz="quarter" idx="5"/>
+          </p:nvPr>
+        </p:nvSpPr>
+        <p:spPr/>
+        <p:txBody>
+          <a:bodyPr/>
+          <a:lstStyle/>
+          <a:p>
+            <a:fld id="{A76232B0-5D83-4271-9B74-2B4F24751AD9}" type="slidenum">
+              <a:rPr lang="it-IT" smtClean="0"/>
+              <a:t>12</a:t>
+            </a:fld>
+            <a:endParaRPr lang="it-IT"/>
+          </a:p>
+        </p:txBody>
+      </p:sp>
+    </p:spTree>
+    <p:extLst>
+      <p:ext uri="{BB962C8B-B14F-4D97-AF65-F5344CB8AC3E}">
+        <p14:creationId xmlns:p14="http://schemas.microsoft.com/office/powerpoint/2010/main" val="118455745"/>
+      </p:ext>
+    </p:extLst>
+  </p:cSld>
+  <p:clrMapOvr>
+    <a:masterClrMapping/>
+  </p:clrMapOvr>
+</p:notes>
+</file>
+
 <file path=ppt/slideLayouts/slideLayout1.xml><?xml version="1.0" encoding="utf-8"?>
 <p:sldLayout xmlns:a="http://schemas.openxmlformats.org/drawingml/2006/main" xmlns:r="http://schemas.openxmlformats.org/officeDocument/2006/relationships" xmlns:p="http://schemas.openxmlformats.org/presentationml/2006/main" type="title" preserve="1">
   <p:cSld name="Title Slide">
@@ -6599,7 +12993,7 @@
           <a:p>
             <a:fld id="{7AA301FD-72EB-472C-9E10-08447577E239}" type="datetimeFigureOut">
               <a:rPr lang="it-IT" smtClean="0"/>
-              <a:t>06/04/2024</a:t>
+              <a:t>07/04/2024</a:t>
             </a:fld>
             <a:endParaRPr lang="it-IT"/>
           </a:p>
@@ -6799,7 +13193,7 @@
           <a:p>
             <a:fld id="{7AA301FD-72EB-472C-9E10-08447577E239}" type="datetimeFigureOut">
               <a:rPr lang="it-IT" smtClean="0"/>
-              <a:t>06/04/2024</a:t>
+              <a:t>07/04/2024</a:t>
             </a:fld>
             <a:endParaRPr lang="it-IT"/>
           </a:p>
@@ -7009,7 +13403,7 @@
           <a:p>
             <a:fld id="{7AA301FD-72EB-472C-9E10-08447577E239}" type="datetimeFigureOut">
               <a:rPr lang="it-IT" smtClean="0"/>
-              <a:t>06/04/2024</a:t>
+              <a:t>07/04/2024</a:t>
             </a:fld>
             <a:endParaRPr lang="it-IT"/>
           </a:p>
@@ -7422,7 +13816,7 @@
             <a:fld id="{8BEEBAAA-29B5-4AF5-BC5F-7E580C29002D}" type="datetimeFigureOut">
               <a:rPr lang="en-US" smtClean="0"/>
               <a:pPr/>
-              <a:t>4/6/2024</a:t>
+              <a:t>4/7/2024</a:t>
             </a:fld>
             <a:endParaRPr lang="en-US" dirty="0"/>
           </a:p>
@@ -7649,7 +14043,7 @@
           <a:p>
             <a:fld id="{7AA301FD-72EB-472C-9E10-08447577E239}" type="datetimeFigureOut">
               <a:rPr lang="it-IT" smtClean="0"/>
-              <a:t>06/04/2024</a:t>
+              <a:t>07/04/2024</a:t>
             </a:fld>
             <a:endParaRPr lang="it-IT"/>
           </a:p>
@@ -7925,7 +14319,7 @@
           <a:p>
             <a:fld id="{7AA301FD-72EB-472C-9E10-08447577E239}" type="datetimeFigureOut">
               <a:rPr lang="it-IT" smtClean="0"/>
-              <a:t>06/04/2024</a:t>
+              <a:t>07/04/2024</a:t>
             </a:fld>
             <a:endParaRPr lang="it-IT"/>
           </a:p>
@@ -8193,7 +14587,7 @@
           <a:p>
             <a:fld id="{7AA301FD-72EB-472C-9E10-08447577E239}" type="datetimeFigureOut">
               <a:rPr lang="it-IT" smtClean="0"/>
-              <a:t>06/04/2024</a:t>
+              <a:t>07/04/2024</a:t>
             </a:fld>
             <a:endParaRPr lang="it-IT"/>
           </a:p>
@@ -8608,7 +15002,7 @@
           <a:p>
             <a:fld id="{7AA301FD-72EB-472C-9E10-08447577E239}" type="datetimeFigureOut">
               <a:rPr lang="it-IT" smtClean="0"/>
-              <a:t>06/04/2024</a:t>
+              <a:t>07/04/2024</a:t>
             </a:fld>
             <a:endParaRPr lang="it-IT"/>
           </a:p>
@@ -8750,7 +15144,7 @@
           <a:p>
             <a:fld id="{7AA301FD-72EB-472C-9E10-08447577E239}" type="datetimeFigureOut">
               <a:rPr lang="it-IT" smtClean="0"/>
-              <a:t>06/04/2024</a:t>
+              <a:t>07/04/2024</a:t>
             </a:fld>
             <a:endParaRPr lang="it-IT"/>
           </a:p>
@@ -8863,7 +15257,7 @@
           <a:p>
             <a:fld id="{7AA301FD-72EB-472C-9E10-08447577E239}" type="datetimeFigureOut">
               <a:rPr lang="it-IT" smtClean="0"/>
-              <a:t>06/04/2024</a:t>
+              <a:t>07/04/2024</a:t>
             </a:fld>
             <a:endParaRPr lang="it-IT"/>
           </a:p>
@@ -9176,7 +15570,7 @@
           <a:p>
             <a:fld id="{7AA301FD-72EB-472C-9E10-08447577E239}" type="datetimeFigureOut">
               <a:rPr lang="it-IT" smtClean="0"/>
-              <a:t>06/04/2024</a:t>
+              <a:t>07/04/2024</a:t>
             </a:fld>
             <a:endParaRPr lang="it-IT"/>
           </a:p>
@@ -9465,7 +15859,7 @@
           <a:p>
             <a:fld id="{7AA301FD-72EB-472C-9E10-08447577E239}" type="datetimeFigureOut">
               <a:rPr lang="it-IT" smtClean="0"/>
-              <a:t>06/04/2024</a:t>
+              <a:t>07/04/2024</a:t>
             </a:fld>
             <a:endParaRPr lang="it-IT"/>
           </a:p>
@@ -9708,7 +16102,7 @@
           <a:p>
             <a:fld id="{7AA301FD-72EB-472C-9E10-08447577E239}" type="datetimeFigureOut">
               <a:rPr lang="it-IT" smtClean="0"/>
-              <a:t>06/04/2024</a:t>
+              <a:t>07/04/2024</a:t>
             </a:fld>
             <a:endParaRPr lang="it-IT"/>
           </a:p>
@@ -11499,6 +17893,96 @@
           <p:cNvPr id="2" name="Title 1">
             <a:extLst>
               <a:ext uri="{FF2B5EF4-FFF2-40B4-BE49-F238E27FC236}">
+                <a16:creationId xmlns:a16="http://schemas.microsoft.com/office/drawing/2014/main" id="{4B7CF9AE-897D-7D6D-0830-11E6BB1E44EE}"/>
+              </a:ext>
+            </a:extLst>
+          </p:cNvPr>
+          <p:cNvSpPr>
+            <a:spLocks noGrp="1"/>
+          </p:cNvSpPr>
+          <p:nvPr>
+            <p:ph type="title"/>
+          </p:nvPr>
+        </p:nvSpPr>
+        <p:spPr/>
+        <p:txBody>
+          <a:bodyPr/>
+          <a:lstStyle/>
+          <a:p>
+            <a:r>
+              <a:rPr lang="en-US" dirty="0"/>
+              <a:t>From K8s to Azure Container Apps</a:t>
+            </a:r>
+            <a:endParaRPr lang="it-IT" dirty="0"/>
+          </a:p>
+        </p:txBody>
+      </p:sp>
+      <p:graphicFrame>
+        <p:nvGraphicFramePr>
+          <p:cNvPr id="4" name="Content Placeholder 3">
+            <a:extLst>
+              <a:ext uri="{FF2B5EF4-FFF2-40B4-BE49-F238E27FC236}">
+                <a16:creationId xmlns:a16="http://schemas.microsoft.com/office/drawing/2014/main" id="{77F8FD66-8A9B-DB8C-88A6-B3A4C7168EE2}"/>
+              </a:ext>
+            </a:extLst>
+          </p:cNvPr>
+          <p:cNvGraphicFramePr>
+            <a:graphicFrameLocks noGrp="1"/>
+          </p:cNvGraphicFramePr>
+          <p:nvPr>
+            <p:ph idx="1"/>
+            <p:extLst>
+              <p:ext uri="{D42A27DB-BD31-4B8C-83A1-F6EECF244321}">
+                <p14:modId xmlns:p14="http://schemas.microsoft.com/office/powerpoint/2010/main" val="727496526"/>
+              </p:ext>
+            </p:extLst>
+          </p:nvPr>
+        </p:nvGraphicFramePr>
+        <p:xfrm>
+          <a:off x="838200" y="1825625"/>
+          <a:ext cx="10515600" cy="4351338"/>
+        </p:xfrm>
+        <a:graphic>
+          <a:graphicData uri="http://schemas.openxmlformats.org/drawingml/2006/diagram">
+            <dgm:relIds xmlns:dgm="http://schemas.openxmlformats.org/drawingml/2006/diagram" xmlns:r="http://schemas.openxmlformats.org/officeDocument/2006/relationships" r:dm="rId2" r:lo="rId3" r:qs="rId4" r:cs="rId5"/>
+          </a:graphicData>
+        </a:graphic>
+      </p:graphicFrame>
+    </p:spTree>
+    <p:extLst>
+      <p:ext uri="{BB962C8B-B14F-4D97-AF65-F5344CB8AC3E}">
+        <p14:creationId xmlns:p14="http://schemas.microsoft.com/office/powerpoint/2010/main" val="358514553"/>
+      </p:ext>
+    </p:extLst>
+  </p:cSld>
+  <p:clrMapOvr>
+    <a:masterClrMapping/>
+  </p:clrMapOvr>
+</p:sld>
+</file>
+
+<file path=ppt/slides/slide12.xml><?xml version="1.0" encoding="utf-8"?>
+<p:sld xmlns:a="http://schemas.openxmlformats.org/drawingml/2006/main" xmlns:r="http://schemas.openxmlformats.org/officeDocument/2006/relationships" xmlns:p="http://schemas.openxmlformats.org/presentationml/2006/main">
+  <p:cSld>
+    <p:spTree>
+      <p:nvGrpSpPr>
+        <p:cNvPr id="1" name=""/>
+        <p:cNvGrpSpPr/>
+        <p:nvPr/>
+      </p:nvGrpSpPr>
+      <p:grpSpPr>
+        <a:xfrm>
+          <a:off x="0" y="0"/>
+          <a:ext cx="0" cy="0"/>
+          <a:chOff x="0" y="0"/>
+          <a:chExt cx="0" cy="0"/>
+        </a:xfrm>
+      </p:grpSpPr>
+      <p:sp>
+        <p:nvSpPr>
+          <p:cNvPr id="2" name="Title 1">
+            <a:extLst>
+              <a:ext uri="{FF2B5EF4-FFF2-40B4-BE49-F238E27FC236}">
                 <a16:creationId xmlns:a16="http://schemas.microsoft.com/office/drawing/2014/main" id="{A8814844-0011-AE1E-BDA3-AFC3F3E0A048}"/>
               </a:ext>
             </a:extLst>
@@ -11563,7 +18047,92 @@
 </p:sld>
 </file>
 
-<file path=ppt/slides/slide12.xml><?xml version="1.0" encoding="utf-8"?>
+<file path=ppt/slides/slide13.xml><?xml version="1.0" encoding="utf-8"?>
+<p:sld xmlns:a="http://schemas.openxmlformats.org/drawingml/2006/main" xmlns:r="http://schemas.openxmlformats.org/officeDocument/2006/relationships" xmlns:p="http://schemas.openxmlformats.org/presentationml/2006/main">
+  <p:cSld>
+    <p:spTree>
+      <p:nvGrpSpPr>
+        <p:cNvPr id="1" name=""/>
+        <p:cNvGrpSpPr/>
+        <p:nvPr/>
+      </p:nvGrpSpPr>
+      <p:grpSpPr>
+        <a:xfrm>
+          <a:off x="0" y="0"/>
+          <a:ext cx="0" cy="0"/>
+          <a:chOff x="0" y="0"/>
+          <a:chExt cx="0" cy="0"/>
+        </a:xfrm>
+      </p:grpSpPr>
+      <p:sp>
+        <p:nvSpPr>
+          <p:cNvPr id="2" name="Title 1">
+            <a:extLst>
+              <a:ext uri="{FF2B5EF4-FFF2-40B4-BE49-F238E27FC236}">
+                <a16:creationId xmlns:a16="http://schemas.microsoft.com/office/drawing/2014/main" id="{4B7CF9AE-897D-7D6D-0830-11E6BB1E44EE}"/>
+              </a:ext>
+            </a:extLst>
+          </p:cNvPr>
+          <p:cNvSpPr>
+            <a:spLocks noGrp="1"/>
+          </p:cNvSpPr>
+          <p:nvPr>
+            <p:ph type="title"/>
+          </p:nvPr>
+        </p:nvSpPr>
+        <p:spPr/>
+        <p:txBody>
+          <a:bodyPr/>
+          <a:lstStyle/>
+          <a:p>
+            <a:r>
+              <a:rPr lang="en-US" dirty="0"/>
+              <a:t>From K8s to Azure Container Apps</a:t>
+            </a:r>
+            <a:endParaRPr lang="it-IT" dirty="0"/>
+          </a:p>
+        </p:txBody>
+      </p:sp>
+      <p:graphicFrame>
+        <p:nvGraphicFramePr>
+          <p:cNvPr id="4" name="Content Placeholder 3">
+            <a:extLst>
+              <a:ext uri="{FF2B5EF4-FFF2-40B4-BE49-F238E27FC236}">
+                <a16:creationId xmlns:a16="http://schemas.microsoft.com/office/drawing/2014/main" id="{77F8FD66-8A9B-DB8C-88A6-B3A4C7168EE2}"/>
+              </a:ext>
+            </a:extLst>
+          </p:cNvPr>
+          <p:cNvGraphicFramePr>
+            <a:graphicFrameLocks noGrp="1"/>
+          </p:cNvGraphicFramePr>
+          <p:nvPr>
+            <p:ph idx="1"/>
+          </p:nvPr>
+        </p:nvGraphicFramePr>
+        <p:xfrm>
+          <a:off x="838200" y="1825625"/>
+          <a:ext cx="10515600" cy="4351338"/>
+        </p:xfrm>
+        <a:graphic>
+          <a:graphicData uri="http://schemas.openxmlformats.org/drawingml/2006/diagram">
+            <dgm:relIds xmlns:dgm="http://schemas.openxmlformats.org/drawingml/2006/diagram" xmlns:r="http://schemas.openxmlformats.org/officeDocument/2006/relationships" r:dm="rId2" r:lo="rId3" r:qs="rId4" r:cs="rId5"/>
+          </a:graphicData>
+        </a:graphic>
+      </p:graphicFrame>
+    </p:spTree>
+    <p:extLst>
+      <p:ext uri="{BB962C8B-B14F-4D97-AF65-F5344CB8AC3E}">
+        <p14:creationId xmlns:p14="http://schemas.microsoft.com/office/powerpoint/2010/main" val="2279320297"/>
+      </p:ext>
+    </p:extLst>
+  </p:cSld>
+  <p:clrMapOvr>
+    <a:masterClrMapping/>
+  </p:clrMapOvr>
+</p:sld>
+</file>
+
+<file path=ppt/slides/slide14.xml><?xml version="1.0" encoding="utf-8"?>
 <p:sld xmlns:a="http://schemas.openxmlformats.org/drawingml/2006/main" xmlns:r="http://schemas.openxmlformats.org/officeDocument/2006/relationships" xmlns:p="http://schemas.openxmlformats.org/presentationml/2006/main">
   <p:cSld>
     <p:spTree>
@@ -11676,9 +18245,17 @@
 </p:sld>
 </file>
 
-<file path=ppt/slides/slide13.xml><?xml version="1.0" encoding="utf-8"?>
+<file path=ppt/slides/slide15.xml><?xml version="1.0" encoding="utf-8"?>
 <p:sld xmlns:a="http://schemas.openxmlformats.org/drawingml/2006/main" xmlns:r="http://schemas.openxmlformats.org/officeDocument/2006/relationships" xmlns:p="http://schemas.openxmlformats.org/presentationml/2006/main">
   <p:cSld>
+    <p:bg>
+      <p:bgPr>
+        <a:solidFill>
+          <a:schemeClr val="bg1"/>
+        </a:solidFill>
+        <a:effectLst/>
+      </p:bgPr>
+    </p:bg>
     <p:spTree>
       <p:nvGrpSpPr>
         <p:cNvPr id="1" name=""/>
@@ -11693,6 +18270,66 @@
           <a:chExt cx="0" cy="0"/>
         </a:xfrm>
       </p:grpSpPr>
+      <p:sp useBgFill="1">
+        <p:nvSpPr>
+          <p:cNvPr id="29" name="Rectangle 28">
+            <a:extLst>
+              <a:ext uri="{FF2B5EF4-FFF2-40B4-BE49-F238E27FC236}">
+                <a16:creationId xmlns:a16="http://schemas.microsoft.com/office/drawing/2014/main" id="{0A597D97-203B-498B-95D3-E90DC961039F}"/>
+              </a:ext>
+              <a:ext uri="{C183D7F6-B498-43B3-948B-1728B52AA6E4}">
+                <adec:decorative xmlns:adec="http://schemas.microsoft.com/office/drawing/2017/decorative" val="1"/>
+              </a:ext>
+            </a:extLst>
+          </p:cNvPr>
+          <p:cNvSpPr>
+            <a:spLocks noGrp="1" noRot="1" noChangeAspect="1" noMove="1" noResize="1" noEditPoints="1" noAdjustHandles="1" noChangeArrowheads="1" noChangeShapeType="1" noTextEdit="1"/>
+          </p:cNvSpPr>
+          <p:nvPr>
+            <p:extLst>
+              <p:ext uri="{386F3935-93C4-4BCD-93E2-E3B085C9AB24}">
+                <p16:designElem xmlns:p16="http://schemas.microsoft.com/office/powerpoint/2015/main" val="1"/>
+              </p:ext>
+            </p:extLst>
+          </p:nvPr>
+        </p:nvSpPr>
+        <p:spPr>
+          <a:xfrm>
+            <a:off x="0" y="0"/>
+            <a:ext cx="12188952" cy="6858000"/>
+          </a:xfrm>
+          <a:prstGeom prst="rect">
+            <a:avLst/>
+          </a:prstGeom>
+          <a:ln>
+            <a:noFill/>
+          </a:ln>
+        </p:spPr>
+        <p:style>
+          <a:lnRef idx="2">
+            <a:schemeClr val="accent1">
+              <a:shade val="50000"/>
+            </a:schemeClr>
+          </a:lnRef>
+          <a:fillRef idx="1">
+            <a:schemeClr val="accent1"/>
+          </a:fillRef>
+          <a:effectRef idx="0">
+            <a:schemeClr val="accent1"/>
+          </a:effectRef>
+          <a:fontRef idx="minor">
+            <a:schemeClr val="lt1"/>
+          </a:fontRef>
+        </p:style>
+        <p:txBody>
+          <a:bodyPr rtlCol="0" anchor="ctr"/>
+          <a:lstStyle/>
+          <a:p>
+            <a:pPr algn="ctr"/>
+            <a:endParaRPr lang="en-US"/>
+          </a:p>
+        </p:txBody>
+      </p:sp>
       <p:pic>
         <p:nvPicPr>
           <p:cNvPr id="6" name="Picture 5" descr="A blue background with white text&#10;&#10;Description automatically generated">
@@ -11763,6 +18400,1031 @@
           </a:prstGeom>
         </p:spPr>
       </p:pic>
+      <p:sp useBgFill="1">
+        <p:nvSpPr>
+          <p:cNvPr id="31" name="Freeform: Shape 30">
+            <a:extLst>
+              <a:ext uri="{FF2B5EF4-FFF2-40B4-BE49-F238E27FC236}">
+                <a16:creationId xmlns:a16="http://schemas.microsoft.com/office/drawing/2014/main" id="{6A6EF10E-DF41-4BD3-8EB4-6F646531DC26}"/>
+              </a:ext>
+              <a:ext uri="{C183D7F6-B498-43B3-948B-1728B52AA6E4}">
+                <adec:decorative xmlns:adec="http://schemas.microsoft.com/office/drawing/2017/decorative" val="1"/>
+              </a:ext>
+            </a:extLst>
+          </p:cNvPr>
+          <p:cNvSpPr>
+            <a:spLocks noGrp="1" noRot="1" noChangeAspect="1" noMove="1" noResize="1" noEditPoints="1" noAdjustHandles="1" noChangeArrowheads="1" noChangeShapeType="1" noTextEdit="1"/>
+          </p:cNvSpPr>
+          <p:nvPr>
+            <p:extLst>
+              <p:ext uri="{386F3935-93C4-4BCD-93E2-E3B085C9AB24}">
+                <p16:designElem xmlns:p16="http://schemas.microsoft.com/office/powerpoint/2015/main" val="1"/>
+              </p:ext>
+            </p:extLst>
+          </p:nvPr>
+        </p:nvSpPr>
+        <p:spPr>
+          <a:xfrm>
+            <a:off x="0" y="0"/>
+            <a:ext cx="6244272" cy="6858000"/>
+          </a:xfrm>
+          <a:custGeom>
+            <a:avLst/>
+            <a:gdLst>
+              <a:gd name="connsiteX0" fmla="*/ 0 w 6244272"/>
+              <a:gd name="connsiteY0" fmla="*/ 0 h 6858000"/>
+              <a:gd name="connsiteX1" fmla="*/ 732568 w 6244272"/>
+              <a:gd name="connsiteY1" fmla="*/ 0 h 6858000"/>
+              <a:gd name="connsiteX2" fmla="*/ 947849 w 6244272"/>
+              <a:gd name="connsiteY2" fmla="*/ 0 h 6858000"/>
+              <a:gd name="connsiteX3" fmla="*/ 1823619 w 6244272"/>
+              <a:gd name="connsiteY3" fmla="*/ 0 h 6858000"/>
+              <a:gd name="connsiteX4" fmla="*/ 5235673 w 6244272"/>
+              <a:gd name="connsiteY4" fmla="*/ 0 h 6858000"/>
+              <a:gd name="connsiteX5" fmla="*/ 4933297 w 6244272"/>
+              <a:gd name="connsiteY5" fmla="*/ 110269 h 6858000"/>
+              <a:gd name="connsiteX6" fmla="*/ 4976910 w 6244272"/>
+              <a:gd name="connsiteY6" fmla="*/ 135168 h 6858000"/>
+              <a:gd name="connsiteX7" fmla="*/ 5238580 w 6244272"/>
+              <a:gd name="connsiteY7" fmla="*/ 71141 h 6858000"/>
+              <a:gd name="connsiteX8" fmla="*/ 5290914 w 6244272"/>
+              <a:gd name="connsiteY8" fmla="*/ 88927 h 6858000"/>
+              <a:gd name="connsiteX9" fmla="*/ 5264747 w 6244272"/>
+              <a:gd name="connsiteY9" fmla="*/ 163625 h 6858000"/>
+              <a:gd name="connsiteX10" fmla="*/ 5151357 w 6244272"/>
+              <a:gd name="connsiteY10" fmla="*/ 192082 h 6858000"/>
+              <a:gd name="connsiteX11" fmla="*/ 4974002 w 6244272"/>
+              <a:gd name="connsiteY11" fmla="*/ 373491 h 6858000"/>
+              <a:gd name="connsiteX12" fmla="*/ 5241488 w 6244272"/>
+              <a:gd name="connsiteY12" fmla="*/ 352148 h 6858000"/>
+              <a:gd name="connsiteX13" fmla="*/ 5288007 w 6244272"/>
+              <a:gd name="connsiteY13" fmla="*/ 394834 h 6858000"/>
+              <a:gd name="connsiteX14" fmla="*/ 5305452 w 6244272"/>
+              <a:gd name="connsiteY14" fmla="*/ 451747 h 6858000"/>
+              <a:gd name="connsiteX15" fmla="*/ 5383953 w 6244272"/>
+              <a:gd name="connsiteY15" fmla="*/ 359262 h 6858000"/>
+              <a:gd name="connsiteX16" fmla="*/ 5450825 w 6244272"/>
+              <a:gd name="connsiteY16" fmla="*/ 334364 h 6858000"/>
+              <a:gd name="connsiteX17" fmla="*/ 5471177 w 6244272"/>
+              <a:gd name="connsiteY17" fmla="*/ 416176 h 6858000"/>
+              <a:gd name="connsiteX18" fmla="*/ 5410121 w 6244272"/>
+              <a:gd name="connsiteY18" fmla="*/ 505101 h 6858000"/>
+              <a:gd name="connsiteX19" fmla="*/ 5247303 w 6244272"/>
+              <a:gd name="connsiteY19" fmla="*/ 558458 h 6858000"/>
+              <a:gd name="connsiteX20" fmla="*/ 5421750 w 6244272"/>
+              <a:gd name="connsiteY20" fmla="*/ 558458 h 6858000"/>
+              <a:gd name="connsiteX21" fmla="*/ 5622364 w 6244272"/>
+              <a:gd name="connsiteY21" fmla="*/ 522887 h 6858000"/>
+              <a:gd name="connsiteX22" fmla="*/ 5834608 w 6244272"/>
+              <a:gd name="connsiteY22" fmla="*/ 533558 h 6858000"/>
+              <a:gd name="connsiteX23" fmla="*/ 6035223 w 6244272"/>
+              <a:gd name="connsiteY23" fmla="*/ 462417 h 6858000"/>
+              <a:gd name="connsiteX24" fmla="*/ 6238745 w 6244272"/>
+              <a:gd name="connsiteY24" fmla="*/ 465975 h 6858000"/>
+              <a:gd name="connsiteX25" fmla="*/ 5337434 w 6244272"/>
+              <a:gd name="connsiteY25" fmla="*/ 910606 h 6858000"/>
+              <a:gd name="connsiteX26" fmla="*/ 5381046 w 6244272"/>
+              <a:gd name="connsiteY26" fmla="*/ 921277 h 6858000"/>
+              <a:gd name="connsiteX27" fmla="*/ 5439195 w 6244272"/>
+              <a:gd name="connsiteY27" fmla="*/ 949734 h 6858000"/>
+              <a:gd name="connsiteX28" fmla="*/ 5395583 w 6244272"/>
+              <a:gd name="connsiteY28" fmla="*/ 1006647 h 6858000"/>
+              <a:gd name="connsiteX29" fmla="*/ 5160079 w 6244272"/>
+              <a:gd name="connsiteY29" fmla="*/ 1113358 h 6858000"/>
+              <a:gd name="connsiteX30" fmla="*/ 5101930 w 6244272"/>
+              <a:gd name="connsiteY30" fmla="*/ 1220069 h 6858000"/>
+              <a:gd name="connsiteX31" fmla="*/ 5174617 w 6244272"/>
+              <a:gd name="connsiteY31" fmla="*/ 1209399 h 6858000"/>
+              <a:gd name="connsiteX32" fmla="*/ 5238580 w 6244272"/>
+              <a:gd name="connsiteY32" fmla="*/ 1230741 h 6858000"/>
+              <a:gd name="connsiteX33" fmla="*/ 5212414 w 6244272"/>
+              <a:gd name="connsiteY33" fmla="*/ 1365909 h 6858000"/>
+              <a:gd name="connsiteX34" fmla="*/ 4878056 w 6244272"/>
+              <a:gd name="connsiteY34" fmla="*/ 1540204 h 6858000"/>
+              <a:gd name="connsiteX35" fmla="*/ 4848982 w 6244272"/>
+              <a:gd name="connsiteY35" fmla="*/ 1597117 h 6858000"/>
+              <a:gd name="connsiteX36" fmla="*/ 4889686 w 6244272"/>
+              <a:gd name="connsiteY36" fmla="*/ 1636245 h 6858000"/>
+              <a:gd name="connsiteX37" fmla="*/ 4997261 w 6244272"/>
+              <a:gd name="connsiteY37" fmla="*/ 1657587 h 6858000"/>
+              <a:gd name="connsiteX38" fmla="*/ 4846074 w 6244272"/>
+              <a:gd name="connsiteY38" fmla="*/ 1849668 h 6858000"/>
+              <a:gd name="connsiteX39" fmla="*/ 4790832 w 6244272"/>
+              <a:gd name="connsiteY39" fmla="*/ 1903025 h 6858000"/>
+              <a:gd name="connsiteX40" fmla="*/ 4694886 w 6244272"/>
+              <a:gd name="connsiteY40" fmla="*/ 1984836 h 6858000"/>
+              <a:gd name="connsiteX41" fmla="*/ 4694886 w 6244272"/>
+              <a:gd name="connsiteY41" fmla="*/ 2013292 h 6858000"/>
+              <a:gd name="connsiteX42" fmla="*/ 4822814 w 6244272"/>
+              <a:gd name="connsiteY42" fmla="*/ 2102219 h 6858000"/>
+              <a:gd name="connsiteX43" fmla="*/ 5055411 w 6244272"/>
+              <a:gd name="connsiteY43" fmla="*/ 2077320 h 6858000"/>
+              <a:gd name="connsiteX44" fmla="*/ 4712331 w 6244272"/>
+              <a:gd name="connsiteY44" fmla="*/ 2208931 h 6858000"/>
+              <a:gd name="connsiteX45" fmla="*/ 5822979 w 6244272"/>
+              <a:gd name="connsiteY45" fmla="*/ 1892353 h 6858000"/>
+              <a:gd name="connsiteX46" fmla="*/ 5753200 w 6244272"/>
+              <a:gd name="connsiteY46" fmla="*/ 1974165 h 6858000"/>
+              <a:gd name="connsiteX47" fmla="*/ 5363601 w 6244272"/>
+              <a:gd name="connsiteY47" fmla="*/ 2191146 h 6858000"/>
+              <a:gd name="connsiteX48" fmla="*/ 5253118 w 6244272"/>
+              <a:gd name="connsiteY48" fmla="*/ 2326314 h 6858000"/>
+              <a:gd name="connsiteX49" fmla="*/ 5136819 w 6244272"/>
+              <a:gd name="connsiteY49" fmla="*/ 2401012 h 6858000"/>
+              <a:gd name="connsiteX50" fmla="*/ 4974002 w 6244272"/>
+              <a:gd name="connsiteY50" fmla="*/ 2401012 h 6858000"/>
+              <a:gd name="connsiteX51" fmla="*/ 4857704 w 6244272"/>
+              <a:gd name="connsiteY51" fmla="*/ 2518395 h 6858000"/>
+              <a:gd name="connsiteX52" fmla="*/ 4976910 w 6244272"/>
+              <a:gd name="connsiteY52" fmla="*/ 2543294 h 6858000"/>
+              <a:gd name="connsiteX53" fmla="*/ 5116467 w 6244272"/>
+              <a:gd name="connsiteY53" fmla="*/ 2525509 h 6858000"/>
+              <a:gd name="connsiteX54" fmla="*/ 5273470 w 6244272"/>
+              <a:gd name="connsiteY54" fmla="*/ 2564636 h 6858000"/>
+              <a:gd name="connsiteX55" fmla="*/ 5418843 w 6244272"/>
+              <a:gd name="connsiteY55" fmla="*/ 2532623 h 6858000"/>
+              <a:gd name="connsiteX56" fmla="*/ 5593290 w 6244272"/>
+              <a:gd name="connsiteY56" fmla="*/ 2553965 h 6858000"/>
+              <a:gd name="connsiteX57" fmla="*/ 5648532 w 6244272"/>
+              <a:gd name="connsiteY57" fmla="*/ 2692689 h 6858000"/>
+              <a:gd name="connsiteX58" fmla="*/ 5665976 w 6244272"/>
+              <a:gd name="connsiteY58" fmla="*/ 2703362 h 6858000"/>
+              <a:gd name="connsiteX59" fmla="*/ 5988704 w 6244272"/>
+              <a:gd name="connsiteY59" fmla="*/ 2923898 h 6858000"/>
+              <a:gd name="connsiteX60" fmla="*/ 6078835 w 6244272"/>
+              <a:gd name="connsiteY60" fmla="*/ 2941684 h 6858000"/>
+              <a:gd name="connsiteX61" fmla="*/ 5546771 w 6244272"/>
+              <a:gd name="connsiteY61" fmla="*/ 3329402 h 6858000"/>
+              <a:gd name="connsiteX62" fmla="*/ 5904388 w 6244272"/>
+              <a:gd name="connsiteY62" fmla="*/ 3229805 h 6858000"/>
+              <a:gd name="connsiteX63" fmla="*/ 5953814 w 6244272"/>
+              <a:gd name="connsiteY63" fmla="*/ 3393429 h 6858000"/>
+              <a:gd name="connsiteX64" fmla="*/ 5785182 w 6244272"/>
+              <a:gd name="connsiteY64" fmla="*/ 3539269 h 6858000"/>
+              <a:gd name="connsiteX65" fmla="*/ 5724125 w 6244272"/>
+              <a:gd name="connsiteY65" fmla="*/ 3827390 h 6858000"/>
+              <a:gd name="connsiteX66" fmla="*/ 5753200 w 6244272"/>
+              <a:gd name="connsiteY66" fmla="*/ 4090612 h 6858000"/>
+              <a:gd name="connsiteX67" fmla="*/ 5825886 w 6244272"/>
+              <a:gd name="connsiteY67" fmla="*/ 4172424 h 6858000"/>
+              <a:gd name="connsiteX68" fmla="*/ 5930554 w 6244272"/>
+              <a:gd name="connsiteY68" fmla="*/ 4321821 h 6858000"/>
+              <a:gd name="connsiteX69" fmla="*/ 5994519 w 6244272"/>
+              <a:gd name="connsiteY69" fmla="*/ 4414305 h 6858000"/>
+              <a:gd name="connsiteX70" fmla="*/ 6218393 w 6244272"/>
+              <a:gd name="connsiteY70" fmla="*/ 4378734 h 6858000"/>
+              <a:gd name="connsiteX71" fmla="*/ 5918925 w 6244272"/>
+              <a:gd name="connsiteY71" fmla="*/ 4613499 h 6858000"/>
+              <a:gd name="connsiteX72" fmla="*/ 6160243 w 6244272"/>
+              <a:gd name="connsiteY72" fmla="*/ 4585042 h 6858000"/>
+              <a:gd name="connsiteX73" fmla="*/ 6238745 w 6244272"/>
+              <a:gd name="connsiteY73" fmla="*/ 4602828 h 6858000"/>
+              <a:gd name="connsiteX74" fmla="*/ 6195133 w 6244272"/>
+              <a:gd name="connsiteY74" fmla="*/ 4677526 h 6858000"/>
+              <a:gd name="connsiteX75" fmla="*/ 6017778 w 6244272"/>
+              <a:gd name="connsiteY75" fmla="*/ 4805580 h 6858000"/>
+              <a:gd name="connsiteX76" fmla="*/ 5651439 w 6244272"/>
+              <a:gd name="connsiteY76" fmla="*/ 5154171 h 6858000"/>
+              <a:gd name="connsiteX77" fmla="*/ 6006149 w 6244272"/>
+              <a:gd name="connsiteY77" fmla="*/ 4994104 h 6858000"/>
+              <a:gd name="connsiteX78" fmla="*/ 5633994 w 6244272"/>
+              <a:gd name="connsiteY78" fmla="*/ 5353367 h 6858000"/>
+              <a:gd name="connsiteX79" fmla="*/ 5552586 w 6244272"/>
+              <a:gd name="connsiteY79" fmla="*/ 5474306 h 6858000"/>
+              <a:gd name="connsiteX80" fmla="*/ 5383953 w 6244272"/>
+              <a:gd name="connsiteY80" fmla="*/ 5769542 h 6858000"/>
+              <a:gd name="connsiteX81" fmla="*/ 5392675 w 6244272"/>
+              <a:gd name="connsiteY81" fmla="*/ 5801555 h 6858000"/>
+              <a:gd name="connsiteX82" fmla="*/ 5584568 w 6244272"/>
+              <a:gd name="connsiteY82" fmla="*/ 5755314 h 6858000"/>
+              <a:gd name="connsiteX83" fmla="*/ 5334526 w 6244272"/>
+              <a:gd name="connsiteY83" fmla="*/ 6004307 h 6858000"/>
+              <a:gd name="connsiteX84" fmla="*/ 5075763 w 6244272"/>
+              <a:gd name="connsiteY84" fmla="*/ 6196388 h 6858000"/>
+              <a:gd name="connsiteX85" fmla="*/ 5258933 w 6244272"/>
+              <a:gd name="connsiteY85" fmla="*/ 6167932 h 6858000"/>
+              <a:gd name="connsiteX86" fmla="*/ 5511881 w 6244272"/>
+              <a:gd name="connsiteY86" fmla="*/ 6057663 h 6858000"/>
+              <a:gd name="connsiteX87" fmla="*/ 5599105 w 6244272"/>
+              <a:gd name="connsiteY87" fmla="*/ 6100347 h 6858000"/>
+              <a:gd name="connsiteX88" fmla="*/ 5360693 w 6244272"/>
+              <a:gd name="connsiteY88" fmla="*/ 6281757 h 6858000"/>
+              <a:gd name="connsiteX89" fmla="*/ 5224043 w 6244272"/>
+              <a:gd name="connsiteY89" fmla="*/ 6367127 h 6858000"/>
+              <a:gd name="connsiteX90" fmla="*/ 5168801 w 6244272"/>
+              <a:gd name="connsiteY90" fmla="*/ 6431153 h 6858000"/>
+              <a:gd name="connsiteX91" fmla="*/ 5011799 w 6244272"/>
+              <a:gd name="connsiteY91" fmla="*/ 6658805 h 6858000"/>
+              <a:gd name="connsiteX92" fmla="*/ 4651275 w 6244272"/>
+              <a:gd name="connsiteY92" fmla="*/ 6858000 h 6858000"/>
+              <a:gd name="connsiteX93" fmla="*/ 1823619 w 6244272"/>
+              <a:gd name="connsiteY93" fmla="*/ 6858000 h 6858000"/>
+              <a:gd name="connsiteX94" fmla="*/ 947849 w 6244272"/>
+              <a:gd name="connsiteY94" fmla="*/ 6858000 h 6858000"/>
+              <a:gd name="connsiteX95" fmla="*/ 732568 w 6244272"/>
+              <a:gd name="connsiteY95" fmla="*/ 6858000 h 6858000"/>
+              <a:gd name="connsiteX96" fmla="*/ 0 w 6244272"/>
+              <a:gd name="connsiteY96" fmla="*/ 6858000 h 6858000"/>
+            </a:gdLst>
+            <a:ahLst/>
+            <a:cxnLst>
+              <a:cxn ang="0">
+                <a:pos x="connsiteX0" y="connsiteY0"/>
+              </a:cxn>
+              <a:cxn ang="0">
+                <a:pos x="connsiteX1" y="connsiteY1"/>
+              </a:cxn>
+              <a:cxn ang="0">
+                <a:pos x="connsiteX2" y="connsiteY2"/>
+              </a:cxn>
+              <a:cxn ang="0">
+                <a:pos x="connsiteX3" y="connsiteY3"/>
+              </a:cxn>
+              <a:cxn ang="0">
+                <a:pos x="connsiteX4" y="connsiteY4"/>
+              </a:cxn>
+              <a:cxn ang="0">
+                <a:pos x="connsiteX5" y="connsiteY5"/>
+              </a:cxn>
+              <a:cxn ang="0">
+                <a:pos x="connsiteX6" y="connsiteY6"/>
+              </a:cxn>
+              <a:cxn ang="0">
+                <a:pos x="connsiteX7" y="connsiteY7"/>
+              </a:cxn>
+              <a:cxn ang="0">
+                <a:pos x="connsiteX8" y="connsiteY8"/>
+              </a:cxn>
+              <a:cxn ang="0">
+                <a:pos x="connsiteX9" y="connsiteY9"/>
+              </a:cxn>
+              <a:cxn ang="0">
+                <a:pos x="connsiteX10" y="connsiteY10"/>
+              </a:cxn>
+              <a:cxn ang="0">
+                <a:pos x="connsiteX11" y="connsiteY11"/>
+              </a:cxn>
+              <a:cxn ang="0">
+                <a:pos x="connsiteX12" y="connsiteY12"/>
+              </a:cxn>
+              <a:cxn ang="0">
+                <a:pos x="connsiteX13" y="connsiteY13"/>
+              </a:cxn>
+              <a:cxn ang="0">
+                <a:pos x="connsiteX14" y="connsiteY14"/>
+              </a:cxn>
+              <a:cxn ang="0">
+                <a:pos x="connsiteX15" y="connsiteY15"/>
+              </a:cxn>
+              <a:cxn ang="0">
+                <a:pos x="connsiteX16" y="connsiteY16"/>
+              </a:cxn>
+              <a:cxn ang="0">
+                <a:pos x="connsiteX17" y="connsiteY17"/>
+              </a:cxn>
+              <a:cxn ang="0">
+                <a:pos x="connsiteX18" y="connsiteY18"/>
+              </a:cxn>
+              <a:cxn ang="0">
+                <a:pos x="connsiteX19" y="connsiteY19"/>
+              </a:cxn>
+              <a:cxn ang="0">
+                <a:pos x="connsiteX20" y="connsiteY20"/>
+              </a:cxn>
+              <a:cxn ang="0">
+                <a:pos x="connsiteX21" y="connsiteY21"/>
+              </a:cxn>
+              <a:cxn ang="0">
+                <a:pos x="connsiteX22" y="connsiteY22"/>
+              </a:cxn>
+              <a:cxn ang="0">
+                <a:pos x="connsiteX23" y="connsiteY23"/>
+              </a:cxn>
+              <a:cxn ang="0">
+                <a:pos x="connsiteX24" y="connsiteY24"/>
+              </a:cxn>
+              <a:cxn ang="0">
+                <a:pos x="connsiteX25" y="connsiteY25"/>
+              </a:cxn>
+              <a:cxn ang="0">
+                <a:pos x="connsiteX26" y="connsiteY26"/>
+              </a:cxn>
+              <a:cxn ang="0">
+                <a:pos x="connsiteX27" y="connsiteY27"/>
+              </a:cxn>
+              <a:cxn ang="0">
+                <a:pos x="connsiteX28" y="connsiteY28"/>
+              </a:cxn>
+              <a:cxn ang="0">
+                <a:pos x="connsiteX29" y="connsiteY29"/>
+              </a:cxn>
+              <a:cxn ang="0">
+                <a:pos x="connsiteX30" y="connsiteY30"/>
+              </a:cxn>
+              <a:cxn ang="0">
+                <a:pos x="connsiteX31" y="connsiteY31"/>
+              </a:cxn>
+              <a:cxn ang="0">
+                <a:pos x="connsiteX32" y="connsiteY32"/>
+              </a:cxn>
+              <a:cxn ang="0">
+                <a:pos x="connsiteX33" y="connsiteY33"/>
+              </a:cxn>
+              <a:cxn ang="0">
+                <a:pos x="connsiteX34" y="connsiteY34"/>
+              </a:cxn>
+              <a:cxn ang="0">
+                <a:pos x="connsiteX35" y="connsiteY35"/>
+              </a:cxn>
+              <a:cxn ang="0">
+                <a:pos x="connsiteX36" y="connsiteY36"/>
+              </a:cxn>
+              <a:cxn ang="0">
+                <a:pos x="connsiteX37" y="connsiteY37"/>
+              </a:cxn>
+              <a:cxn ang="0">
+                <a:pos x="connsiteX38" y="connsiteY38"/>
+              </a:cxn>
+              <a:cxn ang="0">
+                <a:pos x="connsiteX39" y="connsiteY39"/>
+              </a:cxn>
+              <a:cxn ang="0">
+                <a:pos x="connsiteX40" y="connsiteY40"/>
+              </a:cxn>
+              <a:cxn ang="0">
+                <a:pos x="connsiteX41" y="connsiteY41"/>
+              </a:cxn>
+              <a:cxn ang="0">
+                <a:pos x="connsiteX42" y="connsiteY42"/>
+              </a:cxn>
+              <a:cxn ang="0">
+                <a:pos x="connsiteX43" y="connsiteY43"/>
+              </a:cxn>
+              <a:cxn ang="0">
+                <a:pos x="connsiteX44" y="connsiteY44"/>
+              </a:cxn>
+              <a:cxn ang="0">
+                <a:pos x="connsiteX45" y="connsiteY45"/>
+              </a:cxn>
+              <a:cxn ang="0">
+                <a:pos x="connsiteX46" y="connsiteY46"/>
+              </a:cxn>
+              <a:cxn ang="0">
+                <a:pos x="connsiteX47" y="connsiteY47"/>
+              </a:cxn>
+              <a:cxn ang="0">
+                <a:pos x="connsiteX48" y="connsiteY48"/>
+              </a:cxn>
+              <a:cxn ang="0">
+                <a:pos x="connsiteX49" y="connsiteY49"/>
+              </a:cxn>
+              <a:cxn ang="0">
+                <a:pos x="connsiteX50" y="connsiteY50"/>
+              </a:cxn>
+              <a:cxn ang="0">
+                <a:pos x="connsiteX51" y="connsiteY51"/>
+              </a:cxn>
+              <a:cxn ang="0">
+                <a:pos x="connsiteX52" y="connsiteY52"/>
+              </a:cxn>
+              <a:cxn ang="0">
+                <a:pos x="connsiteX53" y="connsiteY53"/>
+              </a:cxn>
+              <a:cxn ang="0">
+                <a:pos x="connsiteX54" y="connsiteY54"/>
+              </a:cxn>
+              <a:cxn ang="0">
+                <a:pos x="connsiteX55" y="connsiteY55"/>
+              </a:cxn>
+              <a:cxn ang="0">
+                <a:pos x="connsiteX56" y="connsiteY56"/>
+              </a:cxn>
+              <a:cxn ang="0">
+                <a:pos x="connsiteX57" y="connsiteY57"/>
+              </a:cxn>
+              <a:cxn ang="0">
+                <a:pos x="connsiteX58" y="connsiteY58"/>
+              </a:cxn>
+              <a:cxn ang="0">
+                <a:pos x="connsiteX59" y="connsiteY59"/>
+              </a:cxn>
+              <a:cxn ang="0">
+                <a:pos x="connsiteX60" y="connsiteY60"/>
+              </a:cxn>
+              <a:cxn ang="0">
+                <a:pos x="connsiteX61" y="connsiteY61"/>
+              </a:cxn>
+              <a:cxn ang="0">
+                <a:pos x="connsiteX62" y="connsiteY62"/>
+              </a:cxn>
+              <a:cxn ang="0">
+                <a:pos x="connsiteX63" y="connsiteY63"/>
+              </a:cxn>
+              <a:cxn ang="0">
+                <a:pos x="connsiteX64" y="connsiteY64"/>
+              </a:cxn>
+              <a:cxn ang="0">
+                <a:pos x="connsiteX65" y="connsiteY65"/>
+              </a:cxn>
+              <a:cxn ang="0">
+                <a:pos x="connsiteX66" y="connsiteY66"/>
+              </a:cxn>
+              <a:cxn ang="0">
+                <a:pos x="connsiteX67" y="connsiteY67"/>
+              </a:cxn>
+              <a:cxn ang="0">
+                <a:pos x="connsiteX68" y="connsiteY68"/>
+              </a:cxn>
+              <a:cxn ang="0">
+                <a:pos x="connsiteX69" y="connsiteY69"/>
+              </a:cxn>
+              <a:cxn ang="0">
+                <a:pos x="connsiteX70" y="connsiteY70"/>
+              </a:cxn>
+              <a:cxn ang="0">
+                <a:pos x="connsiteX71" y="connsiteY71"/>
+              </a:cxn>
+              <a:cxn ang="0">
+                <a:pos x="connsiteX72" y="connsiteY72"/>
+              </a:cxn>
+              <a:cxn ang="0">
+                <a:pos x="connsiteX73" y="connsiteY73"/>
+              </a:cxn>
+              <a:cxn ang="0">
+                <a:pos x="connsiteX74" y="connsiteY74"/>
+              </a:cxn>
+              <a:cxn ang="0">
+                <a:pos x="connsiteX75" y="connsiteY75"/>
+              </a:cxn>
+              <a:cxn ang="0">
+                <a:pos x="connsiteX76" y="connsiteY76"/>
+              </a:cxn>
+              <a:cxn ang="0">
+                <a:pos x="connsiteX77" y="connsiteY77"/>
+              </a:cxn>
+              <a:cxn ang="0">
+                <a:pos x="connsiteX78" y="connsiteY78"/>
+              </a:cxn>
+              <a:cxn ang="0">
+                <a:pos x="connsiteX79" y="connsiteY79"/>
+              </a:cxn>
+              <a:cxn ang="0">
+                <a:pos x="connsiteX80" y="connsiteY80"/>
+              </a:cxn>
+              <a:cxn ang="0">
+                <a:pos x="connsiteX81" y="connsiteY81"/>
+              </a:cxn>
+              <a:cxn ang="0">
+                <a:pos x="connsiteX82" y="connsiteY82"/>
+              </a:cxn>
+              <a:cxn ang="0">
+                <a:pos x="connsiteX83" y="connsiteY83"/>
+              </a:cxn>
+              <a:cxn ang="0">
+                <a:pos x="connsiteX84" y="connsiteY84"/>
+              </a:cxn>
+              <a:cxn ang="0">
+                <a:pos x="connsiteX85" y="connsiteY85"/>
+              </a:cxn>
+              <a:cxn ang="0">
+                <a:pos x="connsiteX86" y="connsiteY86"/>
+              </a:cxn>
+              <a:cxn ang="0">
+                <a:pos x="connsiteX87" y="connsiteY87"/>
+              </a:cxn>
+              <a:cxn ang="0">
+                <a:pos x="connsiteX88" y="connsiteY88"/>
+              </a:cxn>
+              <a:cxn ang="0">
+                <a:pos x="connsiteX89" y="connsiteY89"/>
+              </a:cxn>
+              <a:cxn ang="0">
+                <a:pos x="connsiteX90" y="connsiteY90"/>
+              </a:cxn>
+              <a:cxn ang="0">
+                <a:pos x="connsiteX91" y="connsiteY91"/>
+              </a:cxn>
+              <a:cxn ang="0">
+                <a:pos x="connsiteX92" y="connsiteY92"/>
+              </a:cxn>
+              <a:cxn ang="0">
+                <a:pos x="connsiteX93" y="connsiteY93"/>
+              </a:cxn>
+              <a:cxn ang="0">
+                <a:pos x="connsiteX94" y="connsiteY94"/>
+              </a:cxn>
+              <a:cxn ang="0">
+                <a:pos x="connsiteX95" y="connsiteY95"/>
+              </a:cxn>
+              <a:cxn ang="0">
+                <a:pos x="connsiteX96" y="connsiteY96"/>
+              </a:cxn>
+            </a:cxnLst>
+            <a:rect l="l" t="t" r="r" b="b"/>
+            <a:pathLst>
+              <a:path w="6244272" h="6858000">
+                <a:moveTo>
+                  <a:pt x="0" y="0"/>
+                </a:moveTo>
+                <a:lnTo>
+                  <a:pt x="732568" y="0"/>
+                </a:lnTo>
+                <a:lnTo>
+                  <a:pt x="947849" y="0"/>
+                </a:lnTo>
+                <a:lnTo>
+                  <a:pt x="1823619" y="0"/>
+                </a:lnTo>
+                <a:lnTo>
+                  <a:pt x="5235673" y="0"/>
+                </a:lnTo>
+                <a:cubicBezTo>
+                  <a:pt x="5133912" y="35571"/>
+                  <a:pt x="5035058" y="78255"/>
+                  <a:pt x="4933297" y="110269"/>
+                </a:cubicBezTo>
+                <a:cubicBezTo>
+                  <a:pt x="4947835" y="145839"/>
+                  <a:pt x="4962372" y="138725"/>
+                  <a:pt x="4976910" y="135168"/>
+                </a:cubicBezTo>
+                <a:cubicBezTo>
+                  <a:pt x="5064133" y="120941"/>
+                  <a:pt x="5154264" y="110269"/>
+                  <a:pt x="5238580" y="71141"/>
+                </a:cubicBezTo>
+                <a:cubicBezTo>
+                  <a:pt x="5258933" y="64027"/>
+                  <a:pt x="5282192" y="64027"/>
+                  <a:pt x="5290914" y="88927"/>
+                </a:cubicBezTo>
+                <a:cubicBezTo>
+                  <a:pt x="5305452" y="124497"/>
+                  <a:pt x="5285100" y="145839"/>
+                  <a:pt x="5264747" y="163625"/>
+                </a:cubicBezTo>
+                <a:cubicBezTo>
+                  <a:pt x="5229858" y="195638"/>
+                  <a:pt x="5189154" y="188525"/>
+                  <a:pt x="5151357" y="192082"/>
+                </a:cubicBezTo>
+                <a:cubicBezTo>
+                  <a:pt x="5046689" y="209867"/>
+                  <a:pt x="4997261" y="259665"/>
+                  <a:pt x="4974002" y="373491"/>
+                </a:cubicBezTo>
+                <a:cubicBezTo>
+                  <a:pt x="5064133" y="327250"/>
+                  <a:pt x="5154264" y="384162"/>
+                  <a:pt x="5241488" y="352148"/>
+                </a:cubicBezTo>
+                <a:cubicBezTo>
+                  <a:pt x="5264747" y="345034"/>
+                  <a:pt x="5299637" y="355706"/>
+                  <a:pt x="5288007" y="394834"/>
+                </a:cubicBezTo>
+                <a:cubicBezTo>
+                  <a:pt x="5276378" y="430405"/>
+                  <a:pt x="5238580" y="458860"/>
+                  <a:pt x="5305452" y="451747"/>
+                </a:cubicBezTo>
+                <a:cubicBezTo>
+                  <a:pt x="5354879" y="448189"/>
+                  <a:pt x="5369416" y="405504"/>
+                  <a:pt x="5383953" y="359262"/>
+                </a:cubicBezTo>
+                <a:cubicBezTo>
+                  <a:pt x="5395583" y="334364"/>
+                  <a:pt x="5427565" y="320135"/>
+                  <a:pt x="5450825" y="334364"/>
+                </a:cubicBezTo>
+                <a:cubicBezTo>
+                  <a:pt x="5479899" y="348592"/>
+                  <a:pt x="5471177" y="387720"/>
+                  <a:pt x="5471177" y="416176"/>
+                </a:cubicBezTo>
+                <a:cubicBezTo>
+                  <a:pt x="5474085" y="469532"/>
+                  <a:pt x="5450825" y="494431"/>
+                  <a:pt x="5410121" y="505101"/>
+                </a:cubicBezTo>
+                <a:cubicBezTo>
+                  <a:pt x="5360693" y="519330"/>
+                  <a:pt x="5311267" y="537116"/>
+                  <a:pt x="5247303" y="558458"/>
+                </a:cubicBezTo>
+                <a:cubicBezTo>
+                  <a:pt x="5317082" y="594028"/>
+                  <a:pt x="5369416" y="586915"/>
+                  <a:pt x="5421750" y="558458"/>
+                </a:cubicBezTo>
+                <a:cubicBezTo>
+                  <a:pt x="5485714" y="526444"/>
+                  <a:pt x="5570030" y="483759"/>
+                  <a:pt x="5622364" y="522887"/>
+                </a:cubicBezTo>
+                <a:cubicBezTo>
+                  <a:pt x="5700865" y="579800"/>
+                  <a:pt x="5764829" y="544229"/>
+                  <a:pt x="5834608" y="533558"/>
+                </a:cubicBezTo>
+                <a:cubicBezTo>
+                  <a:pt x="5979982" y="512216"/>
+                  <a:pt x="5889850" y="480203"/>
+                  <a:pt x="6035223" y="462417"/>
+                </a:cubicBezTo>
+                <a:cubicBezTo>
+                  <a:pt x="6093372" y="455303"/>
+                  <a:pt x="6154429" y="426847"/>
+                  <a:pt x="6238745" y="465975"/>
+                </a:cubicBezTo>
+                <a:cubicBezTo>
+                  <a:pt x="5857868" y="672284"/>
+                  <a:pt x="5677606" y="658055"/>
+                  <a:pt x="5337434" y="910606"/>
+                </a:cubicBezTo>
+                <a:cubicBezTo>
+                  <a:pt x="5351971" y="935506"/>
+                  <a:pt x="5366508" y="924835"/>
+                  <a:pt x="5381046" y="921277"/>
+                </a:cubicBezTo>
+                <a:cubicBezTo>
+                  <a:pt x="5404305" y="917720"/>
+                  <a:pt x="5433380" y="903491"/>
+                  <a:pt x="5439195" y="949734"/>
+                </a:cubicBezTo>
+                <a:cubicBezTo>
+                  <a:pt x="5442103" y="985305"/>
+                  <a:pt x="5424657" y="1003089"/>
+                  <a:pt x="5395583" y="1006647"/>
+                </a:cubicBezTo>
+                <a:cubicBezTo>
+                  <a:pt x="5311267" y="1020875"/>
+                  <a:pt x="5235673" y="1070674"/>
+                  <a:pt x="5160079" y="1113358"/>
+                </a:cubicBezTo>
+                <a:cubicBezTo>
+                  <a:pt x="5125190" y="1131144"/>
+                  <a:pt x="5087393" y="1156043"/>
+                  <a:pt x="5101930" y="1220069"/>
+                </a:cubicBezTo>
+                <a:cubicBezTo>
+                  <a:pt x="5131004" y="1237855"/>
+                  <a:pt x="5151357" y="1212955"/>
+                  <a:pt x="5174617" y="1209399"/>
+                </a:cubicBezTo>
+                <a:cubicBezTo>
+                  <a:pt x="5197876" y="1205842"/>
+                  <a:pt x="5253118" y="1220069"/>
+                  <a:pt x="5238580" y="1230741"/>
+                </a:cubicBezTo>
+                <a:cubicBezTo>
+                  <a:pt x="5171709" y="1269868"/>
+                  <a:pt x="5293822" y="1365909"/>
+                  <a:pt x="5212414" y="1365909"/>
+                </a:cubicBezTo>
+                <a:cubicBezTo>
+                  <a:pt x="5078671" y="1365909"/>
+                  <a:pt x="5005984" y="1536647"/>
+                  <a:pt x="4878056" y="1540204"/>
+                </a:cubicBezTo>
+                <a:cubicBezTo>
+                  <a:pt x="4857704" y="1540204"/>
+                  <a:pt x="4848982" y="1572219"/>
+                  <a:pt x="4848982" y="1597117"/>
+                </a:cubicBezTo>
+                <a:cubicBezTo>
+                  <a:pt x="4848982" y="1629132"/>
+                  <a:pt x="4869333" y="1632688"/>
+                  <a:pt x="4889686" y="1636245"/>
+                </a:cubicBezTo>
+                <a:cubicBezTo>
+                  <a:pt x="4921668" y="1639802"/>
+                  <a:pt x="4956557" y="1597117"/>
+                  <a:pt x="4997261" y="1657587"/>
+                </a:cubicBezTo>
+                <a:cubicBezTo>
+                  <a:pt x="4921668" y="1693158"/>
+                  <a:pt x="4843167" y="1728729"/>
+                  <a:pt x="4846074" y="1849668"/>
+                </a:cubicBezTo>
+                <a:cubicBezTo>
+                  <a:pt x="4846074" y="1881683"/>
+                  <a:pt x="4814092" y="1895910"/>
+                  <a:pt x="4790832" y="1903025"/>
+                </a:cubicBezTo>
+                <a:cubicBezTo>
+                  <a:pt x="4750128" y="1917252"/>
+                  <a:pt x="4718146" y="1938595"/>
+                  <a:pt x="4694886" y="1984836"/>
+                </a:cubicBezTo>
+                <a:cubicBezTo>
+                  <a:pt x="4694886" y="1995507"/>
+                  <a:pt x="4694886" y="2002622"/>
+                  <a:pt x="4694886" y="2013292"/>
+                </a:cubicBezTo>
+                <a:cubicBezTo>
+                  <a:pt x="4700701" y="2123562"/>
+                  <a:pt x="4758850" y="2120004"/>
+                  <a:pt x="4822814" y="2102219"/>
+                </a:cubicBezTo>
+                <a:cubicBezTo>
+                  <a:pt x="4898408" y="2080877"/>
+                  <a:pt x="4974002" y="2038192"/>
+                  <a:pt x="5055411" y="2077320"/>
+                </a:cubicBezTo>
+                <a:cubicBezTo>
+                  <a:pt x="4942020" y="2130676"/>
+                  <a:pt x="4817000" y="2134233"/>
+                  <a:pt x="4712331" y="2208931"/>
+                </a:cubicBezTo>
+                <a:cubicBezTo>
+                  <a:pt x="5101930" y="2223159"/>
+                  <a:pt x="5445010" y="1984836"/>
+                  <a:pt x="5822979" y="1892353"/>
+                </a:cubicBezTo>
+                <a:cubicBezTo>
+                  <a:pt x="5811349" y="1952823"/>
+                  <a:pt x="5779367" y="1967051"/>
+                  <a:pt x="5753200" y="1974165"/>
+                </a:cubicBezTo>
+                <a:cubicBezTo>
+                  <a:pt x="5613642" y="2020407"/>
+                  <a:pt x="5491529" y="2112891"/>
+                  <a:pt x="5363601" y="2191146"/>
+                </a:cubicBezTo>
+                <a:cubicBezTo>
+                  <a:pt x="5311267" y="2223159"/>
+                  <a:pt x="5273470" y="2258731"/>
+                  <a:pt x="5253118" y="2326314"/>
+                </a:cubicBezTo>
+                <a:cubicBezTo>
+                  <a:pt x="5235673" y="2390340"/>
+                  <a:pt x="5200783" y="2418796"/>
+                  <a:pt x="5136819" y="2401012"/>
+                </a:cubicBezTo>
+                <a:cubicBezTo>
+                  <a:pt x="5084485" y="2386784"/>
+                  <a:pt x="5029243" y="2393898"/>
+                  <a:pt x="4974002" y="2401012"/>
+                </a:cubicBezTo>
+                <a:cubicBezTo>
+                  <a:pt x="4912946" y="2408126"/>
+                  <a:pt x="4843167" y="2479267"/>
+                  <a:pt x="4857704" y="2518395"/>
+                </a:cubicBezTo>
+                <a:cubicBezTo>
+                  <a:pt x="4886778" y="2582422"/>
+                  <a:pt x="4936205" y="2550408"/>
+                  <a:pt x="4976910" y="2543294"/>
+                </a:cubicBezTo>
+                <a:cubicBezTo>
+                  <a:pt x="5026336" y="2536181"/>
+                  <a:pt x="5116467" y="2518395"/>
+                  <a:pt x="5116467" y="2525509"/>
+                </a:cubicBezTo>
+                <a:cubicBezTo>
+                  <a:pt x="5148450" y="2685576"/>
+                  <a:pt x="5221136" y="2564636"/>
+                  <a:pt x="5273470" y="2564636"/>
+                </a:cubicBezTo>
+                <a:cubicBezTo>
+                  <a:pt x="5322897" y="2564636"/>
+                  <a:pt x="5372323" y="2546851"/>
+                  <a:pt x="5418843" y="2532623"/>
+                </a:cubicBezTo>
+                <a:cubicBezTo>
+                  <a:pt x="5479899" y="2514837"/>
+                  <a:pt x="5535140" y="2546851"/>
+                  <a:pt x="5593290" y="2553965"/>
+                </a:cubicBezTo>
+                <a:cubicBezTo>
+                  <a:pt x="5645624" y="2561080"/>
+                  <a:pt x="5616550" y="2653563"/>
+                  <a:pt x="5648532" y="2692689"/>
+                </a:cubicBezTo>
+                <a:cubicBezTo>
+                  <a:pt x="5654346" y="2703362"/>
+                  <a:pt x="5660161" y="2703362"/>
+                  <a:pt x="5665976" y="2703362"/>
+                </a:cubicBezTo>
+                <a:cubicBezTo>
+                  <a:pt x="5683421" y="2980812"/>
+                  <a:pt x="5988704" y="2913227"/>
+                  <a:pt x="5988704" y="2923898"/>
+                </a:cubicBezTo>
+                <a:cubicBezTo>
+                  <a:pt x="6014871" y="2941684"/>
+                  <a:pt x="6046853" y="2899000"/>
+                  <a:pt x="6078835" y="2941684"/>
+                </a:cubicBezTo>
+                <a:cubicBezTo>
+                  <a:pt x="5942185" y="3137322"/>
+                  <a:pt x="5732847" y="3183563"/>
+                  <a:pt x="5546771" y="3329402"/>
+                </a:cubicBezTo>
+                <a:cubicBezTo>
+                  <a:pt x="5700865" y="3379202"/>
+                  <a:pt x="5790997" y="3208463"/>
+                  <a:pt x="5904388" y="3229805"/>
+                </a:cubicBezTo>
+                <a:cubicBezTo>
+                  <a:pt x="5959629" y="3283162"/>
+                  <a:pt x="5793904" y="3368530"/>
+                  <a:pt x="5953814" y="3393429"/>
+                </a:cubicBezTo>
+                <a:cubicBezTo>
+                  <a:pt x="5884036" y="3439672"/>
+                  <a:pt x="5834608" y="3485914"/>
+                  <a:pt x="5785182" y="3539269"/>
+                </a:cubicBezTo>
+                <a:cubicBezTo>
+                  <a:pt x="5700865" y="3635309"/>
+                  <a:pt x="5683421" y="3699337"/>
+                  <a:pt x="5724125" y="3827390"/>
+                </a:cubicBezTo>
+                <a:cubicBezTo>
+                  <a:pt x="5750293" y="3912759"/>
+                  <a:pt x="5788089" y="3991015"/>
+                  <a:pt x="5753200" y="4090612"/>
+                </a:cubicBezTo>
+                <a:cubicBezTo>
+                  <a:pt x="5729940" y="4158196"/>
+                  <a:pt x="5738663" y="4204438"/>
+                  <a:pt x="5825886" y="4172424"/>
+                </a:cubicBezTo>
+                <a:cubicBezTo>
+                  <a:pt x="5918925" y="4140411"/>
+                  <a:pt x="5953814" y="4200882"/>
+                  <a:pt x="5930554" y="4321821"/>
+                </a:cubicBezTo>
+                <a:cubicBezTo>
+                  <a:pt x="5916018" y="4400076"/>
+                  <a:pt x="5930554" y="4424975"/>
+                  <a:pt x="5994519" y="4414305"/>
+                </a:cubicBezTo>
+                <a:cubicBezTo>
+                  <a:pt x="6064297" y="4403633"/>
+                  <a:pt x="6131169" y="4353835"/>
+                  <a:pt x="6218393" y="4378734"/>
+                </a:cubicBezTo>
+                <a:cubicBezTo>
+                  <a:pt x="6148614" y="4521016"/>
+                  <a:pt x="6000333" y="4478331"/>
+                  <a:pt x="5918925" y="4613499"/>
+                </a:cubicBezTo>
+                <a:cubicBezTo>
+                  <a:pt x="6014871" y="4613499"/>
+                  <a:pt x="6090465" y="4613499"/>
+                  <a:pt x="6160243" y="4585042"/>
+                </a:cubicBezTo>
+                <a:cubicBezTo>
+                  <a:pt x="6189318" y="4574373"/>
+                  <a:pt x="6221300" y="4560144"/>
+                  <a:pt x="6238745" y="4602828"/>
+                </a:cubicBezTo>
+                <a:cubicBezTo>
+                  <a:pt x="6259098" y="4652628"/>
+                  <a:pt x="6218393" y="4670412"/>
+                  <a:pt x="6195133" y="4677526"/>
+                </a:cubicBezTo>
+                <a:cubicBezTo>
+                  <a:pt x="6128261" y="4702425"/>
+                  <a:pt x="6075928" y="4759339"/>
+                  <a:pt x="6017778" y="4805580"/>
+                </a:cubicBezTo>
+                <a:cubicBezTo>
+                  <a:pt x="5892758" y="4905177"/>
+                  <a:pt x="5756107" y="4990547"/>
+                  <a:pt x="5651439" y="5154171"/>
+                </a:cubicBezTo>
+                <a:cubicBezTo>
+                  <a:pt x="5782275" y="5111487"/>
+                  <a:pt x="5881128" y="5011889"/>
+                  <a:pt x="6006149" y="4994104"/>
+                </a:cubicBezTo>
+                <a:cubicBezTo>
+                  <a:pt x="5898572" y="5143500"/>
+                  <a:pt x="5761922" y="5243097"/>
+                  <a:pt x="5633994" y="5353367"/>
+                </a:cubicBezTo>
+                <a:cubicBezTo>
+                  <a:pt x="5596197" y="5385379"/>
+                  <a:pt x="5558400" y="5406721"/>
+                  <a:pt x="5552586" y="5474306"/>
+                </a:cubicBezTo>
+                <a:cubicBezTo>
+                  <a:pt x="5535140" y="5605917"/>
+                  <a:pt x="5488622" y="5712629"/>
+                  <a:pt x="5383953" y="5769542"/>
+                </a:cubicBezTo>
+                <a:cubicBezTo>
+                  <a:pt x="5383953" y="5769542"/>
+                  <a:pt x="5389768" y="5790884"/>
+                  <a:pt x="5392675" y="5801555"/>
+                </a:cubicBezTo>
+                <a:cubicBezTo>
+                  <a:pt x="5456640" y="5805112"/>
+                  <a:pt x="5506066" y="5726858"/>
+                  <a:pt x="5584568" y="5755314"/>
+                </a:cubicBezTo>
+                <a:cubicBezTo>
+                  <a:pt x="5506066" y="5862025"/>
+                  <a:pt x="5442103" y="5954508"/>
+                  <a:pt x="5334526" y="6004307"/>
+                </a:cubicBezTo>
+                <a:cubicBezTo>
+                  <a:pt x="5247303" y="6043434"/>
+                  <a:pt x="5139727" y="6068335"/>
+                  <a:pt x="5075763" y="6196388"/>
+                </a:cubicBezTo>
+                <a:cubicBezTo>
+                  <a:pt x="5148450" y="6221287"/>
+                  <a:pt x="5203691" y="6189274"/>
+                  <a:pt x="5258933" y="6167932"/>
+                </a:cubicBezTo>
+                <a:cubicBezTo>
+                  <a:pt x="5343249" y="6132361"/>
+                  <a:pt x="5427565" y="6093234"/>
+                  <a:pt x="5511881" y="6057663"/>
+                </a:cubicBezTo>
+                <a:cubicBezTo>
+                  <a:pt x="5543864" y="6043434"/>
+                  <a:pt x="5578753" y="6036320"/>
+                  <a:pt x="5599105" y="6100347"/>
+                </a:cubicBezTo>
+                <a:cubicBezTo>
+                  <a:pt x="5491529" y="6114575"/>
+                  <a:pt x="5427565" y="6199945"/>
+                  <a:pt x="5360693" y="6281757"/>
+                </a:cubicBezTo>
+                <a:cubicBezTo>
+                  <a:pt x="5322897" y="6327999"/>
+                  <a:pt x="5290914" y="6388469"/>
+                  <a:pt x="5224043" y="6367127"/>
+                </a:cubicBezTo>
+                <a:cubicBezTo>
+                  <a:pt x="5189154" y="6356456"/>
+                  <a:pt x="5165894" y="6388469"/>
+                  <a:pt x="5168801" y="6431153"/>
+                </a:cubicBezTo>
+                <a:cubicBezTo>
+                  <a:pt x="5183339" y="6580550"/>
+                  <a:pt x="5099022" y="6630349"/>
+                  <a:pt x="5011799" y="6658805"/>
+                </a:cubicBezTo>
+                <a:cubicBezTo>
+                  <a:pt x="4883871" y="6701489"/>
+                  <a:pt x="4770480" y="6786859"/>
+                  <a:pt x="4651275" y="6858000"/>
+                </a:cubicBezTo>
+                <a:lnTo>
+                  <a:pt x="1823619" y="6858000"/>
+                </a:lnTo>
+                <a:lnTo>
+                  <a:pt x="947849" y="6858000"/>
+                </a:lnTo>
+                <a:lnTo>
+                  <a:pt x="732568" y="6858000"/>
+                </a:lnTo>
+                <a:lnTo>
+                  <a:pt x="0" y="6858000"/>
+                </a:lnTo>
+                <a:close/>
+              </a:path>
+            </a:pathLst>
+          </a:custGeom>
+          <a:ln>
+            <a:noFill/>
+          </a:ln>
+        </p:spPr>
+        <p:style>
+          <a:lnRef idx="2">
+            <a:schemeClr val="accent1">
+              <a:shade val="50000"/>
+            </a:schemeClr>
+          </a:lnRef>
+          <a:fillRef idx="1">
+            <a:schemeClr val="accent1"/>
+          </a:fillRef>
+          <a:effectRef idx="0">
+            <a:schemeClr val="accent1"/>
+          </a:effectRef>
+          <a:fontRef idx="minor">
+            <a:schemeClr val="lt1"/>
+          </a:fontRef>
+        </p:style>
+        <p:txBody>
+          <a:bodyPr wrap="square" rtlCol="0" anchor="ctr">
+            <a:noAutofit/>
+          </a:bodyPr>
+          <a:lstStyle/>
+          <a:p>
+            <a:pPr algn="ctr"/>
+            <a:endParaRPr lang="en-US"/>
+          </a:p>
+        </p:txBody>
+      </p:sp>
       <p:sp>
         <p:nvSpPr>
           <p:cNvPr id="2" name="Title 1">
@@ -11855,7 +19517,7 @@
     </p:spTree>
     <p:extLst>
       <p:ext uri="{BB962C8B-B14F-4D97-AF65-F5344CB8AC3E}">
-        <p14:creationId xmlns:p14="http://schemas.microsoft.com/office/powerpoint/2010/main" val="348231276"/>
+        <p14:creationId xmlns:p14="http://schemas.microsoft.com/office/powerpoint/2010/main" val="63376896"/>
       </p:ext>
     </p:extLst>
   </p:cSld>
